--- a/ShiftsHappen/Sprint 2/CSW Sprint 2.pptx
+++ b/ShiftsHappen/Sprint 2/CSW Sprint 2.pptx
@@ -224,7 +224,7 @@
           </a:lstStyle>
           <a:p>
             <a:fld id="{7D50F5C2-1F77-45FD-808B-AC99B6454F11}" type="datetimeFigureOut">
-              <a:t>12/01/2025</a:t>
+              <a:t>1/13/2025</a:t>
             </a:fld>
             <a:endParaRPr lang="it-IT"/>
           </a:p>
@@ -1014,7 +1014,7 @@
           <a:p>
             <a:fld id="{F64A8E5F-40E5-4553-9F3C-699F1A5B8145}" type="datetimeFigureOut">
               <a:rPr lang="de-DE" smtClean="0"/>
-              <a:t>12.01.2025</a:t>
+              <a:t>13.01.2025</a:t>
             </a:fld>
             <a:endParaRPr lang="de-DE"/>
           </a:p>
@@ -1184,7 +1184,7 @@
           <a:p>
             <a:fld id="{F64A8E5F-40E5-4553-9F3C-699F1A5B8145}" type="datetimeFigureOut">
               <a:rPr lang="de-DE" smtClean="0"/>
-              <a:t>12.01.2025</a:t>
+              <a:t>13.01.2025</a:t>
             </a:fld>
             <a:endParaRPr lang="de-DE"/>
           </a:p>
@@ -1364,7 +1364,7 @@
           <a:p>
             <a:fld id="{F64A8E5F-40E5-4553-9F3C-699F1A5B8145}" type="datetimeFigureOut">
               <a:rPr lang="de-DE" smtClean="0"/>
-              <a:t>12.01.2025</a:t>
+              <a:t>13.01.2025</a:t>
             </a:fld>
             <a:endParaRPr lang="de-DE"/>
           </a:p>
@@ -1534,7 +1534,7 @@
           <a:p>
             <a:fld id="{F64A8E5F-40E5-4553-9F3C-699F1A5B8145}" type="datetimeFigureOut">
               <a:rPr lang="de-DE" smtClean="0"/>
-              <a:t>12.01.2025</a:t>
+              <a:t>13.01.2025</a:t>
             </a:fld>
             <a:endParaRPr lang="de-DE"/>
           </a:p>
@@ -1780,7 +1780,7 @@
           <a:p>
             <a:fld id="{F64A8E5F-40E5-4553-9F3C-699F1A5B8145}" type="datetimeFigureOut">
               <a:rPr lang="de-DE" smtClean="0"/>
-              <a:t>12.01.2025</a:t>
+              <a:t>13.01.2025</a:t>
             </a:fld>
             <a:endParaRPr lang="de-DE"/>
           </a:p>
@@ -2012,7 +2012,7 @@
           <a:p>
             <a:fld id="{F64A8E5F-40E5-4553-9F3C-699F1A5B8145}" type="datetimeFigureOut">
               <a:rPr lang="de-DE" smtClean="0"/>
-              <a:t>12.01.2025</a:t>
+              <a:t>13.01.2025</a:t>
             </a:fld>
             <a:endParaRPr lang="de-DE"/>
           </a:p>
@@ -2379,7 +2379,7 @@
           <a:p>
             <a:fld id="{F64A8E5F-40E5-4553-9F3C-699F1A5B8145}" type="datetimeFigureOut">
               <a:rPr lang="de-DE" smtClean="0"/>
-              <a:t>12.01.2025</a:t>
+              <a:t>13.01.2025</a:t>
             </a:fld>
             <a:endParaRPr lang="de-DE"/>
           </a:p>
@@ -2497,7 +2497,7 @@
           <a:p>
             <a:fld id="{F64A8E5F-40E5-4553-9F3C-699F1A5B8145}" type="datetimeFigureOut">
               <a:rPr lang="de-DE" smtClean="0"/>
-              <a:t>12.01.2025</a:t>
+              <a:t>13.01.2025</a:t>
             </a:fld>
             <a:endParaRPr lang="de-DE"/>
           </a:p>
@@ -2592,7 +2592,7 @@
           <a:p>
             <a:fld id="{F64A8E5F-40E5-4553-9F3C-699F1A5B8145}" type="datetimeFigureOut">
               <a:rPr lang="de-DE" smtClean="0"/>
-              <a:t>12.01.2025</a:t>
+              <a:t>13.01.2025</a:t>
             </a:fld>
             <a:endParaRPr lang="de-DE"/>
           </a:p>
@@ -2869,7 +2869,7 @@
           <a:p>
             <a:fld id="{F64A8E5F-40E5-4553-9F3C-699F1A5B8145}" type="datetimeFigureOut">
               <a:rPr lang="de-DE" smtClean="0"/>
-              <a:t>12.01.2025</a:t>
+              <a:t>13.01.2025</a:t>
             </a:fld>
             <a:endParaRPr lang="de-DE"/>
           </a:p>
@@ -3122,7 +3122,7 @@
           <a:p>
             <a:fld id="{F64A8E5F-40E5-4553-9F3C-699F1A5B8145}" type="datetimeFigureOut">
               <a:rPr lang="de-DE" smtClean="0"/>
-              <a:t>12.01.2025</a:t>
+              <a:t>13.01.2025</a:t>
             </a:fld>
             <a:endParaRPr lang="de-DE"/>
           </a:p>
@@ -3335,7 +3335,7 @@
           <a:p>
             <a:fld id="{F64A8E5F-40E5-4553-9F3C-699F1A5B8145}" type="datetimeFigureOut">
               <a:rPr lang="de-DE" smtClean="0"/>
-              <a:t>12.01.2025</a:t>
+              <a:t>13.01.2025</a:t>
             </a:fld>
             <a:endParaRPr lang="de-DE"/>
           </a:p>
@@ -6537,7 +6537,7 @@
         </p:spPr>
         <p:txBody>
           <a:bodyPr>
-            <a:normAutofit fontScale="90000"/>
+            <a:normAutofit/>
           </a:bodyPr>
           <a:lstStyle/>
           <a:p>
@@ -7343,7 +7343,7 @@
         </p:spPr>
         <p:txBody>
           <a:bodyPr>
-            <a:normAutofit fontScale="90000"/>
+            <a:normAutofit/>
           </a:bodyPr>
           <a:lstStyle/>
           <a:p>
@@ -9787,7 +9787,7 @@
           <p:nvPr/>
         </p:nvPicPr>
         <p:blipFill>
-          <a:blip r:embed="rId2">
+          <a:blip r:embed="rId2" cstate="print">
             <a:extLst>
               <a:ext uri="{28A0092B-C50C-407E-A947-70E740481C1C}">
                 <a14:useLocalDpi xmlns:a14="http://schemas.microsoft.com/office/drawing/2010/main" val="0"/>
@@ -10447,7 +10447,7 @@
           <p:nvPr/>
         </p:nvPicPr>
         <p:blipFill>
-          <a:blip r:embed="rId2">
+          <a:blip r:embed="rId2" cstate="print">
             <a:extLst>
               <a:ext uri="{28A0092B-C50C-407E-A947-70E740481C1C}">
                 <a14:useLocalDpi xmlns:a14="http://schemas.microsoft.com/office/drawing/2010/main" val="0"/>
@@ -11013,7 +11013,7 @@
           <p:nvPr/>
         </p:nvPicPr>
         <p:blipFill>
-          <a:blip r:embed="rId3">
+          <a:blip r:embed="rId3" cstate="print">
             <a:extLst>
               <a:ext uri="{28A0092B-C50C-407E-A947-70E740481C1C}">
                 <a14:useLocalDpi xmlns:a14="http://schemas.microsoft.com/office/drawing/2010/main" val="0"/>
@@ -13217,7 +13217,7 @@
           <p:nvPr/>
         </p:nvPicPr>
         <p:blipFill>
-          <a:blip r:embed="rId3">
+          <a:blip r:embed="rId3" cstate="print">
             <a:extLst>
               <a:ext uri="{28A0092B-C50C-407E-A947-70E740481C1C}">
                 <a14:useLocalDpi xmlns:a14="http://schemas.microsoft.com/office/drawing/2010/main" val="0"/>
@@ -13249,106 +13249,4950 @@
           </a:extLst>
         </p:spPr>
       </p:pic>
-      <p:sp>
-        <p:nvSpPr>
-          <p:cNvPr id="3" name="CasellaDiTesto 2">
+      <p:graphicFrame>
+        <p:nvGraphicFramePr>
+          <p:cNvPr id="10" name="Tabella 9">
             <a:extLst>
               <a:ext uri="{FF2B5EF4-FFF2-40B4-BE49-F238E27FC236}">
-                <a16:creationId xmlns:a16="http://schemas.microsoft.com/office/drawing/2014/main" id="{54217F21-9CCF-B6F5-8519-E61584B09C59}"/>
+                <a16:creationId xmlns:a16="http://schemas.microsoft.com/office/drawing/2014/main" id="{F098E4CA-3DB3-4B67-65C0-8E87EC8276B0}"/>
               </a:ext>
             </a:extLst>
           </p:cNvPr>
-          <p:cNvSpPr txBox="1"/>
-          <p:nvPr/>
-        </p:nvSpPr>
-        <p:spPr>
-          <a:xfrm>
-            <a:off x="812556" y="3602750"/>
-            <a:ext cx="7366825" cy="707886"/>
-          </a:xfrm>
-          <a:prstGeom prst="rect">
-            <a:avLst/>
-          </a:prstGeom>
-          <a:noFill/>
-        </p:spPr>
-        <p:txBody>
-          <a:bodyPr wrap="none" rtlCol="0">
-            <a:spAutoFit/>
-          </a:bodyPr>
-          <a:lstStyle/>
-          <a:p>
-            <a:r>
-              <a:rPr lang="it-IT" sz="4000" dirty="0">
-                <a:solidFill>
-                  <a:srgbClr val="FF0000"/>
-                </a:solidFill>
-                <a:highlight>
-                  <a:srgbClr val="E7F0F7"/>
-                </a:highlight>
-              </a:rPr>
-              <a:t>INSERIRE FOGLIO ORE SPRINT 2</a:t>
-            </a:r>
-            <a:endParaRPr lang="en-GB" sz="4000" dirty="0">
-              <a:solidFill>
-                <a:srgbClr val="FF0000"/>
-              </a:solidFill>
-              <a:highlight>
-                <a:srgbClr val="E7F0F7"/>
-              </a:highlight>
-            </a:endParaRPr>
-          </a:p>
-        </p:txBody>
-      </p:sp>
-      <p:sp>
-        <p:nvSpPr>
-          <p:cNvPr id="7" name="CasellaDiTesto 6">
-            <a:extLst>
-              <a:ext uri="{FF2B5EF4-FFF2-40B4-BE49-F238E27FC236}">
-                <a16:creationId xmlns:a16="http://schemas.microsoft.com/office/drawing/2014/main" id="{91C59E54-BC22-303E-F34C-93835B161031}"/>
-              </a:ext>
-            </a:extLst>
-          </p:cNvPr>
-          <p:cNvSpPr txBox="1"/>
-          <p:nvPr/>
-        </p:nvSpPr>
-        <p:spPr>
-          <a:xfrm>
-            <a:off x="812556" y="3627297"/>
-            <a:ext cx="7366825" cy="707886"/>
-          </a:xfrm>
-          <a:prstGeom prst="rect">
-            <a:avLst/>
-          </a:prstGeom>
-          <a:noFill/>
-        </p:spPr>
-        <p:txBody>
-          <a:bodyPr wrap="none" rtlCol="0">
-            <a:spAutoFit/>
-          </a:bodyPr>
-          <a:lstStyle/>
-          <a:p>
-            <a:r>
-              <a:rPr lang="it-IT" sz="4000" dirty="0">
-                <a:solidFill>
-                  <a:srgbClr val="FF0000"/>
-                </a:solidFill>
-                <a:highlight>
-                  <a:srgbClr val="E7F0F7"/>
-                </a:highlight>
-              </a:rPr>
-              <a:t>INSERIRE FOGLIO ORE SPRINT 2</a:t>
-            </a:r>
-            <a:endParaRPr lang="en-GB" sz="4000" dirty="0">
-              <a:solidFill>
-                <a:srgbClr val="FF0000"/>
-              </a:solidFill>
-              <a:highlight>
-                <a:srgbClr val="E7F0F7"/>
-              </a:highlight>
-            </a:endParaRPr>
-          </a:p>
-        </p:txBody>
-      </p:sp>
+          <p:cNvGraphicFramePr>
+            <a:graphicFrameLocks noGrp="1"/>
+          </p:cNvGraphicFramePr>
+          <p:nvPr>
+            <p:extLst>
+              <p:ext uri="{D42A27DB-BD31-4B8C-83A1-F6EECF244321}">
+                <p14:modId xmlns:p14="http://schemas.microsoft.com/office/powerpoint/2010/main" val="2640199848"/>
+              </p:ext>
+            </p:extLst>
+          </p:nvPr>
+        </p:nvGraphicFramePr>
+        <p:xfrm>
+          <a:off x="359218" y="2801082"/>
+          <a:ext cx="8868956" cy="1255836"/>
+        </p:xfrm>
+        <a:graphic>
+          <a:graphicData uri="http://schemas.openxmlformats.org/drawingml/2006/table">
+            <a:tbl>
+              <a:tblPr/>
+              <a:tblGrid>
+                <a:gridCol w="1214695">
+                  <a:extLst>
+                    <a:ext uri="{9D8B030D-6E8A-4147-A177-3AD203B41FA5}">
+                      <a16:colId xmlns:a16="http://schemas.microsoft.com/office/drawing/2014/main" val="2397136898"/>
+                    </a:ext>
+                  </a:extLst>
+                </a:gridCol>
+                <a:gridCol w="518984">
+                  <a:extLst>
+                    <a:ext uri="{9D8B030D-6E8A-4147-A177-3AD203B41FA5}">
+                      <a16:colId xmlns:a16="http://schemas.microsoft.com/office/drawing/2014/main" val="1300390415"/>
+                    </a:ext>
+                  </a:extLst>
+                </a:gridCol>
+                <a:gridCol w="710514">
+                  <a:extLst>
+                    <a:ext uri="{9D8B030D-6E8A-4147-A177-3AD203B41FA5}">
+                      <a16:colId xmlns:a16="http://schemas.microsoft.com/office/drawing/2014/main" val="3975028271"/>
+                    </a:ext>
+                  </a:extLst>
+                </a:gridCol>
+                <a:gridCol w="646359">
+                  <a:extLst>
+                    <a:ext uri="{9D8B030D-6E8A-4147-A177-3AD203B41FA5}">
+                      <a16:colId xmlns:a16="http://schemas.microsoft.com/office/drawing/2014/main" val="950472483"/>
+                    </a:ext>
+                  </a:extLst>
+                </a:gridCol>
+                <a:gridCol w="736847">
+                  <a:extLst>
+                    <a:ext uri="{9D8B030D-6E8A-4147-A177-3AD203B41FA5}">
+                      <a16:colId xmlns:a16="http://schemas.microsoft.com/office/drawing/2014/main" val="688098029"/>
+                    </a:ext>
+                  </a:extLst>
+                </a:gridCol>
+                <a:gridCol w="370703">
+                  <a:extLst>
+                    <a:ext uri="{9D8B030D-6E8A-4147-A177-3AD203B41FA5}">
+                      <a16:colId xmlns:a16="http://schemas.microsoft.com/office/drawing/2014/main" val="531105498"/>
+                    </a:ext>
+                  </a:extLst>
+                </a:gridCol>
+                <a:gridCol w="741405">
+                  <a:extLst>
+                    <a:ext uri="{9D8B030D-6E8A-4147-A177-3AD203B41FA5}">
+                      <a16:colId xmlns:a16="http://schemas.microsoft.com/office/drawing/2014/main" val="1467514658"/>
+                    </a:ext>
+                  </a:extLst>
+                </a:gridCol>
+                <a:gridCol w="920578">
+                  <a:extLst>
+                    <a:ext uri="{9D8B030D-6E8A-4147-A177-3AD203B41FA5}">
+                      <a16:colId xmlns:a16="http://schemas.microsoft.com/office/drawing/2014/main" val="3388008410"/>
+                    </a:ext>
+                  </a:extLst>
+                </a:gridCol>
+                <a:gridCol w="864973">
+                  <a:extLst>
+                    <a:ext uri="{9D8B030D-6E8A-4147-A177-3AD203B41FA5}">
+                      <a16:colId xmlns:a16="http://schemas.microsoft.com/office/drawing/2014/main" val="3826544173"/>
+                    </a:ext>
+                  </a:extLst>
+                </a:gridCol>
+                <a:gridCol w="710514">
+                  <a:extLst>
+                    <a:ext uri="{9D8B030D-6E8A-4147-A177-3AD203B41FA5}">
+                      <a16:colId xmlns:a16="http://schemas.microsoft.com/office/drawing/2014/main" val="2915822132"/>
+                    </a:ext>
+                  </a:extLst>
+                </a:gridCol>
+                <a:gridCol w="654908">
+                  <a:extLst>
+                    <a:ext uri="{9D8B030D-6E8A-4147-A177-3AD203B41FA5}">
+                      <a16:colId xmlns:a16="http://schemas.microsoft.com/office/drawing/2014/main" val="273147206"/>
+                    </a:ext>
+                  </a:extLst>
+                </a:gridCol>
+                <a:gridCol w="778476">
+                  <a:extLst>
+                    <a:ext uri="{9D8B030D-6E8A-4147-A177-3AD203B41FA5}">
+                      <a16:colId xmlns:a16="http://schemas.microsoft.com/office/drawing/2014/main" val="1568693542"/>
+                    </a:ext>
+                  </a:extLst>
+                </a:gridCol>
+              </a:tblGrid>
+              <a:tr h="274617">
+                <a:tc>
+                  <a:txBody>
+                    <a:bodyPr/>
+                    <a:lstStyle/>
+                    <a:p>
+                      <a:pPr algn="ctr" rtl="0" fontAlgn="ctr"/>
+                      <a:endParaRPr lang="en-GB" sz="800" b="0" i="0" u="none" strike="noStrike">
+                        <a:solidFill>
+                          <a:srgbClr val="000000"/>
+                        </a:solidFill>
+                        <a:effectLst/>
+                        <a:latin typeface="Arial" panose="020B0604020202020204" pitchFamily="34" charset="0"/>
+                      </a:endParaRPr>
+                    </a:p>
+                  </a:txBody>
+                  <a:tcPr marL="4886" marR="4886" marT="4886" marB="35182" anchor="ctr">
+                    <a:lnL w="6350" cap="flat" cmpd="sng" algn="ctr">
+                      <a:solidFill>
+                        <a:srgbClr val="000000"/>
+                      </a:solidFill>
+                      <a:prstDash val="solid"/>
+                      <a:round/>
+                      <a:headEnd type="none" w="med" len="med"/>
+                      <a:tailEnd type="none" w="med" len="med"/>
+                    </a:lnL>
+                    <a:lnR w="6350" cap="flat" cmpd="sng" algn="ctr">
+                      <a:solidFill>
+                        <a:srgbClr val="000000"/>
+                      </a:solidFill>
+                      <a:prstDash val="solid"/>
+                      <a:round/>
+                      <a:headEnd type="none" w="med" len="med"/>
+                      <a:tailEnd type="none" w="med" len="med"/>
+                    </a:lnR>
+                    <a:lnT w="6350" cap="flat" cmpd="sng" algn="ctr">
+                      <a:solidFill>
+                        <a:srgbClr val="000000"/>
+                      </a:solidFill>
+                      <a:prstDash val="solid"/>
+                      <a:round/>
+                      <a:headEnd type="none" w="med" len="med"/>
+                      <a:tailEnd type="none" w="med" len="med"/>
+                    </a:lnT>
+                    <a:lnB w="6350" cap="flat" cmpd="sng" algn="ctr">
+                      <a:solidFill>
+                        <a:srgbClr val="000000"/>
+                      </a:solidFill>
+                      <a:prstDash val="solid"/>
+                      <a:round/>
+                      <a:headEnd type="none" w="med" len="med"/>
+                      <a:tailEnd type="none" w="med" len="med"/>
+                    </a:lnB>
+                    <a:solidFill>
+                      <a:srgbClr val="C0E4F5"/>
+                    </a:solidFill>
+                  </a:tcPr>
+                </a:tc>
+                <a:tc>
+                  <a:txBody>
+                    <a:bodyPr/>
+                    <a:lstStyle/>
+                    <a:p>
+                      <a:pPr algn="ctr" rtl="0" fontAlgn="ctr"/>
+                      <a:r>
+                        <a:rPr lang="en-GB" sz="800" b="0" i="0" u="none" strike="noStrike">
+                          <a:solidFill>
+                            <a:srgbClr val="000000"/>
+                          </a:solidFill>
+                          <a:effectLst/>
+                          <a:latin typeface="Arial" panose="020B0604020202020204" pitchFamily="34" charset="0"/>
+                        </a:rPr>
+                        <a:t>Business Modeling</a:t>
+                      </a:r>
+                    </a:p>
+                  </a:txBody>
+                  <a:tcPr marL="4886" marR="4886" marT="4886" marB="35182" anchor="ctr">
+                    <a:lnL w="6350" cap="flat" cmpd="sng" algn="ctr">
+                      <a:solidFill>
+                        <a:srgbClr val="000000"/>
+                      </a:solidFill>
+                      <a:prstDash val="solid"/>
+                      <a:round/>
+                      <a:headEnd type="none" w="med" len="med"/>
+                      <a:tailEnd type="none" w="med" len="med"/>
+                    </a:lnL>
+                    <a:lnR w="6350" cap="flat" cmpd="sng" algn="ctr">
+                      <a:solidFill>
+                        <a:srgbClr val="000000"/>
+                      </a:solidFill>
+                      <a:prstDash val="solid"/>
+                      <a:round/>
+                      <a:headEnd type="none" w="med" len="med"/>
+                      <a:tailEnd type="none" w="med" len="med"/>
+                    </a:lnR>
+                    <a:lnT w="6350" cap="flat" cmpd="sng" algn="ctr">
+                      <a:solidFill>
+                        <a:srgbClr val="000000"/>
+                      </a:solidFill>
+                      <a:prstDash val="solid"/>
+                      <a:round/>
+                      <a:headEnd type="none" w="med" len="med"/>
+                      <a:tailEnd type="none" w="med" len="med"/>
+                    </a:lnT>
+                    <a:lnB w="6350" cap="flat" cmpd="sng" algn="ctr">
+                      <a:solidFill>
+                        <a:srgbClr val="000000"/>
+                      </a:solidFill>
+                      <a:prstDash val="solid"/>
+                      <a:round/>
+                      <a:headEnd type="none" w="med" len="med"/>
+                      <a:tailEnd type="none" w="med" len="med"/>
+                    </a:lnB>
+                    <a:solidFill>
+                      <a:srgbClr val="C0E4F5"/>
+                    </a:solidFill>
+                  </a:tcPr>
+                </a:tc>
+                <a:tc>
+                  <a:txBody>
+                    <a:bodyPr/>
+                    <a:lstStyle/>
+                    <a:p>
+                      <a:pPr algn="ctr" rtl="0" fontAlgn="ctr"/>
+                      <a:r>
+                        <a:rPr lang="en-GB" sz="800" b="0" i="0" u="none" strike="noStrike">
+                          <a:solidFill>
+                            <a:srgbClr val="000000"/>
+                          </a:solidFill>
+                          <a:effectLst/>
+                          <a:latin typeface="Arial" panose="020B0604020202020204" pitchFamily="34" charset="0"/>
+                        </a:rPr>
+                        <a:t>Requirements</a:t>
+                      </a:r>
+                    </a:p>
+                  </a:txBody>
+                  <a:tcPr marL="4886" marR="4886" marT="4886" marB="35182" anchor="ctr">
+                    <a:lnL w="6350" cap="flat" cmpd="sng" algn="ctr">
+                      <a:solidFill>
+                        <a:srgbClr val="000000"/>
+                      </a:solidFill>
+                      <a:prstDash val="solid"/>
+                      <a:round/>
+                      <a:headEnd type="none" w="med" len="med"/>
+                      <a:tailEnd type="none" w="med" len="med"/>
+                    </a:lnL>
+                    <a:lnR w="6350" cap="flat" cmpd="sng" algn="ctr">
+                      <a:solidFill>
+                        <a:srgbClr val="000000"/>
+                      </a:solidFill>
+                      <a:prstDash val="solid"/>
+                      <a:round/>
+                      <a:headEnd type="none" w="med" len="med"/>
+                      <a:tailEnd type="none" w="med" len="med"/>
+                    </a:lnR>
+                    <a:lnT w="6350" cap="flat" cmpd="sng" algn="ctr">
+                      <a:solidFill>
+                        <a:srgbClr val="000000"/>
+                      </a:solidFill>
+                      <a:prstDash val="solid"/>
+                      <a:round/>
+                      <a:headEnd type="none" w="med" len="med"/>
+                      <a:tailEnd type="none" w="med" len="med"/>
+                    </a:lnT>
+                    <a:lnB w="6350" cap="flat" cmpd="sng" algn="ctr">
+                      <a:solidFill>
+                        <a:srgbClr val="000000"/>
+                      </a:solidFill>
+                      <a:prstDash val="solid"/>
+                      <a:round/>
+                      <a:headEnd type="none" w="med" len="med"/>
+                      <a:tailEnd type="none" w="med" len="med"/>
+                    </a:lnB>
+                    <a:solidFill>
+                      <a:srgbClr val="C0E4F5"/>
+                    </a:solidFill>
+                  </a:tcPr>
+                </a:tc>
+                <a:tc>
+                  <a:txBody>
+                    <a:bodyPr/>
+                    <a:lstStyle/>
+                    <a:p>
+                      <a:pPr algn="ctr" rtl="0" fontAlgn="ctr"/>
+                      <a:r>
+                        <a:rPr lang="en-GB" sz="800" b="0" i="0" u="none" strike="noStrike" dirty="0">
+                          <a:solidFill>
+                            <a:srgbClr val="000000"/>
+                          </a:solidFill>
+                          <a:effectLst/>
+                          <a:latin typeface="Arial" panose="020B0604020202020204" pitchFamily="34" charset="0"/>
+                        </a:rPr>
+                        <a:t>Analysis and </a:t>
+                      </a:r>
+                    </a:p>
+                    <a:p>
+                      <a:pPr algn="ctr" rtl="0" fontAlgn="ctr"/>
+                      <a:r>
+                        <a:rPr lang="en-GB" sz="800" b="0" i="0" u="none" strike="noStrike" dirty="0">
+                          <a:solidFill>
+                            <a:srgbClr val="000000"/>
+                          </a:solidFill>
+                          <a:effectLst/>
+                          <a:latin typeface="Arial" panose="020B0604020202020204" pitchFamily="34" charset="0"/>
+                        </a:rPr>
+                        <a:t>design</a:t>
+                      </a:r>
+                    </a:p>
+                  </a:txBody>
+                  <a:tcPr marL="4886" marR="4886" marT="4886" marB="35182" anchor="ctr">
+                    <a:lnL w="6350" cap="flat" cmpd="sng" algn="ctr">
+                      <a:solidFill>
+                        <a:srgbClr val="000000"/>
+                      </a:solidFill>
+                      <a:prstDash val="solid"/>
+                      <a:round/>
+                      <a:headEnd type="none" w="med" len="med"/>
+                      <a:tailEnd type="none" w="med" len="med"/>
+                    </a:lnL>
+                    <a:lnR w="6350" cap="flat" cmpd="sng" algn="ctr">
+                      <a:solidFill>
+                        <a:srgbClr val="000000"/>
+                      </a:solidFill>
+                      <a:prstDash val="solid"/>
+                      <a:round/>
+                      <a:headEnd type="none" w="med" len="med"/>
+                      <a:tailEnd type="none" w="med" len="med"/>
+                    </a:lnR>
+                    <a:lnT w="6350" cap="flat" cmpd="sng" algn="ctr">
+                      <a:solidFill>
+                        <a:srgbClr val="000000"/>
+                      </a:solidFill>
+                      <a:prstDash val="solid"/>
+                      <a:round/>
+                      <a:headEnd type="none" w="med" len="med"/>
+                      <a:tailEnd type="none" w="med" len="med"/>
+                    </a:lnT>
+                    <a:lnB w="6350" cap="flat" cmpd="sng" algn="ctr">
+                      <a:solidFill>
+                        <a:srgbClr val="000000"/>
+                      </a:solidFill>
+                      <a:prstDash val="solid"/>
+                      <a:round/>
+                      <a:headEnd type="none" w="med" len="med"/>
+                      <a:tailEnd type="none" w="med" len="med"/>
+                    </a:lnB>
+                    <a:solidFill>
+                      <a:srgbClr val="C0E4F5"/>
+                    </a:solidFill>
+                  </a:tcPr>
+                </a:tc>
+                <a:tc>
+                  <a:txBody>
+                    <a:bodyPr/>
+                    <a:lstStyle/>
+                    <a:p>
+                      <a:pPr algn="ctr" rtl="0" fontAlgn="ctr"/>
+                      <a:r>
+                        <a:rPr lang="en-GB" sz="800" b="0" i="0" u="none" strike="noStrike">
+                          <a:solidFill>
+                            <a:srgbClr val="000000"/>
+                          </a:solidFill>
+                          <a:effectLst/>
+                          <a:latin typeface="Arial" panose="020B0604020202020204" pitchFamily="34" charset="0"/>
+                        </a:rPr>
+                        <a:t>Implementation</a:t>
+                      </a:r>
+                    </a:p>
+                  </a:txBody>
+                  <a:tcPr marL="4886" marR="4886" marT="4886" marB="35182" anchor="ctr">
+                    <a:lnL w="6350" cap="flat" cmpd="sng" algn="ctr">
+                      <a:solidFill>
+                        <a:srgbClr val="000000"/>
+                      </a:solidFill>
+                      <a:prstDash val="solid"/>
+                      <a:round/>
+                      <a:headEnd type="none" w="med" len="med"/>
+                      <a:tailEnd type="none" w="med" len="med"/>
+                    </a:lnL>
+                    <a:lnR w="6350" cap="flat" cmpd="sng" algn="ctr">
+                      <a:solidFill>
+                        <a:srgbClr val="000000"/>
+                      </a:solidFill>
+                      <a:prstDash val="solid"/>
+                      <a:round/>
+                      <a:headEnd type="none" w="med" len="med"/>
+                      <a:tailEnd type="none" w="med" len="med"/>
+                    </a:lnR>
+                    <a:lnT w="6350" cap="flat" cmpd="sng" algn="ctr">
+                      <a:solidFill>
+                        <a:srgbClr val="000000"/>
+                      </a:solidFill>
+                      <a:prstDash val="solid"/>
+                      <a:round/>
+                      <a:headEnd type="none" w="med" len="med"/>
+                      <a:tailEnd type="none" w="med" len="med"/>
+                    </a:lnT>
+                    <a:lnB w="6350" cap="flat" cmpd="sng" algn="ctr">
+                      <a:solidFill>
+                        <a:srgbClr val="000000"/>
+                      </a:solidFill>
+                      <a:prstDash val="solid"/>
+                      <a:round/>
+                      <a:headEnd type="none" w="med" len="med"/>
+                      <a:tailEnd type="none" w="med" len="med"/>
+                    </a:lnB>
+                    <a:solidFill>
+                      <a:srgbClr val="C0E4F5"/>
+                    </a:solidFill>
+                  </a:tcPr>
+                </a:tc>
+                <a:tc>
+                  <a:txBody>
+                    <a:bodyPr/>
+                    <a:lstStyle/>
+                    <a:p>
+                      <a:pPr algn="ctr" rtl="0" fontAlgn="ctr"/>
+                      <a:r>
+                        <a:rPr lang="en-GB" sz="800" b="0" i="0" u="none" strike="noStrike">
+                          <a:solidFill>
+                            <a:srgbClr val="000000"/>
+                          </a:solidFill>
+                          <a:effectLst/>
+                          <a:latin typeface="Arial" panose="020B0604020202020204" pitchFamily="34" charset="0"/>
+                        </a:rPr>
+                        <a:t>Test</a:t>
+                      </a:r>
+                    </a:p>
+                  </a:txBody>
+                  <a:tcPr marL="4886" marR="4886" marT="4886" marB="35182" anchor="ctr">
+                    <a:lnL w="6350" cap="flat" cmpd="sng" algn="ctr">
+                      <a:solidFill>
+                        <a:srgbClr val="000000"/>
+                      </a:solidFill>
+                      <a:prstDash val="solid"/>
+                      <a:round/>
+                      <a:headEnd type="none" w="med" len="med"/>
+                      <a:tailEnd type="none" w="med" len="med"/>
+                    </a:lnL>
+                    <a:lnR w="6350" cap="flat" cmpd="sng" algn="ctr">
+                      <a:solidFill>
+                        <a:srgbClr val="000000"/>
+                      </a:solidFill>
+                      <a:prstDash val="solid"/>
+                      <a:round/>
+                      <a:headEnd type="none" w="med" len="med"/>
+                      <a:tailEnd type="none" w="med" len="med"/>
+                    </a:lnR>
+                    <a:lnT w="6350" cap="flat" cmpd="sng" algn="ctr">
+                      <a:solidFill>
+                        <a:srgbClr val="000000"/>
+                      </a:solidFill>
+                      <a:prstDash val="solid"/>
+                      <a:round/>
+                      <a:headEnd type="none" w="med" len="med"/>
+                      <a:tailEnd type="none" w="med" len="med"/>
+                    </a:lnT>
+                    <a:lnB w="6350" cap="flat" cmpd="sng" algn="ctr">
+                      <a:solidFill>
+                        <a:srgbClr val="000000"/>
+                      </a:solidFill>
+                      <a:prstDash val="solid"/>
+                      <a:round/>
+                      <a:headEnd type="none" w="med" len="med"/>
+                      <a:tailEnd type="none" w="med" len="med"/>
+                    </a:lnB>
+                    <a:solidFill>
+                      <a:srgbClr val="C0E4F5"/>
+                    </a:solidFill>
+                  </a:tcPr>
+                </a:tc>
+                <a:tc>
+                  <a:txBody>
+                    <a:bodyPr/>
+                    <a:lstStyle/>
+                    <a:p>
+                      <a:pPr algn="ctr" rtl="0" fontAlgn="ctr"/>
+                      <a:r>
+                        <a:rPr lang="en-GB" sz="800" b="0" i="0" u="none" strike="noStrike">
+                          <a:solidFill>
+                            <a:srgbClr val="000000"/>
+                          </a:solidFill>
+                          <a:effectLst/>
+                          <a:latin typeface="Arial" panose="020B0604020202020204" pitchFamily="34" charset="0"/>
+                        </a:rPr>
+                        <a:t>Deployment</a:t>
+                      </a:r>
+                    </a:p>
+                  </a:txBody>
+                  <a:tcPr marL="4886" marR="4886" marT="4886" marB="35182" anchor="ctr">
+                    <a:lnL w="6350" cap="flat" cmpd="sng" algn="ctr">
+                      <a:solidFill>
+                        <a:srgbClr val="000000"/>
+                      </a:solidFill>
+                      <a:prstDash val="solid"/>
+                      <a:round/>
+                      <a:headEnd type="none" w="med" len="med"/>
+                      <a:tailEnd type="none" w="med" len="med"/>
+                    </a:lnL>
+                    <a:lnR w="6350" cap="flat" cmpd="sng" algn="ctr">
+                      <a:solidFill>
+                        <a:srgbClr val="000000"/>
+                      </a:solidFill>
+                      <a:prstDash val="solid"/>
+                      <a:round/>
+                      <a:headEnd type="none" w="med" len="med"/>
+                      <a:tailEnd type="none" w="med" len="med"/>
+                    </a:lnR>
+                    <a:lnT w="6350" cap="flat" cmpd="sng" algn="ctr">
+                      <a:solidFill>
+                        <a:srgbClr val="000000"/>
+                      </a:solidFill>
+                      <a:prstDash val="solid"/>
+                      <a:round/>
+                      <a:headEnd type="none" w="med" len="med"/>
+                      <a:tailEnd type="none" w="med" len="med"/>
+                    </a:lnT>
+                    <a:lnB w="6350" cap="flat" cmpd="sng" algn="ctr">
+                      <a:solidFill>
+                        <a:srgbClr val="000000"/>
+                      </a:solidFill>
+                      <a:prstDash val="solid"/>
+                      <a:round/>
+                      <a:headEnd type="none" w="med" len="med"/>
+                      <a:tailEnd type="none" w="med" len="med"/>
+                    </a:lnB>
+                    <a:solidFill>
+                      <a:srgbClr val="C0E4F5"/>
+                    </a:solidFill>
+                  </a:tcPr>
+                </a:tc>
+                <a:tc>
+                  <a:txBody>
+                    <a:bodyPr/>
+                    <a:lstStyle/>
+                    <a:p>
+                      <a:pPr algn="ctr" rtl="0" fontAlgn="ctr"/>
+                      <a:r>
+                        <a:rPr lang="en-GB" sz="800" b="0" i="0" u="none" strike="noStrike" dirty="0">
+                          <a:solidFill>
+                            <a:srgbClr val="000000"/>
+                          </a:solidFill>
+                          <a:effectLst/>
+                          <a:latin typeface="Arial" panose="020B0604020202020204" pitchFamily="34" charset="0"/>
+                        </a:rPr>
+                        <a:t>Configuration</a:t>
+                      </a:r>
+                    </a:p>
+                    <a:p>
+                      <a:pPr algn="ctr" rtl="0" fontAlgn="ctr"/>
+                      <a:r>
+                        <a:rPr lang="en-GB" sz="800" b="0" i="0" u="none" strike="noStrike" dirty="0">
+                          <a:solidFill>
+                            <a:srgbClr val="000000"/>
+                          </a:solidFill>
+                          <a:effectLst/>
+                          <a:latin typeface="Arial" panose="020B0604020202020204" pitchFamily="34" charset="0"/>
+                        </a:rPr>
+                        <a:t>management</a:t>
+                      </a:r>
+                    </a:p>
+                  </a:txBody>
+                  <a:tcPr marL="4886" marR="4886" marT="4886" marB="35182" anchor="ctr">
+                    <a:lnL w="6350" cap="flat" cmpd="sng" algn="ctr">
+                      <a:solidFill>
+                        <a:srgbClr val="000000"/>
+                      </a:solidFill>
+                      <a:prstDash val="solid"/>
+                      <a:round/>
+                      <a:headEnd type="none" w="med" len="med"/>
+                      <a:tailEnd type="none" w="med" len="med"/>
+                    </a:lnL>
+                    <a:lnR w="6350" cap="flat" cmpd="sng" algn="ctr">
+                      <a:solidFill>
+                        <a:srgbClr val="000000"/>
+                      </a:solidFill>
+                      <a:prstDash val="solid"/>
+                      <a:round/>
+                      <a:headEnd type="none" w="med" len="med"/>
+                      <a:tailEnd type="none" w="med" len="med"/>
+                    </a:lnR>
+                    <a:lnT w="6350" cap="flat" cmpd="sng" algn="ctr">
+                      <a:solidFill>
+                        <a:srgbClr val="000000"/>
+                      </a:solidFill>
+                      <a:prstDash val="solid"/>
+                      <a:round/>
+                      <a:headEnd type="none" w="med" len="med"/>
+                      <a:tailEnd type="none" w="med" len="med"/>
+                    </a:lnT>
+                    <a:lnB w="6350" cap="flat" cmpd="sng" algn="ctr">
+                      <a:solidFill>
+                        <a:srgbClr val="000000"/>
+                      </a:solidFill>
+                      <a:prstDash val="solid"/>
+                      <a:round/>
+                      <a:headEnd type="none" w="med" len="med"/>
+                      <a:tailEnd type="none" w="med" len="med"/>
+                    </a:lnB>
+                    <a:solidFill>
+                      <a:srgbClr val="C0E4F5"/>
+                    </a:solidFill>
+                  </a:tcPr>
+                </a:tc>
+                <a:tc>
+                  <a:txBody>
+                    <a:bodyPr/>
+                    <a:lstStyle/>
+                    <a:p>
+                      <a:pPr algn="ctr" rtl="0" fontAlgn="ctr"/>
+                      <a:r>
+                        <a:rPr lang="en-GB" sz="800" b="0" i="0" u="none" strike="noStrike" dirty="0">
+                          <a:solidFill>
+                            <a:srgbClr val="000000"/>
+                          </a:solidFill>
+                          <a:effectLst/>
+                          <a:latin typeface="Arial" panose="020B0604020202020204" pitchFamily="34" charset="0"/>
+                        </a:rPr>
+                        <a:t>Project</a:t>
+                      </a:r>
+                    </a:p>
+                    <a:p>
+                      <a:pPr algn="ctr" rtl="0" fontAlgn="ctr"/>
+                      <a:r>
+                        <a:rPr lang="en-GB" sz="800" b="0" i="0" u="none" strike="noStrike" dirty="0">
+                          <a:solidFill>
+                            <a:srgbClr val="000000"/>
+                          </a:solidFill>
+                          <a:effectLst/>
+                          <a:latin typeface="Arial" panose="020B0604020202020204" pitchFamily="34" charset="0"/>
+                        </a:rPr>
+                        <a:t>management</a:t>
+                      </a:r>
+                    </a:p>
+                  </a:txBody>
+                  <a:tcPr marL="4886" marR="4886" marT="4886" marB="35182" anchor="ctr">
+                    <a:lnL w="6350" cap="flat" cmpd="sng" algn="ctr">
+                      <a:solidFill>
+                        <a:srgbClr val="000000"/>
+                      </a:solidFill>
+                      <a:prstDash val="solid"/>
+                      <a:round/>
+                      <a:headEnd type="none" w="med" len="med"/>
+                      <a:tailEnd type="none" w="med" len="med"/>
+                    </a:lnL>
+                    <a:lnR w="6350" cap="flat" cmpd="sng" algn="ctr">
+                      <a:solidFill>
+                        <a:srgbClr val="000000"/>
+                      </a:solidFill>
+                      <a:prstDash val="solid"/>
+                      <a:round/>
+                      <a:headEnd type="none" w="med" len="med"/>
+                      <a:tailEnd type="none" w="med" len="med"/>
+                    </a:lnR>
+                    <a:lnT w="6350" cap="flat" cmpd="sng" algn="ctr">
+                      <a:solidFill>
+                        <a:srgbClr val="000000"/>
+                      </a:solidFill>
+                      <a:prstDash val="solid"/>
+                      <a:round/>
+                      <a:headEnd type="none" w="med" len="med"/>
+                      <a:tailEnd type="none" w="med" len="med"/>
+                    </a:lnT>
+                    <a:lnB w="6350" cap="flat" cmpd="sng" algn="ctr">
+                      <a:solidFill>
+                        <a:srgbClr val="000000"/>
+                      </a:solidFill>
+                      <a:prstDash val="solid"/>
+                      <a:round/>
+                      <a:headEnd type="none" w="med" len="med"/>
+                      <a:tailEnd type="none" w="med" len="med"/>
+                    </a:lnB>
+                    <a:solidFill>
+                      <a:srgbClr val="C0E4F5"/>
+                    </a:solidFill>
+                  </a:tcPr>
+                </a:tc>
+                <a:tc>
+                  <a:txBody>
+                    <a:bodyPr/>
+                    <a:lstStyle/>
+                    <a:p>
+                      <a:pPr algn="ctr" rtl="0" fontAlgn="ctr"/>
+                      <a:r>
+                        <a:rPr lang="en-GB" sz="800" b="0" i="0" u="none" strike="noStrike">
+                          <a:solidFill>
+                            <a:srgbClr val="000000"/>
+                          </a:solidFill>
+                          <a:effectLst/>
+                          <a:latin typeface="Arial" panose="020B0604020202020204" pitchFamily="34" charset="0"/>
+                        </a:rPr>
+                        <a:t>Environment</a:t>
+                      </a:r>
+                    </a:p>
+                  </a:txBody>
+                  <a:tcPr marL="4886" marR="4886" marT="4886" marB="35182" anchor="ctr">
+                    <a:lnL w="6350" cap="flat" cmpd="sng" algn="ctr">
+                      <a:solidFill>
+                        <a:srgbClr val="000000"/>
+                      </a:solidFill>
+                      <a:prstDash val="solid"/>
+                      <a:round/>
+                      <a:headEnd type="none" w="med" len="med"/>
+                      <a:tailEnd type="none" w="med" len="med"/>
+                    </a:lnL>
+                    <a:lnR w="6350" cap="flat" cmpd="sng" algn="ctr">
+                      <a:solidFill>
+                        <a:srgbClr val="000000"/>
+                      </a:solidFill>
+                      <a:prstDash val="solid"/>
+                      <a:round/>
+                      <a:headEnd type="none" w="med" len="med"/>
+                      <a:tailEnd type="none" w="med" len="med"/>
+                    </a:lnR>
+                    <a:lnT w="6350" cap="flat" cmpd="sng" algn="ctr">
+                      <a:solidFill>
+                        <a:srgbClr val="000000"/>
+                      </a:solidFill>
+                      <a:prstDash val="solid"/>
+                      <a:round/>
+                      <a:headEnd type="none" w="med" len="med"/>
+                      <a:tailEnd type="none" w="med" len="med"/>
+                    </a:lnT>
+                    <a:lnB w="6350" cap="flat" cmpd="sng" algn="ctr">
+                      <a:solidFill>
+                        <a:srgbClr val="000000"/>
+                      </a:solidFill>
+                      <a:prstDash val="solid"/>
+                      <a:round/>
+                      <a:headEnd type="none" w="med" len="med"/>
+                      <a:tailEnd type="none" w="med" len="med"/>
+                    </a:lnB>
+                    <a:solidFill>
+                      <a:srgbClr val="C0E4F5"/>
+                    </a:solidFill>
+                  </a:tcPr>
+                </a:tc>
+                <a:tc>
+                  <a:txBody>
+                    <a:bodyPr/>
+                    <a:lstStyle/>
+                    <a:p>
+                      <a:pPr algn="ctr" rtl="0" fontAlgn="ctr"/>
+                      <a:r>
+                        <a:rPr lang="en-GB" sz="800" b="0" i="0" u="none" strike="noStrike" dirty="0" err="1">
+                          <a:solidFill>
+                            <a:srgbClr val="000000"/>
+                          </a:solidFill>
+                          <a:effectLst/>
+                          <a:latin typeface="Arial" panose="020B0604020202020204" pitchFamily="34" charset="0"/>
+                        </a:rPr>
+                        <a:t>Totale</a:t>
+                      </a:r>
+                      <a:endParaRPr lang="en-GB" sz="800" b="0" i="0" u="none" strike="noStrike" dirty="0">
+                        <a:solidFill>
+                          <a:srgbClr val="000000"/>
+                        </a:solidFill>
+                        <a:effectLst/>
+                        <a:latin typeface="Arial" panose="020B0604020202020204" pitchFamily="34" charset="0"/>
+                      </a:endParaRPr>
+                    </a:p>
+                  </a:txBody>
+                  <a:tcPr marL="4886" marR="4886" marT="4886" marB="35182" anchor="ctr">
+                    <a:lnL w="6350" cap="flat" cmpd="sng" algn="ctr">
+                      <a:solidFill>
+                        <a:srgbClr val="000000"/>
+                      </a:solidFill>
+                      <a:prstDash val="solid"/>
+                      <a:round/>
+                      <a:headEnd type="none" w="med" len="med"/>
+                      <a:tailEnd type="none" w="med" len="med"/>
+                    </a:lnL>
+                    <a:lnR w="6350" cap="flat" cmpd="sng" algn="ctr">
+                      <a:solidFill>
+                        <a:srgbClr val="000000"/>
+                      </a:solidFill>
+                      <a:prstDash val="solid"/>
+                      <a:round/>
+                      <a:headEnd type="none" w="med" len="med"/>
+                      <a:tailEnd type="none" w="med" len="med"/>
+                    </a:lnR>
+                    <a:lnT w="6350" cap="flat" cmpd="sng" algn="ctr">
+                      <a:solidFill>
+                        <a:srgbClr val="000000"/>
+                      </a:solidFill>
+                      <a:prstDash val="solid"/>
+                      <a:round/>
+                      <a:headEnd type="none" w="med" len="med"/>
+                      <a:tailEnd type="none" w="med" len="med"/>
+                    </a:lnT>
+                    <a:lnB w="6350" cap="flat" cmpd="sng" algn="ctr">
+                      <a:solidFill>
+                        <a:srgbClr val="000000"/>
+                      </a:solidFill>
+                      <a:prstDash val="solid"/>
+                      <a:round/>
+                      <a:headEnd type="none" w="med" len="med"/>
+                      <a:tailEnd type="none" w="med" len="med"/>
+                    </a:lnB>
+                    <a:solidFill>
+                      <a:srgbClr val="C0E4F5"/>
+                    </a:solidFill>
+                  </a:tcPr>
+                </a:tc>
+                <a:tc>
+                  <a:txBody>
+                    <a:bodyPr/>
+                    <a:lstStyle/>
+                    <a:p>
+                      <a:pPr algn="ctr" rtl="0" fontAlgn="ctr"/>
+                      <a:r>
+                        <a:rPr lang="en-GB" sz="800" b="0" i="0" u="none" strike="noStrike" dirty="0" err="1">
+                          <a:solidFill>
+                            <a:srgbClr val="000000"/>
+                          </a:solidFill>
+                          <a:effectLst/>
+                          <a:latin typeface="Arial" panose="020B0604020202020204" pitchFamily="34" charset="0"/>
+                        </a:rPr>
+                        <a:t>Percentuale</a:t>
+                      </a:r>
+                      <a:endParaRPr lang="en-GB" sz="800" b="0" i="0" u="none" strike="noStrike" dirty="0">
+                        <a:solidFill>
+                          <a:srgbClr val="000000"/>
+                        </a:solidFill>
+                        <a:effectLst/>
+                        <a:latin typeface="Arial" panose="020B0604020202020204" pitchFamily="34" charset="0"/>
+                      </a:endParaRPr>
+                    </a:p>
+                  </a:txBody>
+                  <a:tcPr marL="4886" marR="4886" marT="4886" marB="35182" anchor="ctr">
+                    <a:lnL w="6350" cap="flat" cmpd="sng" algn="ctr">
+                      <a:solidFill>
+                        <a:srgbClr val="000000"/>
+                      </a:solidFill>
+                      <a:prstDash val="solid"/>
+                      <a:round/>
+                      <a:headEnd type="none" w="med" len="med"/>
+                      <a:tailEnd type="none" w="med" len="med"/>
+                    </a:lnL>
+                    <a:lnR w="6350" cap="flat" cmpd="sng" algn="ctr">
+                      <a:solidFill>
+                        <a:srgbClr val="000000"/>
+                      </a:solidFill>
+                      <a:prstDash val="solid"/>
+                      <a:round/>
+                      <a:headEnd type="none" w="med" len="med"/>
+                      <a:tailEnd type="none" w="med" len="med"/>
+                    </a:lnR>
+                    <a:lnT w="6350" cap="flat" cmpd="sng" algn="ctr">
+                      <a:solidFill>
+                        <a:srgbClr val="000000"/>
+                      </a:solidFill>
+                      <a:prstDash val="solid"/>
+                      <a:round/>
+                      <a:headEnd type="none" w="med" len="med"/>
+                      <a:tailEnd type="none" w="med" len="med"/>
+                    </a:lnT>
+                    <a:lnB w="6350" cap="flat" cmpd="sng" algn="ctr">
+                      <a:solidFill>
+                        <a:srgbClr val="000000"/>
+                      </a:solidFill>
+                      <a:prstDash val="solid"/>
+                      <a:round/>
+                      <a:headEnd type="none" w="med" len="med"/>
+                      <a:tailEnd type="none" w="med" len="med"/>
+                    </a:lnB>
+                    <a:solidFill>
+                      <a:srgbClr val="C0E4F5"/>
+                    </a:solidFill>
+                  </a:tcPr>
+                </a:tc>
+                <a:extLst>
+                  <a:ext uri="{0D108BD9-81ED-4DB2-BD59-A6C34878D82A}">
+                    <a16:rowId xmlns:a16="http://schemas.microsoft.com/office/drawing/2014/main" val="3944852800"/>
+                  </a:ext>
+                </a:extLst>
+              </a:tr>
+              <a:tr h="157343">
+                <a:tc>
+                  <a:txBody>
+                    <a:bodyPr/>
+                    <a:lstStyle/>
+                    <a:p>
+                      <a:pPr algn="l" rtl="0" fontAlgn="ctr"/>
+                      <a:r>
+                        <a:rPr lang="en-GB" sz="800" b="0" i="0" u="none" strike="noStrike">
+                          <a:solidFill>
+                            <a:srgbClr val="000000"/>
+                          </a:solidFill>
+                          <a:effectLst/>
+                          <a:latin typeface="Arial" panose="020B0604020202020204" pitchFamily="34" charset="0"/>
+                        </a:rPr>
+                        <a:t>Matteo Basili</a:t>
+                      </a:r>
+                    </a:p>
+                  </a:txBody>
+                  <a:tcPr marL="4886" marR="4886" marT="4886" marB="35182" anchor="ctr">
+                    <a:lnL w="6350" cap="flat" cmpd="sng" algn="ctr">
+                      <a:solidFill>
+                        <a:srgbClr val="000000"/>
+                      </a:solidFill>
+                      <a:prstDash val="solid"/>
+                      <a:round/>
+                      <a:headEnd type="none" w="med" len="med"/>
+                      <a:tailEnd type="none" w="med" len="med"/>
+                    </a:lnL>
+                    <a:lnR w="6350" cap="flat" cmpd="sng" algn="ctr">
+                      <a:solidFill>
+                        <a:srgbClr val="000000"/>
+                      </a:solidFill>
+                      <a:prstDash val="solid"/>
+                      <a:round/>
+                      <a:headEnd type="none" w="med" len="med"/>
+                      <a:tailEnd type="none" w="med" len="med"/>
+                    </a:lnR>
+                    <a:lnT w="6350" cap="flat" cmpd="sng" algn="ctr">
+                      <a:solidFill>
+                        <a:srgbClr val="000000"/>
+                      </a:solidFill>
+                      <a:prstDash val="solid"/>
+                      <a:round/>
+                      <a:headEnd type="none" w="med" len="med"/>
+                      <a:tailEnd type="none" w="med" len="med"/>
+                    </a:lnT>
+                    <a:lnB w="6350" cap="flat" cmpd="sng" algn="ctr">
+                      <a:solidFill>
+                        <a:srgbClr val="000000"/>
+                      </a:solidFill>
+                      <a:prstDash val="solid"/>
+                      <a:round/>
+                      <a:headEnd type="none" w="med" len="med"/>
+                      <a:tailEnd type="none" w="med" len="med"/>
+                    </a:lnB>
+                    <a:solidFill>
+                      <a:srgbClr val="C0E4F5"/>
+                    </a:solidFill>
+                  </a:tcPr>
+                </a:tc>
+                <a:tc>
+                  <a:txBody>
+                    <a:bodyPr/>
+                    <a:lstStyle/>
+                    <a:p>
+                      <a:pPr algn="l" rtl="0" fontAlgn="ctr"/>
+                      <a:endParaRPr lang="en-GB" sz="800" b="0" i="0" u="none" strike="noStrike">
+                        <a:solidFill>
+                          <a:srgbClr val="000000"/>
+                        </a:solidFill>
+                        <a:effectLst/>
+                        <a:latin typeface="Arial" panose="020B0604020202020204" pitchFamily="34" charset="0"/>
+                      </a:endParaRPr>
+                    </a:p>
+                  </a:txBody>
+                  <a:tcPr marL="4886" marR="4886" marT="4886" marB="35182" anchor="ctr">
+                    <a:lnL w="6350" cap="flat" cmpd="sng" algn="ctr">
+                      <a:solidFill>
+                        <a:srgbClr val="000000"/>
+                      </a:solidFill>
+                      <a:prstDash val="solid"/>
+                      <a:round/>
+                      <a:headEnd type="none" w="med" len="med"/>
+                      <a:tailEnd type="none" w="med" len="med"/>
+                    </a:lnL>
+                    <a:lnR w="6350" cap="flat" cmpd="sng" algn="ctr">
+                      <a:solidFill>
+                        <a:srgbClr val="000000"/>
+                      </a:solidFill>
+                      <a:prstDash val="solid"/>
+                      <a:round/>
+                      <a:headEnd type="none" w="med" len="med"/>
+                      <a:tailEnd type="none" w="med" len="med"/>
+                    </a:lnR>
+                    <a:lnT w="6350" cap="flat" cmpd="sng" algn="ctr">
+                      <a:solidFill>
+                        <a:srgbClr val="000000"/>
+                      </a:solidFill>
+                      <a:prstDash val="solid"/>
+                      <a:round/>
+                      <a:headEnd type="none" w="med" len="med"/>
+                      <a:tailEnd type="none" w="med" len="med"/>
+                    </a:lnT>
+                    <a:lnB w="6350" cap="flat" cmpd="sng" algn="ctr">
+                      <a:solidFill>
+                        <a:srgbClr val="000000"/>
+                      </a:solidFill>
+                      <a:prstDash val="solid"/>
+                      <a:round/>
+                      <a:headEnd type="none" w="med" len="med"/>
+                      <a:tailEnd type="none" w="med" len="med"/>
+                    </a:lnB>
+                    <a:noFill/>
+                  </a:tcPr>
+                </a:tc>
+                <a:tc>
+                  <a:txBody>
+                    <a:bodyPr/>
+                    <a:lstStyle/>
+                    <a:p>
+                      <a:pPr algn="l" rtl="0" fontAlgn="ctr"/>
+                      <a:endParaRPr lang="en-GB" sz="800" b="0" i="0" u="none" strike="noStrike">
+                        <a:solidFill>
+                          <a:srgbClr val="000000"/>
+                        </a:solidFill>
+                        <a:effectLst/>
+                        <a:latin typeface="Arial" panose="020B0604020202020204" pitchFamily="34" charset="0"/>
+                      </a:endParaRPr>
+                    </a:p>
+                  </a:txBody>
+                  <a:tcPr marL="4886" marR="4886" marT="4886" marB="35182" anchor="ctr">
+                    <a:lnL w="6350" cap="flat" cmpd="sng" algn="ctr">
+                      <a:solidFill>
+                        <a:srgbClr val="000000"/>
+                      </a:solidFill>
+                      <a:prstDash val="solid"/>
+                      <a:round/>
+                      <a:headEnd type="none" w="med" len="med"/>
+                      <a:tailEnd type="none" w="med" len="med"/>
+                    </a:lnL>
+                    <a:lnR w="6350" cap="flat" cmpd="sng" algn="ctr">
+                      <a:solidFill>
+                        <a:srgbClr val="000000"/>
+                      </a:solidFill>
+                      <a:prstDash val="solid"/>
+                      <a:round/>
+                      <a:headEnd type="none" w="med" len="med"/>
+                      <a:tailEnd type="none" w="med" len="med"/>
+                    </a:lnR>
+                    <a:lnT w="6350" cap="flat" cmpd="sng" algn="ctr">
+                      <a:solidFill>
+                        <a:srgbClr val="000000"/>
+                      </a:solidFill>
+                      <a:prstDash val="solid"/>
+                      <a:round/>
+                      <a:headEnd type="none" w="med" len="med"/>
+                      <a:tailEnd type="none" w="med" len="med"/>
+                    </a:lnT>
+                    <a:lnB w="6350" cap="flat" cmpd="sng" algn="ctr">
+                      <a:solidFill>
+                        <a:srgbClr val="000000"/>
+                      </a:solidFill>
+                      <a:prstDash val="solid"/>
+                      <a:round/>
+                      <a:headEnd type="none" w="med" len="med"/>
+                      <a:tailEnd type="none" w="med" len="med"/>
+                    </a:lnB>
+                    <a:noFill/>
+                  </a:tcPr>
+                </a:tc>
+                <a:tc>
+                  <a:txBody>
+                    <a:bodyPr/>
+                    <a:lstStyle/>
+                    <a:p>
+                      <a:pPr algn="r" rtl="0" fontAlgn="ctr"/>
+                      <a:r>
+                        <a:rPr lang="en-GB" sz="800" b="0" i="0" u="none" strike="noStrike">
+                          <a:solidFill>
+                            <a:srgbClr val="000000"/>
+                          </a:solidFill>
+                          <a:effectLst/>
+                          <a:latin typeface="Arial" panose="020B0604020202020204" pitchFamily="34" charset="0"/>
+                        </a:rPr>
+                        <a:t>7</a:t>
+                      </a:r>
+                    </a:p>
+                  </a:txBody>
+                  <a:tcPr marL="4886" marR="4886" marT="4886" marB="35182" anchor="ctr">
+                    <a:lnL w="6350" cap="flat" cmpd="sng" algn="ctr">
+                      <a:solidFill>
+                        <a:srgbClr val="000000"/>
+                      </a:solidFill>
+                      <a:prstDash val="solid"/>
+                      <a:round/>
+                      <a:headEnd type="none" w="med" len="med"/>
+                      <a:tailEnd type="none" w="med" len="med"/>
+                    </a:lnL>
+                    <a:lnR w="6350" cap="flat" cmpd="sng" algn="ctr">
+                      <a:solidFill>
+                        <a:srgbClr val="000000"/>
+                      </a:solidFill>
+                      <a:prstDash val="solid"/>
+                      <a:round/>
+                      <a:headEnd type="none" w="med" len="med"/>
+                      <a:tailEnd type="none" w="med" len="med"/>
+                    </a:lnR>
+                    <a:lnT w="6350" cap="flat" cmpd="sng" algn="ctr">
+                      <a:solidFill>
+                        <a:srgbClr val="000000"/>
+                      </a:solidFill>
+                      <a:prstDash val="solid"/>
+                      <a:round/>
+                      <a:headEnd type="none" w="med" len="med"/>
+                      <a:tailEnd type="none" w="med" len="med"/>
+                    </a:lnT>
+                    <a:lnB w="6350" cap="flat" cmpd="sng" algn="ctr">
+                      <a:solidFill>
+                        <a:srgbClr val="000000"/>
+                      </a:solidFill>
+                      <a:prstDash val="solid"/>
+                      <a:round/>
+                      <a:headEnd type="none" w="med" len="med"/>
+                      <a:tailEnd type="none" w="med" len="med"/>
+                    </a:lnB>
+                    <a:noFill/>
+                  </a:tcPr>
+                </a:tc>
+                <a:tc>
+                  <a:txBody>
+                    <a:bodyPr/>
+                    <a:lstStyle/>
+                    <a:p>
+                      <a:pPr algn="r" rtl="0" fontAlgn="ctr"/>
+                      <a:r>
+                        <a:rPr lang="en-GB" sz="800" b="0" i="0" u="none" strike="noStrike">
+                          <a:solidFill>
+                            <a:srgbClr val="000000"/>
+                          </a:solidFill>
+                          <a:effectLst/>
+                          <a:latin typeface="Arial" panose="020B0604020202020204" pitchFamily="34" charset="0"/>
+                        </a:rPr>
+                        <a:t>22</a:t>
+                      </a:r>
+                    </a:p>
+                  </a:txBody>
+                  <a:tcPr marL="4886" marR="4886" marT="4886" marB="35182" anchor="ctr">
+                    <a:lnL w="6350" cap="flat" cmpd="sng" algn="ctr">
+                      <a:solidFill>
+                        <a:srgbClr val="000000"/>
+                      </a:solidFill>
+                      <a:prstDash val="solid"/>
+                      <a:round/>
+                      <a:headEnd type="none" w="med" len="med"/>
+                      <a:tailEnd type="none" w="med" len="med"/>
+                    </a:lnL>
+                    <a:lnR w="6350" cap="flat" cmpd="sng" algn="ctr">
+                      <a:solidFill>
+                        <a:srgbClr val="000000"/>
+                      </a:solidFill>
+                      <a:prstDash val="solid"/>
+                      <a:round/>
+                      <a:headEnd type="none" w="med" len="med"/>
+                      <a:tailEnd type="none" w="med" len="med"/>
+                    </a:lnR>
+                    <a:lnT w="6350" cap="flat" cmpd="sng" algn="ctr">
+                      <a:solidFill>
+                        <a:srgbClr val="000000"/>
+                      </a:solidFill>
+                      <a:prstDash val="solid"/>
+                      <a:round/>
+                      <a:headEnd type="none" w="med" len="med"/>
+                      <a:tailEnd type="none" w="med" len="med"/>
+                    </a:lnT>
+                    <a:lnB w="6350" cap="flat" cmpd="sng" algn="ctr">
+                      <a:solidFill>
+                        <a:srgbClr val="000000"/>
+                      </a:solidFill>
+                      <a:prstDash val="solid"/>
+                      <a:round/>
+                      <a:headEnd type="none" w="med" len="med"/>
+                      <a:tailEnd type="none" w="med" len="med"/>
+                    </a:lnB>
+                    <a:noFill/>
+                  </a:tcPr>
+                </a:tc>
+                <a:tc>
+                  <a:txBody>
+                    <a:bodyPr/>
+                    <a:lstStyle/>
+                    <a:p>
+                      <a:pPr algn="l" rtl="0" fontAlgn="ctr"/>
+                      <a:endParaRPr lang="en-GB" sz="800" b="0" i="0" u="none" strike="noStrike">
+                        <a:solidFill>
+                          <a:srgbClr val="000000"/>
+                        </a:solidFill>
+                        <a:effectLst/>
+                        <a:latin typeface="Arial" panose="020B0604020202020204" pitchFamily="34" charset="0"/>
+                      </a:endParaRPr>
+                    </a:p>
+                  </a:txBody>
+                  <a:tcPr marL="4886" marR="4886" marT="4886" marB="35182" anchor="ctr">
+                    <a:lnL w="6350" cap="flat" cmpd="sng" algn="ctr">
+                      <a:solidFill>
+                        <a:srgbClr val="000000"/>
+                      </a:solidFill>
+                      <a:prstDash val="solid"/>
+                      <a:round/>
+                      <a:headEnd type="none" w="med" len="med"/>
+                      <a:tailEnd type="none" w="med" len="med"/>
+                    </a:lnL>
+                    <a:lnR w="6350" cap="flat" cmpd="sng" algn="ctr">
+                      <a:solidFill>
+                        <a:srgbClr val="000000"/>
+                      </a:solidFill>
+                      <a:prstDash val="solid"/>
+                      <a:round/>
+                      <a:headEnd type="none" w="med" len="med"/>
+                      <a:tailEnd type="none" w="med" len="med"/>
+                    </a:lnR>
+                    <a:lnT w="6350" cap="flat" cmpd="sng" algn="ctr">
+                      <a:solidFill>
+                        <a:srgbClr val="000000"/>
+                      </a:solidFill>
+                      <a:prstDash val="solid"/>
+                      <a:round/>
+                      <a:headEnd type="none" w="med" len="med"/>
+                      <a:tailEnd type="none" w="med" len="med"/>
+                    </a:lnT>
+                    <a:lnB w="6350" cap="flat" cmpd="sng" algn="ctr">
+                      <a:solidFill>
+                        <a:srgbClr val="000000"/>
+                      </a:solidFill>
+                      <a:prstDash val="solid"/>
+                      <a:round/>
+                      <a:headEnd type="none" w="med" len="med"/>
+                      <a:tailEnd type="none" w="med" len="med"/>
+                    </a:lnB>
+                    <a:noFill/>
+                  </a:tcPr>
+                </a:tc>
+                <a:tc>
+                  <a:txBody>
+                    <a:bodyPr/>
+                    <a:lstStyle/>
+                    <a:p>
+                      <a:pPr algn="l" rtl="0" fontAlgn="ctr"/>
+                      <a:endParaRPr lang="en-GB" sz="800" b="0" i="0" u="none" strike="noStrike">
+                        <a:solidFill>
+                          <a:srgbClr val="000000"/>
+                        </a:solidFill>
+                        <a:effectLst/>
+                        <a:latin typeface="Arial" panose="020B0604020202020204" pitchFamily="34" charset="0"/>
+                      </a:endParaRPr>
+                    </a:p>
+                  </a:txBody>
+                  <a:tcPr marL="4886" marR="4886" marT="4886" marB="35182" anchor="ctr">
+                    <a:lnL w="6350" cap="flat" cmpd="sng" algn="ctr">
+                      <a:solidFill>
+                        <a:srgbClr val="000000"/>
+                      </a:solidFill>
+                      <a:prstDash val="solid"/>
+                      <a:round/>
+                      <a:headEnd type="none" w="med" len="med"/>
+                      <a:tailEnd type="none" w="med" len="med"/>
+                    </a:lnL>
+                    <a:lnR w="6350" cap="flat" cmpd="sng" algn="ctr">
+                      <a:solidFill>
+                        <a:srgbClr val="000000"/>
+                      </a:solidFill>
+                      <a:prstDash val="solid"/>
+                      <a:round/>
+                      <a:headEnd type="none" w="med" len="med"/>
+                      <a:tailEnd type="none" w="med" len="med"/>
+                    </a:lnR>
+                    <a:lnT w="6350" cap="flat" cmpd="sng" algn="ctr">
+                      <a:solidFill>
+                        <a:srgbClr val="000000"/>
+                      </a:solidFill>
+                      <a:prstDash val="solid"/>
+                      <a:round/>
+                      <a:headEnd type="none" w="med" len="med"/>
+                      <a:tailEnd type="none" w="med" len="med"/>
+                    </a:lnT>
+                    <a:lnB w="6350" cap="flat" cmpd="sng" algn="ctr">
+                      <a:solidFill>
+                        <a:srgbClr val="000000"/>
+                      </a:solidFill>
+                      <a:prstDash val="solid"/>
+                      <a:round/>
+                      <a:headEnd type="none" w="med" len="med"/>
+                      <a:tailEnd type="none" w="med" len="med"/>
+                    </a:lnB>
+                    <a:noFill/>
+                  </a:tcPr>
+                </a:tc>
+                <a:tc>
+                  <a:txBody>
+                    <a:bodyPr/>
+                    <a:lstStyle/>
+                    <a:p>
+                      <a:pPr algn="r" rtl="0" fontAlgn="ctr"/>
+                      <a:r>
+                        <a:rPr lang="en-GB" sz="800" b="0" i="0" u="none" strike="noStrike">
+                          <a:solidFill>
+                            <a:srgbClr val="000000"/>
+                          </a:solidFill>
+                          <a:effectLst/>
+                          <a:latin typeface="Arial" panose="020B0604020202020204" pitchFamily="34" charset="0"/>
+                        </a:rPr>
+                        <a:t>9</a:t>
+                      </a:r>
+                    </a:p>
+                  </a:txBody>
+                  <a:tcPr marL="4886" marR="4886" marT="4886" marB="35182" anchor="ctr">
+                    <a:lnL w="6350" cap="flat" cmpd="sng" algn="ctr">
+                      <a:solidFill>
+                        <a:srgbClr val="000000"/>
+                      </a:solidFill>
+                      <a:prstDash val="solid"/>
+                      <a:round/>
+                      <a:headEnd type="none" w="med" len="med"/>
+                      <a:tailEnd type="none" w="med" len="med"/>
+                    </a:lnL>
+                    <a:lnR w="6350" cap="flat" cmpd="sng" algn="ctr">
+                      <a:solidFill>
+                        <a:srgbClr val="000000"/>
+                      </a:solidFill>
+                      <a:prstDash val="solid"/>
+                      <a:round/>
+                      <a:headEnd type="none" w="med" len="med"/>
+                      <a:tailEnd type="none" w="med" len="med"/>
+                    </a:lnR>
+                    <a:lnT w="6350" cap="flat" cmpd="sng" algn="ctr">
+                      <a:solidFill>
+                        <a:srgbClr val="000000"/>
+                      </a:solidFill>
+                      <a:prstDash val="solid"/>
+                      <a:round/>
+                      <a:headEnd type="none" w="med" len="med"/>
+                      <a:tailEnd type="none" w="med" len="med"/>
+                    </a:lnT>
+                    <a:lnB w="6350" cap="flat" cmpd="sng" algn="ctr">
+                      <a:solidFill>
+                        <a:srgbClr val="000000"/>
+                      </a:solidFill>
+                      <a:prstDash val="solid"/>
+                      <a:round/>
+                      <a:headEnd type="none" w="med" len="med"/>
+                      <a:tailEnd type="none" w="med" len="med"/>
+                    </a:lnB>
+                    <a:noFill/>
+                  </a:tcPr>
+                </a:tc>
+                <a:tc>
+                  <a:txBody>
+                    <a:bodyPr/>
+                    <a:lstStyle/>
+                    <a:p>
+                      <a:pPr algn="r" rtl="0" fontAlgn="ctr"/>
+                      <a:r>
+                        <a:rPr lang="en-GB" sz="800" b="0" i="0" u="none" strike="noStrike">
+                          <a:solidFill>
+                            <a:srgbClr val="000000"/>
+                          </a:solidFill>
+                          <a:effectLst/>
+                          <a:latin typeface="Arial" panose="020B0604020202020204" pitchFamily="34" charset="0"/>
+                        </a:rPr>
+                        <a:t>4</a:t>
+                      </a:r>
+                    </a:p>
+                  </a:txBody>
+                  <a:tcPr marL="4886" marR="4886" marT="4886" marB="35182" anchor="ctr">
+                    <a:lnL w="6350" cap="flat" cmpd="sng" algn="ctr">
+                      <a:solidFill>
+                        <a:srgbClr val="000000"/>
+                      </a:solidFill>
+                      <a:prstDash val="solid"/>
+                      <a:round/>
+                      <a:headEnd type="none" w="med" len="med"/>
+                      <a:tailEnd type="none" w="med" len="med"/>
+                    </a:lnL>
+                    <a:lnR w="6350" cap="flat" cmpd="sng" algn="ctr">
+                      <a:solidFill>
+                        <a:srgbClr val="000000"/>
+                      </a:solidFill>
+                      <a:prstDash val="solid"/>
+                      <a:round/>
+                      <a:headEnd type="none" w="med" len="med"/>
+                      <a:tailEnd type="none" w="med" len="med"/>
+                    </a:lnR>
+                    <a:lnT w="6350" cap="flat" cmpd="sng" algn="ctr">
+                      <a:solidFill>
+                        <a:srgbClr val="000000"/>
+                      </a:solidFill>
+                      <a:prstDash val="solid"/>
+                      <a:round/>
+                      <a:headEnd type="none" w="med" len="med"/>
+                      <a:tailEnd type="none" w="med" len="med"/>
+                    </a:lnT>
+                    <a:lnB w="6350" cap="flat" cmpd="sng" algn="ctr">
+                      <a:solidFill>
+                        <a:srgbClr val="000000"/>
+                      </a:solidFill>
+                      <a:prstDash val="solid"/>
+                      <a:round/>
+                      <a:headEnd type="none" w="med" len="med"/>
+                      <a:tailEnd type="none" w="med" len="med"/>
+                    </a:lnB>
+                    <a:noFill/>
+                  </a:tcPr>
+                </a:tc>
+                <a:tc>
+                  <a:txBody>
+                    <a:bodyPr/>
+                    <a:lstStyle/>
+                    <a:p>
+                      <a:pPr algn="l" rtl="0" fontAlgn="ctr"/>
+                      <a:endParaRPr lang="en-GB" sz="800" b="0" i="0" u="none" strike="noStrike">
+                        <a:solidFill>
+                          <a:srgbClr val="000000"/>
+                        </a:solidFill>
+                        <a:effectLst/>
+                        <a:latin typeface="Arial" panose="020B0604020202020204" pitchFamily="34" charset="0"/>
+                      </a:endParaRPr>
+                    </a:p>
+                  </a:txBody>
+                  <a:tcPr marL="4886" marR="4886" marT="4886" marB="35182" anchor="ctr">
+                    <a:lnL w="6350" cap="flat" cmpd="sng" algn="ctr">
+                      <a:solidFill>
+                        <a:srgbClr val="000000"/>
+                      </a:solidFill>
+                      <a:prstDash val="solid"/>
+                      <a:round/>
+                      <a:headEnd type="none" w="med" len="med"/>
+                      <a:tailEnd type="none" w="med" len="med"/>
+                    </a:lnL>
+                    <a:lnR w="6350" cap="flat" cmpd="sng" algn="ctr">
+                      <a:solidFill>
+                        <a:srgbClr val="000000"/>
+                      </a:solidFill>
+                      <a:prstDash val="solid"/>
+                      <a:round/>
+                      <a:headEnd type="none" w="med" len="med"/>
+                      <a:tailEnd type="none" w="med" len="med"/>
+                    </a:lnR>
+                    <a:lnT w="6350" cap="flat" cmpd="sng" algn="ctr">
+                      <a:solidFill>
+                        <a:srgbClr val="000000"/>
+                      </a:solidFill>
+                      <a:prstDash val="solid"/>
+                      <a:round/>
+                      <a:headEnd type="none" w="med" len="med"/>
+                      <a:tailEnd type="none" w="med" len="med"/>
+                    </a:lnT>
+                    <a:lnB w="6350" cap="flat" cmpd="sng" algn="ctr">
+                      <a:solidFill>
+                        <a:srgbClr val="000000"/>
+                      </a:solidFill>
+                      <a:prstDash val="solid"/>
+                      <a:round/>
+                      <a:headEnd type="none" w="med" len="med"/>
+                      <a:tailEnd type="none" w="med" len="med"/>
+                    </a:lnB>
+                    <a:noFill/>
+                  </a:tcPr>
+                </a:tc>
+                <a:tc>
+                  <a:txBody>
+                    <a:bodyPr/>
+                    <a:lstStyle/>
+                    <a:p>
+                      <a:pPr algn="r" rtl="0" fontAlgn="ctr"/>
+                      <a:r>
+                        <a:rPr lang="en-GB" sz="800" b="0" i="0" u="none" strike="noStrike">
+                          <a:solidFill>
+                            <a:srgbClr val="000000"/>
+                          </a:solidFill>
+                          <a:effectLst/>
+                          <a:latin typeface="Arial" panose="020B0604020202020204" pitchFamily="34" charset="0"/>
+                        </a:rPr>
+                        <a:t>42</a:t>
+                      </a:r>
+                    </a:p>
+                  </a:txBody>
+                  <a:tcPr marL="4886" marR="4886" marT="4886" marB="35182" anchor="ctr">
+                    <a:lnL w="6350" cap="flat" cmpd="sng" algn="ctr">
+                      <a:solidFill>
+                        <a:srgbClr val="000000"/>
+                      </a:solidFill>
+                      <a:prstDash val="solid"/>
+                      <a:round/>
+                      <a:headEnd type="none" w="med" len="med"/>
+                      <a:tailEnd type="none" w="med" len="med"/>
+                    </a:lnL>
+                    <a:lnR w="6350" cap="flat" cmpd="sng" algn="ctr">
+                      <a:solidFill>
+                        <a:srgbClr val="000000"/>
+                      </a:solidFill>
+                      <a:prstDash val="solid"/>
+                      <a:round/>
+                      <a:headEnd type="none" w="med" len="med"/>
+                      <a:tailEnd type="none" w="med" len="med"/>
+                    </a:lnR>
+                    <a:lnT w="6350" cap="flat" cmpd="sng" algn="ctr">
+                      <a:solidFill>
+                        <a:srgbClr val="000000"/>
+                      </a:solidFill>
+                      <a:prstDash val="solid"/>
+                      <a:round/>
+                      <a:headEnd type="none" w="med" len="med"/>
+                      <a:tailEnd type="none" w="med" len="med"/>
+                    </a:lnT>
+                    <a:lnB w="6350" cap="flat" cmpd="sng" algn="ctr">
+                      <a:solidFill>
+                        <a:srgbClr val="000000"/>
+                      </a:solidFill>
+                      <a:prstDash val="solid"/>
+                      <a:round/>
+                      <a:headEnd type="none" w="med" len="med"/>
+                      <a:tailEnd type="none" w="med" len="med"/>
+                    </a:lnB>
+                    <a:solidFill>
+                      <a:srgbClr val="F8696B"/>
+                    </a:solidFill>
+                  </a:tcPr>
+                </a:tc>
+                <a:tc>
+                  <a:txBody>
+                    <a:bodyPr/>
+                    <a:lstStyle/>
+                    <a:p>
+                      <a:pPr algn="r" rtl="0" fontAlgn="ctr"/>
+                      <a:r>
+                        <a:rPr lang="en-GB" sz="800" b="0" i="0" u="none" strike="noStrike">
+                          <a:solidFill>
+                            <a:srgbClr val="000000"/>
+                          </a:solidFill>
+                          <a:effectLst/>
+                          <a:latin typeface="Arial" panose="020B0604020202020204" pitchFamily="34" charset="0"/>
+                        </a:rPr>
+                        <a:t>32,68%</a:t>
+                      </a:r>
+                    </a:p>
+                  </a:txBody>
+                  <a:tcPr marL="4886" marR="4886" marT="4886" marB="35182" anchor="ctr">
+                    <a:lnL w="6350" cap="flat" cmpd="sng" algn="ctr">
+                      <a:solidFill>
+                        <a:srgbClr val="000000"/>
+                      </a:solidFill>
+                      <a:prstDash val="solid"/>
+                      <a:round/>
+                      <a:headEnd type="none" w="med" len="med"/>
+                      <a:tailEnd type="none" w="med" len="med"/>
+                    </a:lnL>
+                    <a:lnR w="6350" cap="flat" cmpd="sng" algn="ctr">
+                      <a:solidFill>
+                        <a:srgbClr val="000000"/>
+                      </a:solidFill>
+                      <a:prstDash val="solid"/>
+                      <a:round/>
+                      <a:headEnd type="none" w="med" len="med"/>
+                      <a:tailEnd type="none" w="med" len="med"/>
+                    </a:lnR>
+                    <a:lnT w="6350" cap="flat" cmpd="sng" algn="ctr">
+                      <a:solidFill>
+                        <a:srgbClr val="000000"/>
+                      </a:solidFill>
+                      <a:prstDash val="solid"/>
+                      <a:round/>
+                      <a:headEnd type="none" w="med" len="med"/>
+                      <a:tailEnd type="none" w="med" len="med"/>
+                    </a:lnT>
+                    <a:lnB w="6350" cap="flat" cmpd="sng" algn="ctr">
+                      <a:solidFill>
+                        <a:srgbClr val="000000"/>
+                      </a:solidFill>
+                      <a:prstDash val="solid"/>
+                      <a:round/>
+                      <a:headEnd type="none" w="med" len="med"/>
+                      <a:tailEnd type="none" w="med" len="med"/>
+                    </a:lnB>
+                    <a:noFill/>
+                  </a:tcPr>
+                </a:tc>
+                <a:extLst>
+                  <a:ext uri="{0D108BD9-81ED-4DB2-BD59-A6C34878D82A}">
+                    <a16:rowId xmlns:a16="http://schemas.microsoft.com/office/drawing/2014/main" val="2355113484"/>
+                  </a:ext>
+                </a:extLst>
+              </a:tr>
+              <a:tr h="157343">
+                <a:tc>
+                  <a:txBody>
+                    <a:bodyPr/>
+                    <a:lstStyle/>
+                    <a:p>
+                      <a:pPr algn="l" rtl="0" fontAlgn="ctr"/>
+                      <a:r>
+                        <a:rPr lang="en-GB" sz="800" b="0" i="0" u="none" strike="noStrike">
+                          <a:solidFill>
+                            <a:srgbClr val="000000"/>
+                          </a:solidFill>
+                          <a:effectLst/>
+                          <a:latin typeface="Arial" panose="020B0604020202020204" pitchFamily="34" charset="0"/>
+                        </a:rPr>
+                        <a:t>Massimo Buniy</a:t>
+                      </a:r>
+                    </a:p>
+                  </a:txBody>
+                  <a:tcPr marL="4886" marR="4886" marT="4886" marB="35182" anchor="ctr">
+                    <a:lnL w="6350" cap="flat" cmpd="sng" algn="ctr">
+                      <a:solidFill>
+                        <a:srgbClr val="000000"/>
+                      </a:solidFill>
+                      <a:prstDash val="solid"/>
+                      <a:round/>
+                      <a:headEnd type="none" w="med" len="med"/>
+                      <a:tailEnd type="none" w="med" len="med"/>
+                    </a:lnL>
+                    <a:lnR w="6350" cap="flat" cmpd="sng" algn="ctr">
+                      <a:solidFill>
+                        <a:srgbClr val="000000"/>
+                      </a:solidFill>
+                      <a:prstDash val="solid"/>
+                      <a:round/>
+                      <a:headEnd type="none" w="med" len="med"/>
+                      <a:tailEnd type="none" w="med" len="med"/>
+                    </a:lnR>
+                    <a:lnT w="6350" cap="flat" cmpd="sng" algn="ctr">
+                      <a:solidFill>
+                        <a:srgbClr val="000000"/>
+                      </a:solidFill>
+                      <a:prstDash val="solid"/>
+                      <a:round/>
+                      <a:headEnd type="none" w="med" len="med"/>
+                      <a:tailEnd type="none" w="med" len="med"/>
+                    </a:lnT>
+                    <a:lnB w="6350" cap="flat" cmpd="sng" algn="ctr">
+                      <a:solidFill>
+                        <a:srgbClr val="000000"/>
+                      </a:solidFill>
+                      <a:prstDash val="solid"/>
+                      <a:round/>
+                      <a:headEnd type="none" w="med" len="med"/>
+                      <a:tailEnd type="none" w="med" len="med"/>
+                    </a:lnB>
+                    <a:solidFill>
+                      <a:srgbClr val="C0E4F5"/>
+                    </a:solidFill>
+                  </a:tcPr>
+                </a:tc>
+                <a:tc>
+                  <a:txBody>
+                    <a:bodyPr/>
+                    <a:lstStyle/>
+                    <a:p>
+                      <a:pPr algn="l" rtl="0" fontAlgn="ctr"/>
+                      <a:endParaRPr lang="en-GB" sz="800" b="0" i="0" u="none" strike="noStrike">
+                        <a:solidFill>
+                          <a:srgbClr val="000000"/>
+                        </a:solidFill>
+                        <a:effectLst/>
+                        <a:latin typeface="Arial" panose="020B0604020202020204" pitchFamily="34" charset="0"/>
+                      </a:endParaRPr>
+                    </a:p>
+                  </a:txBody>
+                  <a:tcPr marL="4886" marR="4886" marT="4886" marB="35182" anchor="ctr">
+                    <a:lnL w="6350" cap="flat" cmpd="sng" algn="ctr">
+                      <a:solidFill>
+                        <a:srgbClr val="000000"/>
+                      </a:solidFill>
+                      <a:prstDash val="solid"/>
+                      <a:round/>
+                      <a:headEnd type="none" w="med" len="med"/>
+                      <a:tailEnd type="none" w="med" len="med"/>
+                    </a:lnL>
+                    <a:lnR w="6350" cap="flat" cmpd="sng" algn="ctr">
+                      <a:solidFill>
+                        <a:srgbClr val="000000"/>
+                      </a:solidFill>
+                      <a:prstDash val="solid"/>
+                      <a:round/>
+                      <a:headEnd type="none" w="med" len="med"/>
+                      <a:tailEnd type="none" w="med" len="med"/>
+                    </a:lnR>
+                    <a:lnT w="6350" cap="flat" cmpd="sng" algn="ctr">
+                      <a:solidFill>
+                        <a:srgbClr val="000000"/>
+                      </a:solidFill>
+                      <a:prstDash val="solid"/>
+                      <a:round/>
+                      <a:headEnd type="none" w="med" len="med"/>
+                      <a:tailEnd type="none" w="med" len="med"/>
+                    </a:lnT>
+                    <a:lnB w="6350" cap="flat" cmpd="sng" algn="ctr">
+                      <a:solidFill>
+                        <a:srgbClr val="000000"/>
+                      </a:solidFill>
+                      <a:prstDash val="solid"/>
+                      <a:round/>
+                      <a:headEnd type="none" w="med" len="med"/>
+                      <a:tailEnd type="none" w="med" len="med"/>
+                    </a:lnB>
+                    <a:noFill/>
+                  </a:tcPr>
+                </a:tc>
+                <a:tc>
+                  <a:txBody>
+                    <a:bodyPr/>
+                    <a:lstStyle/>
+                    <a:p>
+                      <a:pPr algn="r" rtl="0" fontAlgn="ctr"/>
+                      <a:r>
+                        <a:rPr lang="en-GB" sz="800" b="0" i="0" u="none" strike="noStrike">
+                          <a:solidFill>
+                            <a:srgbClr val="000000"/>
+                          </a:solidFill>
+                          <a:effectLst/>
+                          <a:latin typeface="Arial" panose="020B0604020202020204" pitchFamily="34" charset="0"/>
+                        </a:rPr>
+                        <a:t>2</a:t>
+                      </a:r>
+                    </a:p>
+                  </a:txBody>
+                  <a:tcPr marL="4886" marR="4886" marT="4886" marB="35182" anchor="ctr">
+                    <a:lnL w="6350" cap="flat" cmpd="sng" algn="ctr">
+                      <a:solidFill>
+                        <a:srgbClr val="000000"/>
+                      </a:solidFill>
+                      <a:prstDash val="solid"/>
+                      <a:round/>
+                      <a:headEnd type="none" w="med" len="med"/>
+                      <a:tailEnd type="none" w="med" len="med"/>
+                    </a:lnL>
+                    <a:lnR w="6350" cap="flat" cmpd="sng" algn="ctr">
+                      <a:solidFill>
+                        <a:srgbClr val="000000"/>
+                      </a:solidFill>
+                      <a:prstDash val="solid"/>
+                      <a:round/>
+                      <a:headEnd type="none" w="med" len="med"/>
+                      <a:tailEnd type="none" w="med" len="med"/>
+                    </a:lnR>
+                    <a:lnT w="6350" cap="flat" cmpd="sng" algn="ctr">
+                      <a:solidFill>
+                        <a:srgbClr val="000000"/>
+                      </a:solidFill>
+                      <a:prstDash val="solid"/>
+                      <a:round/>
+                      <a:headEnd type="none" w="med" len="med"/>
+                      <a:tailEnd type="none" w="med" len="med"/>
+                    </a:lnT>
+                    <a:lnB w="6350" cap="flat" cmpd="sng" algn="ctr">
+                      <a:solidFill>
+                        <a:srgbClr val="000000"/>
+                      </a:solidFill>
+                      <a:prstDash val="solid"/>
+                      <a:round/>
+                      <a:headEnd type="none" w="med" len="med"/>
+                      <a:tailEnd type="none" w="med" len="med"/>
+                    </a:lnB>
+                    <a:noFill/>
+                  </a:tcPr>
+                </a:tc>
+                <a:tc>
+                  <a:txBody>
+                    <a:bodyPr/>
+                    <a:lstStyle/>
+                    <a:p>
+                      <a:pPr algn="r" rtl="0" fontAlgn="ctr"/>
+                      <a:r>
+                        <a:rPr lang="en-GB" sz="800" b="0" i="0" u="none" strike="noStrike">
+                          <a:solidFill>
+                            <a:srgbClr val="000000"/>
+                          </a:solidFill>
+                          <a:effectLst/>
+                          <a:latin typeface="Arial" panose="020B0604020202020204" pitchFamily="34" charset="0"/>
+                        </a:rPr>
+                        <a:t>1,5</a:t>
+                      </a:r>
+                    </a:p>
+                  </a:txBody>
+                  <a:tcPr marL="4886" marR="4886" marT="4886" marB="35182" anchor="ctr">
+                    <a:lnL w="6350" cap="flat" cmpd="sng" algn="ctr">
+                      <a:solidFill>
+                        <a:srgbClr val="000000"/>
+                      </a:solidFill>
+                      <a:prstDash val="solid"/>
+                      <a:round/>
+                      <a:headEnd type="none" w="med" len="med"/>
+                      <a:tailEnd type="none" w="med" len="med"/>
+                    </a:lnL>
+                    <a:lnR w="6350" cap="flat" cmpd="sng" algn="ctr">
+                      <a:solidFill>
+                        <a:srgbClr val="000000"/>
+                      </a:solidFill>
+                      <a:prstDash val="solid"/>
+                      <a:round/>
+                      <a:headEnd type="none" w="med" len="med"/>
+                      <a:tailEnd type="none" w="med" len="med"/>
+                    </a:lnR>
+                    <a:lnT w="6350" cap="flat" cmpd="sng" algn="ctr">
+                      <a:solidFill>
+                        <a:srgbClr val="000000"/>
+                      </a:solidFill>
+                      <a:prstDash val="solid"/>
+                      <a:round/>
+                      <a:headEnd type="none" w="med" len="med"/>
+                      <a:tailEnd type="none" w="med" len="med"/>
+                    </a:lnT>
+                    <a:lnB w="6350" cap="flat" cmpd="sng" algn="ctr">
+                      <a:solidFill>
+                        <a:srgbClr val="000000"/>
+                      </a:solidFill>
+                      <a:prstDash val="solid"/>
+                      <a:round/>
+                      <a:headEnd type="none" w="med" len="med"/>
+                      <a:tailEnd type="none" w="med" len="med"/>
+                    </a:lnB>
+                    <a:noFill/>
+                  </a:tcPr>
+                </a:tc>
+                <a:tc>
+                  <a:txBody>
+                    <a:bodyPr/>
+                    <a:lstStyle/>
+                    <a:p>
+                      <a:pPr algn="r" rtl="0" fontAlgn="ctr"/>
+                      <a:r>
+                        <a:rPr lang="en-GB" sz="800" b="0" i="0" u="none" strike="noStrike">
+                          <a:solidFill>
+                            <a:srgbClr val="000000"/>
+                          </a:solidFill>
+                          <a:effectLst/>
+                          <a:latin typeface="Arial" panose="020B0604020202020204" pitchFamily="34" charset="0"/>
+                        </a:rPr>
+                        <a:t>24,5</a:t>
+                      </a:r>
+                    </a:p>
+                  </a:txBody>
+                  <a:tcPr marL="4886" marR="4886" marT="4886" marB="35182" anchor="ctr">
+                    <a:lnL w="6350" cap="flat" cmpd="sng" algn="ctr">
+                      <a:solidFill>
+                        <a:srgbClr val="000000"/>
+                      </a:solidFill>
+                      <a:prstDash val="solid"/>
+                      <a:round/>
+                      <a:headEnd type="none" w="med" len="med"/>
+                      <a:tailEnd type="none" w="med" len="med"/>
+                    </a:lnL>
+                    <a:lnR w="6350" cap="flat" cmpd="sng" algn="ctr">
+                      <a:solidFill>
+                        <a:srgbClr val="000000"/>
+                      </a:solidFill>
+                      <a:prstDash val="solid"/>
+                      <a:round/>
+                      <a:headEnd type="none" w="med" len="med"/>
+                      <a:tailEnd type="none" w="med" len="med"/>
+                    </a:lnR>
+                    <a:lnT w="6350" cap="flat" cmpd="sng" algn="ctr">
+                      <a:solidFill>
+                        <a:srgbClr val="000000"/>
+                      </a:solidFill>
+                      <a:prstDash val="solid"/>
+                      <a:round/>
+                      <a:headEnd type="none" w="med" len="med"/>
+                      <a:tailEnd type="none" w="med" len="med"/>
+                    </a:lnT>
+                    <a:lnB w="6350" cap="flat" cmpd="sng" algn="ctr">
+                      <a:solidFill>
+                        <a:srgbClr val="000000"/>
+                      </a:solidFill>
+                      <a:prstDash val="solid"/>
+                      <a:round/>
+                      <a:headEnd type="none" w="med" len="med"/>
+                      <a:tailEnd type="none" w="med" len="med"/>
+                    </a:lnB>
+                    <a:noFill/>
+                  </a:tcPr>
+                </a:tc>
+                <a:tc>
+                  <a:txBody>
+                    <a:bodyPr/>
+                    <a:lstStyle/>
+                    <a:p>
+                      <a:pPr algn="l" rtl="0" fontAlgn="ctr"/>
+                      <a:endParaRPr lang="en-GB" sz="800" b="0" i="0" u="none" strike="noStrike">
+                        <a:solidFill>
+                          <a:srgbClr val="000000"/>
+                        </a:solidFill>
+                        <a:effectLst/>
+                        <a:latin typeface="Arial" panose="020B0604020202020204" pitchFamily="34" charset="0"/>
+                      </a:endParaRPr>
+                    </a:p>
+                  </a:txBody>
+                  <a:tcPr marL="4886" marR="4886" marT="4886" marB="35182" anchor="ctr">
+                    <a:lnL w="6350" cap="flat" cmpd="sng" algn="ctr">
+                      <a:solidFill>
+                        <a:srgbClr val="000000"/>
+                      </a:solidFill>
+                      <a:prstDash val="solid"/>
+                      <a:round/>
+                      <a:headEnd type="none" w="med" len="med"/>
+                      <a:tailEnd type="none" w="med" len="med"/>
+                    </a:lnL>
+                    <a:lnR w="6350" cap="flat" cmpd="sng" algn="ctr">
+                      <a:solidFill>
+                        <a:srgbClr val="000000"/>
+                      </a:solidFill>
+                      <a:prstDash val="solid"/>
+                      <a:round/>
+                      <a:headEnd type="none" w="med" len="med"/>
+                      <a:tailEnd type="none" w="med" len="med"/>
+                    </a:lnR>
+                    <a:lnT w="6350" cap="flat" cmpd="sng" algn="ctr">
+                      <a:solidFill>
+                        <a:srgbClr val="000000"/>
+                      </a:solidFill>
+                      <a:prstDash val="solid"/>
+                      <a:round/>
+                      <a:headEnd type="none" w="med" len="med"/>
+                      <a:tailEnd type="none" w="med" len="med"/>
+                    </a:lnT>
+                    <a:lnB w="6350" cap="flat" cmpd="sng" algn="ctr">
+                      <a:solidFill>
+                        <a:srgbClr val="000000"/>
+                      </a:solidFill>
+                      <a:prstDash val="solid"/>
+                      <a:round/>
+                      <a:headEnd type="none" w="med" len="med"/>
+                      <a:tailEnd type="none" w="med" len="med"/>
+                    </a:lnB>
+                    <a:noFill/>
+                  </a:tcPr>
+                </a:tc>
+                <a:tc>
+                  <a:txBody>
+                    <a:bodyPr/>
+                    <a:lstStyle/>
+                    <a:p>
+                      <a:pPr algn="l" rtl="0" fontAlgn="ctr"/>
+                      <a:endParaRPr lang="en-GB" sz="800" b="0" i="0" u="none" strike="noStrike">
+                        <a:solidFill>
+                          <a:srgbClr val="000000"/>
+                        </a:solidFill>
+                        <a:effectLst/>
+                        <a:latin typeface="Arial" panose="020B0604020202020204" pitchFamily="34" charset="0"/>
+                      </a:endParaRPr>
+                    </a:p>
+                  </a:txBody>
+                  <a:tcPr marL="4886" marR="4886" marT="4886" marB="35182" anchor="ctr">
+                    <a:lnL w="6350" cap="flat" cmpd="sng" algn="ctr">
+                      <a:solidFill>
+                        <a:srgbClr val="000000"/>
+                      </a:solidFill>
+                      <a:prstDash val="solid"/>
+                      <a:round/>
+                      <a:headEnd type="none" w="med" len="med"/>
+                      <a:tailEnd type="none" w="med" len="med"/>
+                    </a:lnL>
+                    <a:lnR w="6350" cap="flat" cmpd="sng" algn="ctr">
+                      <a:solidFill>
+                        <a:srgbClr val="000000"/>
+                      </a:solidFill>
+                      <a:prstDash val="solid"/>
+                      <a:round/>
+                      <a:headEnd type="none" w="med" len="med"/>
+                      <a:tailEnd type="none" w="med" len="med"/>
+                    </a:lnR>
+                    <a:lnT w="6350" cap="flat" cmpd="sng" algn="ctr">
+                      <a:solidFill>
+                        <a:srgbClr val="000000"/>
+                      </a:solidFill>
+                      <a:prstDash val="solid"/>
+                      <a:round/>
+                      <a:headEnd type="none" w="med" len="med"/>
+                      <a:tailEnd type="none" w="med" len="med"/>
+                    </a:lnT>
+                    <a:lnB w="6350" cap="flat" cmpd="sng" algn="ctr">
+                      <a:solidFill>
+                        <a:srgbClr val="000000"/>
+                      </a:solidFill>
+                      <a:prstDash val="solid"/>
+                      <a:round/>
+                      <a:headEnd type="none" w="med" len="med"/>
+                      <a:tailEnd type="none" w="med" len="med"/>
+                    </a:lnB>
+                    <a:noFill/>
+                  </a:tcPr>
+                </a:tc>
+                <a:tc>
+                  <a:txBody>
+                    <a:bodyPr/>
+                    <a:lstStyle/>
+                    <a:p>
+                      <a:pPr algn="l" rtl="0" fontAlgn="ctr"/>
+                      <a:endParaRPr lang="en-GB" sz="800" b="0" i="0" u="none" strike="noStrike">
+                        <a:solidFill>
+                          <a:srgbClr val="000000"/>
+                        </a:solidFill>
+                        <a:effectLst/>
+                        <a:latin typeface="Arial" panose="020B0604020202020204" pitchFamily="34" charset="0"/>
+                      </a:endParaRPr>
+                    </a:p>
+                  </a:txBody>
+                  <a:tcPr marL="4886" marR="4886" marT="4886" marB="35182" anchor="ctr">
+                    <a:lnL w="6350" cap="flat" cmpd="sng" algn="ctr">
+                      <a:solidFill>
+                        <a:srgbClr val="000000"/>
+                      </a:solidFill>
+                      <a:prstDash val="solid"/>
+                      <a:round/>
+                      <a:headEnd type="none" w="med" len="med"/>
+                      <a:tailEnd type="none" w="med" len="med"/>
+                    </a:lnL>
+                    <a:lnR w="6350" cap="flat" cmpd="sng" algn="ctr">
+                      <a:solidFill>
+                        <a:srgbClr val="000000"/>
+                      </a:solidFill>
+                      <a:prstDash val="solid"/>
+                      <a:round/>
+                      <a:headEnd type="none" w="med" len="med"/>
+                      <a:tailEnd type="none" w="med" len="med"/>
+                    </a:lnR>
+                    <a:lnT w="6350" cap="flat" cmpd="sng" algn="ctr">
+                      <a:solidFill>
+                        <a:srgbClr val="000000"/>
+                      </a:solidFill>
+                      <a:prstDash val="solid"/>
+                      <a:round/>
+                      <a:headEnd type="none" w="med" len="med"/>
+                      <a:tailEnd type="none" w="med" len="med"/>
+                    </a:lnT>
+                    <a:lnB w="6350" cap="flat" cmpd="sng" algn="ctr">
+                      <a:solidFill>
+                        <a:srgbClr val="000000"/>
+                      </a:solidFill>
+                      <a:prstDash val="solid"/>
+                      <a:round/>
+                      <a:headEnd type="none" w="med" len="med"/>
+                      <a:tailEnd type="none" w="med" len="med"/>
+                    </a:lnB>
+                    <a:noFill/>
+                  </a:tcPr>
+                </a:tc>
+                <a:tc>
+                  <a:txBody>
+                    <a:bodyPr/>
+                    <a:lstStyle/>
+                    <a:p>
+                      <a:pPr algn="l" rtl="0" fontAlgn="ctr"/>
+                      <a:endParaRPr lang="en-GB" sz="800" b="0" i="0" u="none" strike="noStrike">
+                        <a:solidFill>
+                          <a:srgbClr val="000000"/>
+                        </a:solidFill>
+                        <a:effectLst/>
+                        <a:latin typeface="Arial" panose="020B0604020202020204" pitchFamily="34" charset="0"/>
+                      </a:endParaRPr>
+                    </a:p>
+                  </a:txBody>
+                  <a:tcPr marL="4886" marR="4886" marT="4886" marB="35182" anchor="ctr">
+                    <a:lnL w="6350" cap="flat" cmpd="sng" algn="ctr">
+                      <a:solidFill>
+                        <a:srgbClr val="000000"/>
+                      </a:solidFill>
+                      <a:prstDash val="solid"/>
+                      <a:round/>
+                      <a:headEnd type="none" w="med" len="med"/>
+                      <a:tailEnd type="none" w="med" len="med"/>
+                    </a:lnL>
+                    <a:lnR w="6350" cap="flat" cmpd="sng" algn="ctr">
+                      <a:solidFill>
+                        <a:srgbClr val="000000"/>
+                      </a:solidFill>
+                      <a:prstDash val="solid"/>
+                      <a:round/>
+                      <a:headEnd type="none" w="med" len="med"/>
+                      <a:tailEnd type="none" w="med" len="med"/>
+                    </a:lnR>
+                    <a:lnT w="6350" cap="flat" cmpd="sng" algn="ctr">
+                      <a:solidFill>
+                        <a:srgbClr val="000000"/>
+                      </a:solidFill>
+                      <a:prstDash val="solid"/>
+                      <a:round/>
+                      <a:headEnd type="none" w="med" len="med"/>
+                      <a:tailEnd type="none" w="med" len="med"/>
+                    </a:lnT>
+                    <a:lnB w="6350" cap="flat" cmpd="sng" algn="ctr">
+                      <a:solidFill>
+                        <a:srgbClr val="000000"/>
+                      </a:solidFill>
+                      <a:prstDash val="solid"/>
+                      <a:round/>
+                      <a:headEnd type="none" w="med" len="med"/>
+                      <a:tailEnd type="none" w="med" len="med"/>
+                    </a:lnB>
+                    <a:noFill/>
+                  </a:tcPr>
+                </a:tc>
+                <a:tc>
+                  <a:txBody>
+                    <a:bodyPr/>
+                    <a:lstStyle/>
+                    <a:p>
+                      <a:pPr algn="l" rtl="0" fontAlgn="ctr"/>
+                      <a:endParaRPr lang="en-GB" sz="800" b="0" i="0" u="none" strike="noStrike">
+                        <a:solidFill>
+                          <a:srgbClr val="000000"/>
+                        </a:solidFill>
+                        <a:effectLst/>
+                        <a:latin typeface="Arial" panose="020B0604020202020204" pitchFamily="34" charset="0"/>
+                      </a:endParaRPr>
+                    </a:p>
+                  </a:txBody>
+                  <a:tcPr marL="4886" marR="4886" marT="4886" marB="35182" anchor="ctr">
+                    <a:lnL w="6350" cap="flat" cmpd="sng" algn="ctr">
+                      <a:solidFill>
+                        <a:srgbClr val="000000"/>
+                      </a:solidFill>
+                      <a:prstDash val="solid"/>
+                      <a:round/>
+                      <a:headEnd type="none" w="med" len="med"/>
+                      <a:tailEnd type="none" w="med" len="med"/>
+                    </a:lnL>
+                    <a:lnR w="6350" cap="flat" cmpd="sng" algn="ctr">
+                      <a:solidFill>
+                        <a:srgbClr val="000000"/>
+                      </a:solidFill>
+                      <a:prstDash val="solid"/>
+                      <a:round/>
+                      <a:headEnd type="none" w="med" len="med"/>
+                      <a:tailEnd type="none" w="med" len="med"/>
+                    </a:lnR>
+                    <a:lnT w="6350" cap="flat" cmpd="sng" algn="ctr">
+                      <a:solidFill>
+                        <a:srgbClr val="000000"/>
+                      </a:solidFill>
+                      <a:prstDash val="solid"/>
+                      <a:round/>
+                      <a:headEnd type="none" w="med" len="med"/>
+                      <a:tailEnd type="none" w="med" len="med"/>
+                    </a:lnT>
+                    <a:lnB w="6350" cap="flat" cmpd="sng" algn="ctr">
+                      <a:solidFill>
+                        <a:srgbClr val="000000"/>
+                      </a:solidFill>
+                      <a:prstDash val="solid"/>
+                      <a:round/>
+                      <a:headEnd type="none" w="med" len="med"/>
+                      <a:tailEnd type="none" w="med" len="med"/>
+                    </a:lnB>
+                    <a:noFill/>
+                  </a:tcPr>
+                </a:tc>
+                <a:tc>
+                  <a:txBody>
+                    <a:bodyPr/>
+                    <a:lstStyle/>
+                    <a:p>
+                      <a:pPr algn="r" rtl="0" fontAlgn="ctr"/>
+                      <a:r>
+                        <a:rPr lang="en-GB" sz="800" b="0" i="0" u="none" strike="noStrike">
+                          <a:solidFill>
+                            <a:srgbClr val="000000"/>
+                          </a:solidFill>
+                          <a:effectLst/>
+                          <a:latin typeface="Arial" panose="020B0604020202020204" pitchFamily="34" charset="0"/>
+                        </a:rPr>
+                        <a:t>28</a:t>
+                      </a:r>
+                    </a:p>
+                  </a:txBody>
+                  <a:tcPr marL="4886" marR="4886" marT="4886" marB="35182" anchor="ctr">
+                    <a:lnL w="6350" cap="flat" cmpd="sng" algn="ctr">
+                      <a:solidFill>
+                        <a:srgbClr val="000000"/>
+                      </a:solidFill>
+                      <a:prstDash val="solid"/>
+                      <a:round/>
+                      <a:headEnd type="none" w="med" len="med"/>
+                      <a:tailEnd type="none" w="med" len="med"/>
+                    </a:lnL>
+                    <a:lnR w="6350" cap="flat" cmpd="sng" algn="ctr">
+                      <a:solidFill>
+                        <a:srgbClr val="000000"/>
+                      </a:solidFill>
+                      <a:prstDash val="solid"/>
+                      <a:round/>
+                      <a:headEnd type="none" w="med" len="med"/>
+                      <a:tailEnd type="none" w="med" len="med"/>
+                    </a:lnR>
+                    <a:lnT w="6350" cap="flat" cmpd="sng" algn="ctr">
+                      <a:solidFill>
+                        <a:srgbClr val="000000"/>
+                      </a:solidFill>
+                      <a:prstDash val="solid"/>
+                      <a:round/>
+                      <a:headEnd type="none" w="med" len="med"/>
+                      <a:tailEnd type="none" w="med" len="med"/>
+                    </a:lnT>
+                    <a:lnB w="6350" cap="flat" cmpd="sng" algn="ctr">
+                      <a:solidFill>
+                        <a:srgbClr val="000000"/>
+                      </a:solidFill>
+                      <a:prstDash val="solid"/>
+                      <a:round/>
+                      <a:headEnd type="none" w="med" len="med"/>
+                      <a:tailEnd type="none" w="med" len="med"/>
+                    </a:lnB>
+                    <a:solidFill>
+                      <a:srgbClr val="B9D67F"/>
+                    </a:solidFill>
+                  </a:tcPr>
+                </a:tc>
+                <a:tc>
+                  <a:txBody>
+                    <a:bodyPr/>
+                    <a:lstStyle/>
+                    <a:p>
+                      <a:pPr algn="r" rtl="0" fontAlgn="ctr"/>
+                      <a:r>
+                        <a:rPr lang="en-GB" sz="800" b="0" i="0" u="none" strike="noStrike">
+                          <a:solidFill>
+                            <a:srgbClr val="000000"/>
+                          </a:solidFill>
+                          <a:effectLst/>
+                          <a:latin typeface="Arial" panose="020B0604020202020204" pitchFamily="34" charset="0"/>
+                        </a:rPr>
+                        <a:t>21,79%</a:t>
+                      </a:r>
+                    </a:p>
+                  </a:txBody>
+                  <a:tcPr marL="4886" marR="4886" marT="4886" marB="35182" anchor="ctr">
+                    <a:lnL w="6350" cap="flat" cmpd="sng" algn="ctr">
+                      <a:solidFill>
+                        <a:srgbClr val="000000"/>
+                      </a:solidFill>
+                      <a:prstDash val="solid"/>
+                      <a:round/>
+                      <a:headEnd type="none" w="med" len="med"/>
+                      <a:tailEnd type="none" w="med" len="med"/>
+                    </a:lnL>
+                    <a:lnR w="6350" cap="flat" cmpd="sng" algn="ctr">
+                      <a:solidFill>
+                        <a:srgbClr val="000000"/>
+                      </a:solidFill>
+                      <a:prstDash val="solid"/>
+                      <a:round/>
+                      <a:headEnd type="none" w="med" len="med"/>
+                      <a:tailEnd type="none" w="med" len="med"/>
+                    </a:lnR>
+                    <a:lnT w="6350" cap="flat" cmpd="sng" algn="ctr">
+                      <a:solidFill>
+                        <a:srgbClr val="000000"/>
+                      </a:solidFill>
+                      <a:prstDash val="solid"/>
+                      <a:round/>
+                      <a:headEnd type="none" w="med" len="med"/>
+                      <a:tailEnd type="none" w="med" len="med"/>
+                    </a:lnT>
+                    <a:lnB w="6350" cap="flat" cmpd="sng" algn="ctr">
+                      <a:solidFill>
+                        <a:srgbClr val="000000"/>
+                      </a:solidFill>
+                      <a:prstDash val="solid"/>
+                      <a:round/>
+                      <a:headEnd type="none" w="med" len="med"/>
+                      <a:tailEnd type="none" w="med" len="med"/>
+                    </a:lnB>
+                    <a:noFill/>
+                  </a:tcPr>
+                </a:tc>
+                <a:extLst>
+                  <a:ext uri="{0D108BD9-81ED-4DB2-BD59-A6C34878D82A}">
+                    <a16:rowId xmlns:a16="http://schemas.microsoft.com/office/drawing/2014/main" val="3210890451"/>
+                  </a:ext>
+                </a:extLst>
+              </a:tr>
+              <a:tr h="157343">
+                <a:tc>
+                  <a:txBody>
+                    <a:bodyPr/>
+                    <a:lstStyle/>
+                    <a:p>
+                      <a:pPr algn="l" rtl="0" fontAlgn="ctr"/>
+                      <a:r>
+                        <a:rPr lang="en-GB" sz="800" b="0" i="0" u="none" strike="noStrike">
+                          <a:solidFill>
+                            <a:srgbClr val="000000"/>
+                          </a:solidFill>
+                          <a:effectLst/>
+                          <a:latin typeface="Arial" panose="020B0604020202020204" pitchFamily="34" charset="0"/>
+                        </a:rPr>
+                        <a:t>Federico Cappellini</a:t>
+                      </a:r>
+                    </a:p>
+                  </a:txBody>
+                  <a:tcPr marL="4886" marR="4886" marT="4886" marB="35182" anchor="ctr">
+                    <a:lnL w="6350" cap="flat" cmpd="sng" algn="ctr">
+                      <a:solidFill>
+                        <a:srgbClr val="000000"/>
+                      </a:solidFill>
+                      <a:prstDash val="solid"/>
+                      <a:round/>
+                      <a:headEnd type="none" w="med" len="med"/>
+                      <a:tailEnd type="none" w="med" len="med"/>
+                    </a:lnL>
+                    <a:lnR w="6350" cap="flat" cmpd="sng" algn="ctr">
+                      <a:solidFill>
+                        <a:srgbClr val="000000"/>
+                      </a:solidFill>
+                      <a:prstDash val="solid"/>
+                      <a:round/>
+                      <a:headEnd type="none" w="med" len="med"/>
+                      <a:tailEnd type="none" w="med" len="med"/>
+                    </a:lnR>
+                    <a:lnT w="6350" cap="flat" cmpd="sng" algn="ctr">
+                      <a:solidFill>
+                        <a:srgbClr val="000000"/>
+                      </a:solidFill>
+                      <a:prstDash val="solid"/>
+                      <a:round/>
+                      <a:headEnd type="none" w="med" len="med"/>
+                      <a:tailEnd type="none" w="med" len="med"/>
+                    </a:lnT>
+                    <a:lnB w="6350" cap="flat" cmpd="sng" algn="ctr">
+                      <a:solidFill>
+                        <a:srgbClr val="000000"/>
+                      </a:solidFill>
+                      <a:prstDash val="solid"/>
+                      <a:round/>
+                      <a:headEnd type="none" w="med" len="med"/>
+                      <a:tailEnd type="none" w="med" len="med"/>
+                    </a:lnB>
+                    <a:solidFill>
+                      <a:srgbClr val="C0E4F5"/>
+                    </a:solidFill>
+                  </a:tcPr>
+                </a:tc>
+                <a:tc>
+                  <a:txBody>
+                    <a:bodyPr/>
+                    <a:lstStyle/>
+                    <a:p>
+                      <a:pPr algn="l" rtl="0" fontAlgn="ctr"/>
+                      <a:endParaRPr lang="en-GB" sz="800" b="0" i="0" u="none" strike="noStrike">
+                        <a:solidFill>
+                          <a:srgbClr val="000000"/>
+                        </a:solidFill>
+                        <a:effectLst/>
+                        <a:latin typeface="Arial" panose="020B0604020202020204" pitchFamily="34" charset="0"/>
+                      </a:endParaRPr>
+                    </a:p>
+                  </a:txBody>
+                  <a:tcPr marL="4886" marR="4886" marT="4886" marB="35182" anchor="ctr">
+                    <a:lnL w="6350" cap="flat" cmpd="sng" algn="ctr">
+                      <a:solidFill>
+                        <a:srgbClr val="000000"/>
+                      </a:solidFill>
+                      <a:prstDash val="solid"/>
+                      <a:round/>
+                      <a:headEnd type="none" w="med" len="med"/>
+                      <a:tailEnd type="none" w="med" len="med"/>
+                    </a:lnL>
+                    <a:lnR w="6350" cap="flat" cmpd="sng" algn="ctr">
+                      <a:solidFill>
+                        <a:srgbClr val="000000"/>
+                      </a:solidFill>
+                      <a:prstDash val="solid"/>
+                      <a:round/>
+                      <a:headEnd type="none" w="med" len="med"/>
+                      <a:tailEnd type="none" w="med" len="med"/>
+                    </a:lnR>
+                    <a:lnT w="6350" cap="flat" cmpd="sng" algn="ctr">
+                      <a:solidFill>
+                        <a:srgbClr val="000000"/>
+                      </a:solidFill>
+                      <a:prstDash val="solid"/>
+                      <a:round/>
+                      <a:headEnd type="none" w="med" len="med"/>
+                      <a:tailEnd type="none" w="med" len="med"/>
+                    </a:lnT>
+                    <a:lnB w="6350" cap="flat" cmpd="sng" algn="ctr">
+                      <a:solidFill>
+                        <a:srgbClr val="000000"/>
+                      </a:solidFill>
+                      <a:prstDash val="solid"/>
+                      <a:round/>
+                      <a:headEnd type="none" w="med" len="med"/>
+                      <a:tailEnd type="none" w="med" len="med"/>
+                    </a:lnB>
+                    <a:noFill/>
+                  </a:tcPr>
+                </a:tc>
+                <a:tc>
+                  <a:txBody>
+                    <a:bodyPr/>
+                    <a:lstStyle/>
+                    <a:p>
+                      <a:pPr algn="l" rtl="0" fontAlgn="ctr"/>
+                      <a:endParaRPr lang="en-GB" sz="800" b="0" i="0" u="none" strike="noStrike">
+                        <a:solidFill>
+                          <a:srgbClr val="000000"/>
+                        </a:solidFill>
+                        <a:effectLst/>
+                        <a:latin typeface="Arial" panose="020B0604020202020204" pitchFamily="34" charset="0"/>
+                      </a:endParaRPr>
+                    </a:p>
+                  </a:txBody>
+                  <a:tcPr marL="4886" marR="4886" marT="4886" marB="35182" anchor="ctr">
+                    <a:lnL w="6350" cap="flat" cmpd="sng" algn="ctr">
+                      <a:solidFill>
+                        <a:srgbClr val="000000"/>
+                      </a:solidFill>
+                      <a:prstDash val="solid"/>
+                      <a:round/>
+                      <a:headEnd type="none" w="med" len="med"/>
+                      <a:tailEnd type="none" w="med" len="med"/>
+                    </a:lnL>
+                    <a:lnR w="6350" cap="flat" cmpd="sng" algn="ctr">
+                      <a:solidFill>
+                        <a:srgbClr val="000000"/>
+                      </a:solidFill>
+                      <a:prstDash val="solid"/>
+                      <a:round/>
+                      <a:headEnd type="none" w="med" len="med"/>
+                      <a:tailEnd type="none" w="med" len="med"/>
+                    </a:lnR>
+                    <a:lnT w="6350" cap="flat" cmpd="sng" algn="ctr">
+                      <a:solidFill>
+                        <a:srgbClr val="000000"/>
+                      </a:solidFill>
+                      <a:prstDash val="solid"/>
+                      <a:round/>
+                      <a:headEnd type="none" w="med" len="med"/>
+                      <a:tailEnd type="none" w="med" len="med"/>
+                    </a:lnT>
+                    <a:lnB w="6350" cap="flat" cmpd="sng" algn="ctr">
+                      <a:solidFill>
+                        <a:srgbClr val="000000"/>
+                      </a:solidFill>
+                      <a:prstDash val="solid"/>
+                      <a:round/>
+                      <a:headEnd type="none" w="med" len="med"/>
+                      <a:tailEnd type="none" w="med" len="med"/>
+                    </a:lnB>
+                    <a:noFill/>
+                  </a:tcPr>
+                </a:tc>
+                <a:tc>
+                  <a:txBody>
+                    <a:bodyPr/>
+                    <a:lstStyle/>
+                    <a:p>
+                      <a:pPr algn="r" rtl="0" fontAlgn="ctr"/>
+                      <a:r>
+                        <a:rPr lang="en-GB" sz="800" b="0" i="0" u="none" strike="noStrike">
+                          <a:solidFill>
+                            <a:srgbClr val="000000"/>
+                          </a:solidFill>
+                          <a:effectLst/>
+                          <a:latin typeface="Arial" panose="020B0604020202020204" pitchFamily="34" charset="0"/>
+                        </a:rPr>
+                        <a:t>2</a:t>
+                      </a:r>
+                    </a:p>
+                  </a:txBody>
+                  <a:tcPr marL="4886" marR="4886" marT="4886" marB="35182" anchor="ctr">
+                    <a:lnL w="6350" cap="flat" cmpd="sng" algn="ctr">
+                      <a:solidFill>
+                        <a:srgbClr val="000000"/>
+                      </a:solidFill>
+                      <a:prstDash val="solid"/>
+                      <a:round/>
+                      <a:headEnd type="none" w="med" len="med"/>
+                      <a:tailEnd type="none" w="med" len="med"/>
+                    </a:lnL>
+                    <a:lnR w="6350" cap="flat" cmpd="sng" algn="ctr">
+                      <a:solidFill>
+                        <a:srgbClr val="000000"/>
+                      </a:solidFill>
+                      <a:prstDash val="solid"/>
+                      <a:round/>
+                      <a:headEnd type="none" w="med" len="med"/>
+                      <a:tailEnd type="none" w="med" len="med"/>
+                    </a:lnR>
+                    <a:lnT w="6350" cap="flat" cmpd="sng" algn="ctr">
+                      <a:solidFill>
+                        <a:srgbClr val="000000"/>
+                      </a:solidFill>
+                      <a:prstDash val="solid"/>
+                      <a:round/>
+                      <a:headEnd type="none" w="med" len="med"/>
+                      <a:tailEnd type="none" w="med" len="med"/>
+                    </a:lnT>
+                    <a:lnB w="6350" cap="flat" cmpd="sng" algn="ctr">
+                      <a:solidFill>
+                        <a:srgbClr val="000000"/>
+                      </a:solidFill>
+                      <a:prstDash val="solid"/>
+                      <a:round/>
+                      <a:headEnd type="none" w="med" len="med"/>
+                      <a:tailEnd type="none" w="med" len="med"/>
+                    </a:lnB>
+                    <a:noFill/>
+                  </a:tcPr>
+                </a:tc>
+                <a:tc>
+                  <a:txBody>
+                    <a:bodyPr/>
+                    <a:lstStyle/>
+                    <a:p>
+                      <a:pPr algn="r" rtl="0" fontAlgn="ctr"/>
+                      <a:r>
+                        <a:rPr lang="en-GB" sz="800" b="0" i="0" u="none" strike="noStrike">
+                          <a:solidFill>
+                            <a:srgbClr val="000000"/>
+                          </a:solidFill>
+                          <a:effectLst/>
+                          <a:latin typeface="Arial" panose="020B0604020202020204" pitchFamily="34" charset="0"/>
+                        </a:rPr>
+                        <a:t>30</a:t>
+                      </a:r>
+                    </a:p>
+                  </a:txBody>
+                  <a:tcPr marL="4886" marR="4886" marT="4886" marB="35182" anchor="ctr">
+                    <a:lnL w="6350" cap="flat" cmpd="sng" algn="ctr">
+                      <a:solidFill>
+                        <a:srgbClr val="000000"/>
+                      </a:solidFill>
+                      <a:prstDash val="solid"/>
+                      <a:round/>
+                      <a:headEnd type="none" w="med" len="med"/>
+                      <a:tailEnd type="none" w="med" len="med"/>
+                    </a:lnL>
+                    <a:lnR w="6350" cap="flat" cmpd="sng" algn="ctr">
+                      <a:solidFill>
+                        <a:srgbClr val="000000"/>
+                      </a:solidFill>
+                      <a:prstDash val="solid"/>
+                      <a:round/>
+                      <a:headEnd type="none" w="med" len="med"/>
+                      <a:tailEnd type="none" w="med" len="med"/>
+                    </a:lnR>
+                    <a:lnT w="6350" cap="flat" cmpd="sng" algn="ctr">
+                      <a:solidFill>
+                        <a:srgbClr val="000000"/>
+                      </a:solidFill>
+                      <a:prstDash val="solid"/>
+                      <a:round/>
+                      <a:headEnd type="none" w="med" len="med"/>
+                      <a:tailEnd type="none" w="med" len="med"/>
+                    </a:lnT>
+                    <a:lnB w="6350" cap="flat" cmpd="sng" algn="ctr">
+                      <a:solidFill>
+                        <a:srgbClr val="000000"/>
+                      </a:solidFill>
+                      <a:prstDash val="solid"/>
+                      <a:round/>
+                      <a:headEnd type="none" w="med" len="med"/>
+                      <a:tailEnd type="none" w="med" len="med"/>
+                    </a:lnB>
+                    <a:noFill/>
+                  </a:tcPr>
+                </a:tc>
+                <a:tc>
+                  <a:txBody>
+                    <a:bodyPr/>
+                    <a:lstStyle/>
+                    <a:p>
+                      <a:pPr algn="l" rtl="0" fontAlgn="ctr"/>
+                      <a:endParaRPr lang="en-GB" sz="800" b="0" i="0" u="none" strike="noStrike">
+                        <a:solidFill>
+                          <a:srgbClr val="000000"/>
+                        </a:solidFill>
+                        <a:effectLst/>
+                        <a:latin typeface="Arial" panose="020B0604020202020204" pitchFamily="34" charset="0"/>
+                      </a:endParaRPr>
+                    </a:p>
+                  </a:txBody>
+                  <a:tcPr marL="4886" marR="4886" marT="4886" marB="35182" anchor="ctr">
+                    <a:lnL w="6350" cap="flat" cmpd="sng" algn="ctr">
+                      <a:solidFill>
+                        <a:srgbClr val="000000"/>
+                      </a:solidFill>
+                      <a:prstDash val="solid"/>
+                      <a:round/>
+                      <a:headEnd type="none" w="med" len="med"/>
+                      <a:tailEnd type="none" w="med" len="med"/>
+                    </a:lnL>
+                    <a:lnR w="6350" cap="flat" cmpd="sng" algn="ctr">
+                      <a:solidFill>
+                        <a:srgbClr val="000000"/>
+                      </a:solidFill>
+                      <a:prstDash val="solid"/>
+                      <a:round/>
+                      <a:headEnd type="none" w="med" len="med"/>
+                      <a:tailEnd type="none" w="med" len="med"/>
+                    </a:lnR>
+                    <a:lnT w="6350" cap="flat" cmpd="sng" algn="ctr">
+                      <a:solidFill>
+                        <a:srgbClr val="000000"/>
+                      </a:solidFill>
+                      <a:prstDash val="solid"/>
+                      <a:round/>
+                      <a:headEnd type="none" w="med" len="med"/>
+                      <a:tailEnd type="none" w="med" len="med"/>
+                    </a:lnT>
+                    <a:lnB w="6350" cap="flat" cmpd="sng" algn="ctr">
+                      <a:solidFill>
+                        <a:srgbClr val="000000"/>
+                      </a:solidFill>
+                      <a:prstDash val="solid"/>
+                      <a:round/>
+                      <a:headEnd type="none" w="med" len="med"/>
+                      <a:tailEnd type="none" w="med" len="med"/>
+                    </a:lnB>
+                    <a:noFill/>
+                  </a:tcPr>
+                </a:tc>
+                <a:tc>
+                  <a:txBody>
+                    <a:bodyPr/>
+                    <a:lstStyle/>
+                    <a:p>
+                      <a:pPr algn="l" rtl="0" fontAlgn="ctr"/>
+                      <a:endParaRPr lang="en-GB" sz="800" b="0" i="0" u="none" strike="noStrike">
+                        <a:solidFill>
+                          <a:srgbClr val="000000"/>
+                        </a:solidFill>
+                        <a:effectLst/>
+                        <a:latin typeface="Arial" panose="020B0604020202020204" pitchFamily="34" charset="0"/>
+                      </a:endParaRPr>
+                    </a:p>
+                  </a:txBody>
+                  <a:tcPr marL="4886" marR="4886" marT="4886" marB="35182" anchor="ctr">
+                    <a:lnL w="6350" cap="flat" cmpd="sng" algn="ctr">
+                      <a:solidFill>
+                        <a:srgbClr val="000000"/>
+                      </a:solidFill>
+                      <a:prstDash val="solid"/>
+                      <a:round/>
+                      <a:headEnd type="none" w="med" len="med"/>
+                      <a:tailEnd type="none" w="med" len="med"/>
+                    </a:lnL>
+                    <a:lnR w="6350" cap="flat" cmpd="sng" algn="ctr">
+                      <a:solidFill>
+                        <a:srgbClr val="000000"/>
+                      </a:solidFill>
+                      <a:prstDash val="solid"/>
+                      <a:round/>
+                      <a:headEnd type="none" w="med" len="med"/>
+                      <a:tailEnd type="none" w="med" len="med"/>
+                    </a:lnR>
+                    <a:lnT w="6350" cap="flat" cmpd="sng" algn="ctr">
+                      <a:solidFill>
+                        <a:srgbClr val="000000"/>
+                      </a:solidFill>
+                      <a:prstDash val="solid"/>
+                      <a:round/>
+                      <a:headEnd type="none" w="med" len="med"/>
+                      <a:tailEnd type="none" w="med" len="med"/>
+                    </a:lnT>
+                    <a:lnB w="6350" cap="flat" cmpd="sng" algn="ctr">
+                      <a:solidFill>
+                        <a:srgbClr val="000000"/>
+                      </a:solidFill>
+                      <a:prstDash val="solid"/>
+                      <a:round/>
+                      <a:headEnd type="none" w="med" len="med"/>
+                      <a:tailEnd type="none" w="med" len="med"/>
+                    </a:lnB>
+                    <a:noFill/>
+                  </a:tcPr>
+                </a:tc>
+                <a:tc>
+                  <a:txBody>
+                    <a:bodyPr/>
+                    <a:lstStyle/>
+                    <a:p>
+                      <a:pPr algn="r" rtl="0" fontAlgn="ctr"/>
+                      <a:r>
+                        <a:rPr lang="en-GB" sz="800" b="0" i="0" u="none" strike="noStrike">
+                          <a:solidFill>
+                            <a:srgbClr val="000000"/>
+                          </a:solidFill>
+                          <a:effectLst/>
+                          <a:latin typeface="Arial" panose="020B0604020202020204" pitchFamily="34" charset="0"/>
+                        </a:rPr>
+                        <a:t>2,5</a:t>
+                      </a:r>
+                    </a:p>
+                  </a:txBody>
+                  <a:tcPr marL="4886" marR="4886" marT="4886" marB="35182" anchor="ctr">
+                    <a:lnL w="6350" cap="flat" cmpd="sng" algn="ctr">
+                      <a:solidFill>
+                        <a:srgbClr val="000000"/>
+                      </a:solidFill>
+                      <a:prstDash val="solid"/>
+                      <a:round/>
+                      <a:headEnd type="none" w="med" len="med"/>
+                      <a:tailEnd type="none" w="med" len="med"/>
+                    </a:lnL>
+                    <a:lnR w="6350" cap="flat" cmpd="sng" algn="ctr">
+                      <a:solidFill>
+                        <a:srgbClr val="000000"/>
+                      </a:solidFill>
+                      <a:prstDash val="solid"/>
+                      <a:round/>
+                      <a:headEnd type="none" w="med" len="med"/>
+                      <a:tailEnd type="none" w="med" len="med"/>
+                    </a:lnR>
+                    <a:lnT w="6350" cap="flat" cmpd="sng" algn="ctr">
+                      <a:solidFill>
+                        <a:srgbClr val="000000"/>
+                      </a:solidFill>
+                      <a:prstDash val="solid"/>
+                      <a:round/>
+                      <a:headEnd type="none" w="med" len="med"/>
+                      <a:tailEnd type="none" w="med" len="med"/>
+                    </a:lnT>
+                    <a:lnB w="6350" cap="flat" cmpd="sng" algn="ctr">
+                      <a:solidFill>
+                        <a:srgbClr val="000000"/>
+                      </a:solidFill>
+                      <a:prstDash val="solid"/>
+                      <a:round/>
+                      <a:headEnd type="none" w="med" len="med"/>
+                      <a:tailEnd type="none" w="med" len="med"/>
+                    </a:lnB>
+                    <a:noFill/>
+                  </a:tcPr>
+                </a:tc>
+                <a:tc>
+                  <a:txBody>
+                    <a:bodyPr/>
+                    <a:lstStyle/>
+                    <a:p>
+                      <a:pPr algn="l" rtl="0" fontAlgn="ctr"/>
+                      <a:endParaRPr lang="en-GB" sz="800" b="0" i="0" u="none" strike="noStrike">
+                        <a:solidFill>
+                          <a:srgbClr val="000000"/>
+                        </a:solidFill>
+                        <a:effectLst/>
+                        <a:latin typeface="Arial" panose="020B0604020202020204" pitchFamily="34" charset="0"/>
+                      </a:endParaRPr>
+                    </a:p>
+                  </a:txBody>
+                  <a:tcPr marL="4886" marR="4886" marT="4886" marB="35182" anchor="ctr">
+                    <a:lnL w="6350" cap="flat" cmpd="sng" algn="ctr">
+                      <a:solidFill>
+                        <a:srgbClr val="000000"/>
+                      </a:solidFill>
+                      <a:prstDash val="solid"/>
+                      <a:round/>
+                      <a:headEnd type="none" w="med" len="med"/>
+                      <a:tailEnd type="none" w="med" len="med"/>
+                    </a:lnL>
+                    <a:lnR w="6350" cap="flat" cmpd="sng" algn="ctr">
+                      <a:solidFill>
+                        <a:srgbClr val="000000"/>
+                      </a:solidFill>
+                      <a:prstDash val="solid"/>
+                      <a:round/>
+                      <a:headEnd type="none" w="med" len="med"/>
+                      <a:tailEnd type="none" w="med" len="med"/>
+                    </a:lnR>
+                    <a:lnT w="6350" cap="flat" cmpd="sng" algn="ctr">
+                      <a:solidFill>
+                        <a:srgbClr val="000000"/>
+                      </a:solidFill>
+                      <a:prstDash val="solid"/>
+                      <a:round/>
+                      <a:headEnd type="none" w="med" len="med"/>
+                      <a:tailEnd type="none" w="med" len="med"/>
+                    </a:lnT>
+                    <a:lnB w="6350" cap="flat" cmpd="sng" algn="ctr">
+                      <a:solidFill>
+                        <a:srgbClr val="000000"/>
+                      </a:solidFill>
+                      <a:prstDash val="solid"/>
+                      <a:round/>
+                      <a:headEnd type="none" w="med" len="med"/>
+                      <a:tailEnd type="none" w="med" len="med"/>
+                    </a:lnB>
+                    <a:noFill/>
+                  </a:tcPr>
+                </a:tc>
+                <a:tc>
+                  <a:txBody>
+                    <a:bodyPr/>
+                    <a:lstStyle/>
+                    <a:p>
+                      <a:pPr algn="l" rtl="0" fontAlgn="ctr"/>
+                      <a:endParaRPr lang="en-GB" sz="800" b="0" i="0" u="none" strike="noStrike">
+                        <a:solidFill>
+                          <a:srgbClr val="000000"/>
+                        </a:solidFill>
+                        <a:effectLst/>
+                        <a:latin typeface="Arial" panose="020B0604020202020204" pitchFamily="34" charset="0"/>
+                      </a:endParaRPr>
+                    </a:p>
+                  </a:txBody>
+                  <a:tcPr marL="4886" marR="4886" marT="4886" marB="35182" anchor="ctr">
+                    <a:lnL w="6350" cap="flat" cmpd="sng" algn="ctr">
+                      <a:solidFill>
+                        <a:srgbClr val="000000"/>
+                      </a:solidFill>
+                      <a:prstDash val="solid"/>
+                      <a:round/>
+                      <a:headEnd type="none" w="med" len="med"/>
+                      <a:tailEnd type="none" w="med" len="med"/>
+                    </a:lnL>
+                    <a:lnR w="6350" cap="flat" cmpd="sng" algn="ctr">
+                      <a:solidFill>
+                        <a:srgbClr val="000000"/>
+                      </a:solidFill>
+                      <a:prstDash val="solid"/>
+                      <a:round/>
+                      <a:headEnd type="none" w="med" len="med"/>
+                      <a:tailEnd type="none" w="med" len="med"/>
+                    </a:lnR>
+                    <a:lnT w="6350" cap="flat" cmpd="sng" algn="ctr">
+                      <a:solidFill>
+                        <a:srgbClr val="000000"/>
+                      </a:solidFill>
+                      <a:prstDash val="solid"/>
+                      <a:round/>
+                      <a:headEnd type="none" w="med" len="med"/>
+                      <a:tailEnd type="none" w="med" len="med"/>
+                    </a:lnT>
+                    <a:lnB w="6350" cap="flat" cmpd="sng" algn="ctr">
+                      <a:solidFill>
+                        <a:srgbClr val="000000"/>
+                      </a:solidFill>
+                      <a:prstDash val="solid"/>
+                      <a:round/>
+                      <a:headEnd type="none" w="med" len="med"/>
+                      <a:tailEnd type="none" w="med" len="med"/>
+                    </a:lnB>
+                    <a:noFill/>
+                  </a:tcPr>
+                </a:tc>
+                <a:tc>
+                  <a:txBody>
+                    <a:bodyPr/>
+                    <a:lstStyle/>
+                    <a:p>
+                      <a:pPr algn="r" rtl="0" fontAlgn="ctr"/>
+                      <a:r>
+                        <a:rPr lang="en-GB" sz="800" b="0" i="0" u="none" strike="noStrike">
+                          <a:solidFill>
+                            <a:srgbClr val="000000"/>
+                          </a:solidFill>
+                          <a:effectLst/>
+                          <a:latin typeface="Arial" panose="020B0604020202020204" pitchFamily="34" charset="0"/>
+                        </a:rPr>
+                        <a:t>34,5</a:t>
+                      </a:r>
+                    </a:p>
+                  </a:txBody>
+                  <a:tcPr marL="4886" marR="4886" marT="4886" marB="35182" anchor="ctr">
+                    <a:lnL w="6350" cap="flat" cmpd="sng" algn="ctr">
+                      <a:solidFill>
+                        <a:srgbClr val="000000"/>
+                      </a:solidFill>
+                      <a:prstDash val="solid"/>
+                      <a:round/>
+                      <a:headEnd type="none" w="med" len="med"/>
+                      <a:tailEnd type="none" w="med" len="med"/>
+                    </a:lnL>
+                    <a:lnR w="6350" cap="flat" cmpd="sng" algn="ctr">
+                      <a:solidFill>
+                        <a:srgbClr val="000000"/>
+                      </a:solidFill>
+                      <a:prstDash val="solid"/>
+                      <a:round/>
+                      <a:headEnd type="none" w="med" len="med"/>
+                      <a:tailEnd type="none" w="med" len="med"/>
+                    </a:lnR>
+                    <a:lnT w="6350" cap="flat" cmpd="sng" algn="ctr">
+                      <a:solidFill>
+                        <a:srgbClr val="000000"/>
+                      </a:solidFill>
+                      <a:prstDash val="solid"/>
+                      <a:round/>
+                      <a:headEnd type="none" w="med" len="med"/>
+                      <a:tailEnd type="none" w="med" len="med"/>
+                    </a:lnT>
+                    <a:lnB w="6350" cap="flat" cmpd="sng" algn="ctr">
+                      <a:solidFill>
+                        <a:srgbClr val="000000"/>
+                      </a:solidFill>
+                      <a:prstDash val="solid"/>
+                      <a:round/>
+                      <a:headEnd type="none" w="med" len="med"/>
+                      <a:tailEnd type="none" w="med" len="med"/>
+                    </a:lnB>
+                    <a:solidFill>
+                      <a:srgbClr val="FDC47D"/>
+                    </a:solidFill>
+                  </a:tcPr>
+                </a:tc>
+                <a:tc>
+                  <a:txBody>
+                    <a:bodyPr/>
+                    <a:lstStyle/>
+                    <a:p>
+                      <a:pPr algn="r" rtl="0" fontAlgn="ctr"/>
+                      <a:r>
+                        <a:rPr lang="en-GB" sz="800" b="0" i="0" u="none" strike="noStrike">
+                          <a:solidFill>
+                            <a:srgbClr val="000000"/>
+                          </a:solidFill>
+                          <a:effectLst/>
+                          <a:latin typeface="Arial" panose="020B0604020202020204" pitchFamily="34" charset="0"/>
+                        </a:rPr>
+                        <a:t>26,85%</a:t>
+                      </a:r>
+                    </a:p>
+                  </a:txBody>
+                  <a:tcPr marL="4886" marR="4886" marT="4886" marB="35182" anchor="ctr">
+                    <a:lnL w="6350" cap="flat" cmpd="sng" algn="ctr">
+                      <a:solidFill>
+                        <a:srgbClr val="000000"/>
+                      </a:solidFill>
+                      <a:prstDash val="solid"/>
+                      <a:round/>
+                      <a:headEnd type="none" w="med" len="med"/>
+                      <a:tailEnd type="none" w="med" len="med"/>
+                    </a:lnL>
+                    <a:lnR w="6350" cap="flat" cmpd="sng" algn="ctr">
+                      <a:solidFill>
+                        <a:srgbClr val="000000"/>
+                      </a:solidFill>
+                      <a:prstDash val="solid"/>
+                      <a:round/>
+                      <a:headEnd type="none" w="med" len="med"/>
+                      <a:tailEnd type="none" w="med" len="med"/>
+                    </a:lnR>
+                    <a:lnT w="6350" cap="flat" cmpd="sng" algn="ctr">
+                      <a:solidFill>
+                        <a:srgbClr val="000000"/>
+                      </a:solidFill>
+                      <a:prstDash val="solid"/>
+                      <a:round/>
+                      <a:headEnd type="none" w="med" len="med"/>
+                      <a:tailEnd type="none" w="med" len="med"/>
+                    </a:lnT>
+                    <a:lnB w="6350" cap="flat" cmpd="sng" algn="ctr">
+                      <a:solidFill>
+                        <a:srgbClr val="000000"/>
+                      </a:solidFill>
+                      <a:prstDash val="solid"/>
+                      <a:round/>
+                      <a:headEnd type="none" w="med" len="med"/>
+                      <a:tailEnd type="none" w="med" len="med"/>
+                    </a:lnB>
+                    <a:noFill/>
+                  </a:tcPr>
+                </a:tc>
+                <a:extLst>
+                  <a:ext uri="{0D108BD9-81ED-4DB2-BD59-A6C34878D82A}">
+                    <a16:rowId xmlns:a16="http://schemas.microsoft.com/office/drawing/2014/main" val="2942817072"/>
+                  </a:ext>
+                </a:extLst>
+              </a:tr>
+              <a:tr h="157343">
+                <a:tc>
+                  <a:txBody>
+                    <a:bodyPr/>
+                    <a:lstStyle/>
+                    <a:p>
+                      <a:pPr algn="l" rtl="0" fontAlgn="ctr"/>
+                      <a:r>
+                        <a:rPr lang="en-GB" sz="800" b="0" i="0" u="none" strike="noStrike">
+                          <a:solidFill>
+                            <a:srgbClr val="000000"/>
+                          </a:solidFill>
+                          <a:effectLst/>
+                          <a:latin typeface="Arial" panose="020B0604020202020204" pitchFamily="34" charset="0"/>
+                        </a:rPr>
+                        <a:t>Alessandro Finocchi</a:t>
+                      </a:r>
+                    </a:p>
+                  </a:txBody>
+                  <a:tcPr marL="4886" marR="4886" marT="4886" marB="35182" anchor="ctr">
+                    <a:lnL w="6350" cap="flat" cmpd="sng" algn="ctr">
+                      <a:solidFill>
+                        <a:srgbClr val="000000"/>
+                      </a:solidFill>
+                      <a:prstDash val="solid"/>
+                      <a:round/>
+                      <a:headEnd type="none" w="med" len="med"/>
+                      <a:tailEnd type="none" w="med" len="med"/>
+                    </a:lnL>
+                    <a:lnR w="6350" cap="flat" cmpd="sng" algn="ctr">
+                      <a:solidFill>
+                        <a:srgbClr val="000000"/>
+                      </a:solidFill>
+                      <a:prstDash val="solid"/>
+                      <a:round/>
+                      <a:headEnd type="none" w="med" len="med"/>
+                      <a:tailEnd type="none" w="med" len="med"/>
+                    </a:lnR>
+                    <a:lnT w="6350" cap="flat" cmpd="sng" algn="ctr">
+                      <a:solidFill>
+                        <a:srgbClr val="000000"/>
+                      </a:solidFill>
+                      <a:prstDash val="solid"/>
+                      <a:round/>
+                      <a:headEnd type="none" w="med" len="med"/>
+                      <a:tailEnd type="none" w="med" len="med"/>
+                    </a:lnT>
+                    <a:lnB w="6350" cap="flat" cmpd="sng" algn="ctr">
+                      <a:solidFill>
+                        <a:srgbClr val="000000"/>
+                      </a:solidFill>
+                      <a:prstDash val="solid"/>
+                      <a:round/>
+                      <a:headEnd type="none" w="med" len="med"/>
+                      <a:tailEnd type="none" w="med" len="med"/>
+                    </a:lnB>
+                    <a:solidFill>
+                      <a:srgbClr val="C0E4F5"/>
+                    </a:solidFill>
+                  </a:tcPr>
+                </a:tc>
+                <a:tc>
+                  <a:txBody>
+                    <a:bodyPr/>
+                    <a:lstStyle/>
+                    <a:p>
+                      <a:pPr algn="l" rtl="0" fontAlgn="ctr"/>
+                      <a:endParaRPr lang="en-GB" sz="800" b="0" i="0" u="none" strike="noStrike">
+                        <a:solidFill>
+                          <a:srgbClr val="000000"/>
+                        </a:solidFill>
+                        <a:effectLst/>
+                        <a:latin typeface="Arial" panose="020B0604020202020204" pitchFamily="34" charset="0"/>
+                      </a:endParaRPr>
+                    </a:p>
+                  </a:txBody>
+                  <a:tcPr marL="4886" marR="4886" marT="4886" marB="35182" anchor="ctr">
+                    <a:lnL w="6350" cap="flat" cmpd="sng" algn="ctr">
+                      <a:solidFill>
+                        <a:srgbClr val="000000"/>
+                      </a:solidFill>
+                      <a:prstDash val="solid"/>
+                      <a:round/>
+                      <a:headEnd type="none" w="med" len="med"/>
+                      <a:tailEnd type="none" w="med" len="med"/>
+                    </a:lnL>
+                    <a:lnR w="6350" cap="flat" cmpd="sng" algn="ctr">
+                      <a:solidFill>
+                        <a:srgbClr val="000000"/>
+                      </a:solidFill>
+                      <a:prstDash val="solid"/>
+                      <a:round/>
+                      <a:headEnd type="none" w="med" len="med"/>
+                      <a:tailEnd type="none" w="med" len="med"/>
+                    </a:lnR>
+                    <a:lnT w="6350" cap="flat" cmpd="sng" algn="ctr">
+                      <a:solidFill>
+                        <a:srgbClr val="000000"/>
+                      </a:solidFill>
+                      <a:prstDash val="solid"/>
+                      <a:round/>
+                      <a:headEnd type="none" w="med" len="med"/>
+                      <a:tailEnd type="none" w="med" len="med"/>
+                    </a:lnT>
+                    <a:lnB w="6350" cap="flat" cmpd="sng" algn="ctr">
+                      <a:solidFill>
+                        <a:srgbClr val="000000"/>
+                      </a:solidFill>
+                      <a:prstDash val="solid"/>
+                      <a:round/>
+                      <a:headEnd type="none" w="med" len="med"/>
+                      <a:tailEnd type="none" w="med" len="med"/>
+                    </a:lnB>
+                    <a:noFill/>
+                  </a:tcPr>
+                </a:tc>
+                <a:tc>
+                  <a:txBody>
+                    <a:bodyPr/>
+                    <a:lstStyle/>
+                    <a:p>
+                      <a:pPr algn="r" rtl="0" fontAlgn="ctr"/>
+                      <a:r>
+                        <a:rPr lang="en-GB" sz="800" b="0" i="0" u="none" strike="noStrike">
+                          <a:solidFill>
+                            <a:srgbClr val="000000"/>
+                          </a:solidFill>
+                          <a:effectLst/>
+                          <a:latin typeface="Arial" panose="020B0604020202020204" pitchFamily="34" charset="0"/>
+                        </a:rPr>
+                        <a:t>2,5</a:t>
+                      </a:r>
+                    </a:p>
+                  </a:txBody>
+                  <a:tcPr marL="4886" marR="4886" marT="4886" marB="35182" anchor="ctr">
+                    <a:lnL w="6350" cap="flat" cmpd="sng" algn="ctr">
+                      <a:solidFill>
+                        <a:srgbClr val="000000"/>
+                      </a:solidFill>
+                      <a:prstDash val="solid"/>
+                      <a:round/>
+                      <a:headEnd type="none" w="med" len="med"/>
+                      <a:tailEnd type="none" w="med" len="med"/>
+                    </a:lnL>
+                    <a:lnR w="6350" cap="flat" cmpd="sng" algn="ctr">
+                      <a:solidFill>
+                        <a:srgbClr val="000000"/>
+                      </a:solidFill>
+                      <a:prstDash val="solid"/>
+                      <a:round/>
+                      <a:headEnd type="none" w="med" len="med"/>
+                      <a:tailEnd type="none" w="med" len="med"/>
+                    </a:lnR>
+                    <a:lnT w="6350" cap="flat" cmpd="sng" algn="ctr">
+                      <a:solidFill>
+                        <a:srgbClr val="000000"/>
+                      </a:solidFill>
+                      <a:prstDash val="solid"/>
+                      <a:round/>
+                      <a:headEnd type="none" w="med" len="med"/>
+                      <a:tailEnd type="none" w="med" len="med"/>
+                    </a:lnT>
+                    <a:lnB w="6350" cap="flat" cmpd="sng" algn="ctr">
+                      <a:solidFill>
+                        <a:srgbClr val="000000"/>
+                      </a:solidFill>
+                      <a:prstDash val="solid"/>
+                      <a:round/>
+                      <a:headEnd type="none" w="med" len="med"/>
+                      <a:tailEnd type="none" w="med" len="med"/>
+                    </a:lnB>
+                    <a:noFill/>
+                  </a:tcPr>
+                </a:tc>
+                <a:tc>
+                  <a:txBody>
+                    <a:bodyPr/>
+                    <a:lstStyle/>
+                    <a:p>
+                      <a:pPr algn="r" rtl="0" fontAlgn="ctr"/>
+                      <a:r>
+                        <a:rPr lang="en-GB" sz="800" b="0" i="0" u="none" strike="noStrike" dirty="0">
+                          <a:solidFill>
+                            <a:srgbClr val="000000"/>
+                          </a:solidFill>
+                          <a:effectLst/>
+                          <a:latin typeface="Arial" panose="020B0604020202020204" pitchFamily="34" charset="0"/>
+                        </a:rPr>
+                        <a:t>4</a:t>
+                      </a:r>
+                    </a:p>
+                  </a:txBody>
+                  <a:tcPr marL="4886" marR="4886" marT="4886" marB="35182" anchor="ctr">
+                    <a:lnL w="6350" cap="flat" cmpd="sng" algn="ctr">
+                      <a:solidFill>
+                        <a:srgbClr val="000000"/>
+                      </a:solidFill>
+                      <a:prstDash val="solid"/>
+                      <a:round/>
+                      <a:headEnd type="none" w="med" len="med"/>
+                      <a:tailEnd type="none" w="med" len="med"/>
+                    </a:lnL>
+                    <a:lnR w="6350" cap="flat" cmpd="sng" algn="ctr">
+                      <a:solidFill>
+                        <a:srgbClr val="000000"/>
+                      </a:solidFill>
+                      <a:prstDash val="solid"/>
+                      <a:round/>
+                      <a:headEnd type="none" w="med" len="med"/>
+                      <a:tailEnd type="none" w="med" len="med"/>
+                    </a:lnR>
+                    <a:lnT w="6350" cap="flat" cmpd="sng" algn="ctr">
+                      <a:solidFill>
+                        <a:srgbClr val="000000"/>
+                      </a:solidFill>
+                      <a:prstDash val="solid"/>
+                      <a:round/>
+                      <a:headEnd type="none" w="med" len="med"/>
+                      <a:tailEnd type="none" w="med" len="med"/>
+                    </a:lnT>
+                    <a:lnB w="6350" cap="flat" cmpd="sng" algn="ctr">
+                      <a:solidFill>
+                        <a:srgbClr val="000000"/>
+                      </a:solidFill>
+                      <a:prstDash val="solid"/>
+                      <a:round/>
+                      <a:headEnd type="none" w="med" len="med"/>
+                      <a:tailEnd type="none" w="med" len="med"/>
+                    </a:lnB>
+                    <a:noFill/>
+                  </a:tcPr>
+                </a:tc>
+                <a:tc>
+                  <a:txBody>
+                    <a:bodyPr/>
+                    <a:lstStyle/>
+                    <a:p>
+                      <a:pPr algn="r" rtl="0" fontAlgn="ctr"/>
+                      <a:r>
+                        <a:rPr lang="en-GB" sz="800" b="0" i="0" u="none" strike="noStrike" dirty="0">
+                          <a:solidFill>
+                            <a:srgbClr val="000000"/>
+                          </a:solidFill>
+                          <a:effectLst/>
+                          <a:latin typeface="Arial" panose="020B0604020202020204" pitchFamily="34" charset="0"/>
+                        </a:rPr>
+                        <a:t>2</a:t>
+                      </a:r>
+                    </a:p>
+                  </a:txBody>
+                  <a:tcPr marL="4886" marR="4886" marT="4886" marB="35182" anchor="ctr">
+                    <a:lnL w="6350" cap="flat" cmpd="sng" algn="ctr">
+                      <a:solidFill>
+                        <a:srgbClr val="000000"/>
+                      </a:solidFill>
+                      <a:prstDash val="solid"/>
+                      <a:round/>
+                      <a:headEnd type="none" w="med" len="med"/>
+                      <a:tailEnd type="none" w="med" len="med"/>
+                    </a:lnL>
+                    <a:lnR w="6350" cap="flat" cmpd="sng" algn="ctr">
+                      <a:solidFill>
+                        <a:srgbClr val="000000"/>
+                      </a:solidFill>
+                      <a:prstDash val="solid"/>
+                      <a:round/>
+                      <a:headEnd type="none" w="med" len="med"/>
+                      <a:tailEnd type="none" w="med" len="med"/>
+                    </a:lnR>
+                    <a:lnT w="6350" cap="flat" cmpd="sng" algn="ctr">
+                      <a:solidFill>
+                        <a:srgbClr val="000000"/>
+                      </a:solidFill>
+                      <a:prstDash val="solid"/>
+                      <a:round/>
+                      <a:headEnd type="none" w="med" len="med"/>
+                      <a:tailEnd type="none" w="med" len="med"/>
+                    </a:lnT>
+                    <a:lnB w="6350" cap="flat" cmpd="sng" algn="ctr">
+                      <a:solidFill>
+                        <a:srgbClr val="000000"/>
+                      </a:solidFill>
+                      <a:prstDash val="solid"/>
+                      <a:round/>
+                      <a:headEnd type="none" w="med" len="med"/>
+                      <a:tailEnd type="none" w="med" len="med"/>
+                    </a:lnB>
+                    <a:noFill/>
+                  </a:tcPr>
+                </a:tc>
+                <a:tc>
+                  <a:txBody>
+                    <a:bodyPr/>
+                    <a:lstStyle/>
+                    <a:p>
+                      <a:pPr algn="r" rtl="0" fontAlgn="ctr"/>
+                      <a:r>
+                        <a:rPr lang="en-GB" sz="800" b="0" i="0" u="none" strike="noStrike">
+                          <a:solidFill>
+                            <a:srgbClr val="000000"/>
+                          </a:solidFill>
+                          <a:effectLst/>
+                          <a:latin typeface="Arial" panose="020B0604020202020204" pitchFamily="34" charset="0"/>
+                        </a:rPr>
+                        <a:t>13</a:t>
+                      </a:r>
+                    </a:p>
+                  </a:txBody>
+                  <a:tcPr marL="4886" marR="4886" marT="4886" marB="35182" anchor="ctr">
+                    <a:lnL w="6350" cap="flat" cmpd="sng" algn="ctr">
+                      <a:solidFill>
+                        <a:srgbClr val="000000"/>
+                      </a:solidFill>
+                      <a:prstDash val="solid"/>
+                      <a:round/>
+                      <a:headEnd type="none" w="med" len="med"/>
+                      <a:tailEnd type="none" w="med" len="med"/>
+                    </a:lnL>
+                    <a:lnR w="6350" cap="flat" cmpd="sng" algn="ctr">
+                      <a:solidFill>
+                        <a:srgbClr val="000000"/>
+                      </a:solidFill>
+                      <a:prstDash val="solid"/>
+                      <a:round/>
+                      <a:headEnd type="none" w="med" len="med"/>
+                      <a:tailEnd type="none" w="med" len="med"/>
+                    </a:lnR>
+                    <a:lnT w="6350" cap="flat" cmpd="sng" algn="ctr">
+                      <a:solidFill>
+                        <a:srgbClr val="000000"/>
+                      </a:solidFill>
+                      <a:prstDash val="solid"/>
+                      <a:round/>
+                      <a:headEnd type="none" w="med" len="med"/>
+                      <a:tailEnd type="none" w="med" len="med"/>
+                    </a:lnT>
+                    <a:lnB w="6350" cap="flat" cmpd="sng" algn="ctr">
+                      <a:solidFill>
+                        <a:srgbClr val="000000"/>
+                      </a:solidFill>
+                      <a:prstDash val="solid"/>
+                      <a:round/>
+                      <a:headEnd type="none" w="med" len="med"/>
+                      <a:tailEnd type="none" w="med" len="med"/>
+                    </a:lnB>
+                    <a:noFill/>
+                  </a:tcPr>
+                </a:tc>
+                <a:tc>
+                  <a:txBody>
+                    <a:bodyPr/>
+                    <a:lstStyle/>
+                    <a:p>
+                      <a:pPr algn="l" rtl="0" fontAlgn="ctr"/>
+                      <a:endParaRPr lang="en-GB" sz="800" b="0" i="0" u="none" strike="noStrike">
+                        <a:solidFill>
+                          <a:srgbClr val="000000"/>
+                        </a:solidFill>
+                        <a:effectLst/>
+                        <a:latin typeface="Arial" panose="020B0604020202020204" pitchFamily="34" charset="0"/>
+                      </a:endParaRPr>
+                    </a:p>
+                  </a:txBody>
+                  <a:tcPr marL="4886" marR="4886" marT="4886" marB="35182" anchor="ctr">
+                    <a:lnL w="6350" cap="flat" cmpd="sng" algn="ctr">
+                      <a:solidFill>
+                        <a:srgbClr val="000000"/>
+                      </a:solidFill>
+                      <a:prstDash val="solid"/>
+                      <a:round/>
+                      <a:headEnd type="none" w="med" len="med"/>
+                      <a:tailEnd type="none" w="med" len="med"/>
+                    </a:lnL>
+                    <a:lnR w="6350" cap="flat" cmpd="sng" algn="ctr">
+                      <a:solidFill>
+                        <a:srgbClr val="000000"/>
+                      </a:solidFill>
+                      <a:prstDash val="solid"/>
+                      <a:round/>
+                      <a:headEnd type="none" w="med" len="med"/>
+                      <a:tailEnd type="none" w="med" len="med"/>
+                    </a:lnR>
+                    <a:lnT w="6350" cap="flat" cmpd="sng" algn="ctr">
+                      <a:solidFill>
+                        <a:srgbClr val="000000"/>
+                      </a:solidFill>
+                      <a:prstDash val="solid"/>
+                      <a:round/>
+                      <a:headEnd type="none" w="med" len="med"/>
+                      <a:tailEnd type="none" w="med" len="med"/>
+                    </a:lnT>
+                    <a:lnB w="6350" cap="flat" cmpd="sng" algn="ctr">
+                      <a:solidFill>
+                        <a:srgbClr val="000000"/>
+                      </a:solidFill>
+                      <a:prstDash val="solid"/>
+                      <a:round/>
+                      <a:headEnd type="none" w="med" len="med"/>
+                      <a:tailEnd type="none" w="med" len="med"/>
+                    </a:lnB>
+                    <a:noFill/>
+                  </a:tcPr>
+                </a:tc>
+                <a:tc>
+                  <a:txBody>
+                    <a:bodyPr/>
+                    <a:lstStyle/>
+                    <a:p>
+                      <a:pPr algn="l" rtl="0" fontAlgn="ctr"/>
+                      <a:endParaRPr lang="en-GB" sz="800" b="0" i="0" u="none" strike="noStrike">
+                        <a:solidFill>
+                          <a:srgbClr val="000000"/>
+                        </a:solidFill>
+                        <a:effectLst/>
+                        <a:latin typeface="Arial" panose="020B0604020202020204" pitchFamily="34" charset="0"/>
+                      </a:endParaRPr>
+                    </a:p>
+                  </a:txBody>
+                  <a:tcPr marL="4886" marR="4886" marT="4886" marB="35182" anchor="ctr">
+                    <a:lnL w="6350" cap="flat" cmpd="sng" algn="ctr">
+                      <a:solidFill>
+                        <a:srgbClr val="000000"/>
+                      </a:solidFill>
+                      <a:prstDash val="solid"/>
+                      <a:round/>
+                      <a:headEnd type="none" w="med" len="med"/>
+                      <a:tailEnd type="none" w="med" len="med"/>
+                    </a:lnL>
+                    <a:lnR w="6350" cap="flat" cmpd="sng" algn="ctr">
+                      <a:solidFill>
+                        <a:srgbClr val="000000"/>
+                      </a:solidFill>
+                      <a:prstDash val="solid"/>
+                      <a:round/>
+                      <a:headEnd type="none" w="med" len="med"/>
+                      <a:tailEnd type="none" w="med" len="med"/>
+                    </a:lnR>
+                    <a:lnT w="6350" cap="flat" cmpd="sng" algn="ctr">
+                      <a:solidFill>
+                        <a:srgbClr val="000000"/>
+                      </a:solidFill>
+                      <a:prstDash val="solid"/>
+                      <a:round/>
+                      <a:headEnd type="none" w="med" len="med"/>
+                      <a:tailEnd type="none" w="med" len="med"/>
+                    </a:lnT>
+                    <a:lnB w="6350" cap="flat" cmpd="sng" algn="ctr">
+                      <a:solidFill>
+                        <a:srgbClr val="000000"/>
+                      </a:solidFill>
+                      <a:prstDash val="solid"/>
+                      <a:round/>
+                      <a:headEnd type="none" w="med" len="med"/>
+                      <a:tailEnd type="none" w="med" len="med"/>
+                    </a:lnB>
+                    <a:noFill/>
+                  </a:tcPr>
+                </a:tc>
+                <a:tc>
+                  <a:txBody>
+                    <a:bodyPr/>
+                    <a:lstStyle/>
+                    <a:p>
+                      <a:pPr algn="r" rtl="0" fontAlgn="ctr"/>
+                      <a:r>
+                        <a:rPr lang="en-GB" sz="800" b="0" i="0" u="none" strike="noStrike">
+                          <a:solidFill>
+                            <a:srgbClr val="000000"/>
+                          </a:solidFill>
+                          <a:effectLst/>
+                          <a:latin typeface="Arial" panose="020B0604020202020204" pitchFamily="34" charset="0"/>
+                        </a:rPr>
+                        <a:t>3,5</a:t>
+                      </a:r>
+                    </a:p>
+                  </a:txBody>
+                  <a:tcPr marL="4886" marR="4886" marT="4886" marB="35182" anchor="ctr">
+                    <a:lnL w="6350" cap="flat" cmpd="sng" algn="ctr">
+                      <a:solidFill>
+                        <a:srgbClr val="000000"/>
+                      </a:solidFill>
+                      <a:prstDash val="solid"/>
+                      <a:round/>
+                      <a:headEnd type="none" w="med" len="med"/>
+                      <a:tailEnd type="none" w="med" len="med"/>
+                    </a:lnL>
+                    <a:lnR w="6350" cap="flat" cmpd="sng" algn="ctr">
+                      <a:solidFill>
+                        <a:srgbClr val="000000"/>
+                      </a:solidFill>
+                      <a:prstDash val="solid"/>
+                      <a:round/>
+                      <a:headEnd type="none" w="med" len="med"/>
+                      <a:tailEnd type="none" w="med" len="med"/>
+                    </a:lnR>
+                    <a:lnT w="6350" cap="flat" cmpd="sng" algn="ctr">
+                      <a:solidFill>
+                        <a:srgbClr val="000000"/>
+                      </a:solidFill>
+                      <a:prstDash val="solid"/>
+                      <a:round/>
+                      <a:headEnd type="none" w="med" len="med"/>
+                      <a:tailEnd type="none" w="med" len="med"/>
+                    </a:lnT>
+                    <a:lnB w="6350" cap="flat" cmpd="sng" algn="ctr">
+                      <a:solidFill>
+                        <a:srgbClr val="000000"/>
+                      </a:solidFill>
+                      <a:prstDash val="solid"/>
+                      <a:round/>
+                      <a:headEnd type="none" w="med" len="med"/>
+                      <a:tailEnd type="none" w="med" len="med"/>
+                    </a:lnB>
+                    <a:noFill/>
+                  </a:tcPr>
+                </a:tc>
+                <a:tc>
+                  <a:txBody>
+                    <a:bodyPr/>
+                    <a:lstStyle/>
+                    <a:p>
+                      <a:pPr algn="l" rtl="0" fontAlgn="ctr"/>
+                      <a:endParaRPr lang="en-GB" sz="800" b="0" i="0" u="none" strike="noStrike">
+                        <a:solidFill>
+                          <a:srgbClr val="000000"/>
+                        </a:solidFill>
+                        <a:effectLst/>
+                        <a:latin typeface="Arial" panose="020B0604020202020204" pitchFamily="34" charset="0"/>
+                      </a:endParaRPr>
+                    </a:p>
+                  </a:txBody>
+                  <a:tcPr marL="4886" marR="4886" marT="4886" marB="35182" anchor="ctr">
+                    <a:lnL w="6350" cap="flat" cmpd="sng" algn="ctr">
+                      <a:solidFill>
+                        <a:srgbClr val="000000"/>
+                      </a:solidFill>
+                      <a:prstDash val="solid"/>
+                      <a:round/>
+                      <a:headEnd type="none" w="med" len="med"/>
+                      <a:tailEnd type="none" w="med" len="med"/>
+                    </a:lnL>
+                    <a:lnR w="6350" cap="flat" cmpd="sng" algn="ctr">
+                      <a:solidFill>
+                        <a:srgbClr val="000000"/>
+                      </a:solidFill>
+                      <a:prstDash val="solid"/>
+                      <a:round/>
+                      <a:headEnd type="none" w="med" len="med"/>
+                      <a:tailEnd type="none" w="med" len="med"/>
+                    </a:lnR>
+                    <a:lnT w="6350" cap="flat" cmpd="sng" algn="ctr">
+                      <a:solidFill>
+                        <a:srgbClr val="000000"/>
+                      </a:solidFill>
+                      <a:prstDash val="solid"/>
+                      <a:round/>
+                      <a:headEnd type="none" w="med" len="med"/>
+                      <a:tailEnd type="none" w="med" len="med"/>
+                    </a:lnT>
+                    <a:lnB w="6350" cap="flat" cmpd="sng" algn="ctr">
+                      <a:solidFill>
+                        <a:srgbClr val="000000"/>
+                      </a:solidFill>
+                      <a:prstDash val="solid"/>
+                      <a:round/>
+                      <a:headEnd type="none" w="med" len="med"/>
+                      <a:tailEnd type="none" w="med" len="med"/>
+                    </a:lnB>
+                    <a:noFill/>
+                  </a:tcPr>
+                </a:tc>
+                <a:tc>
+                  <a:txBody>
+                    <a:bodyPr/>
+                    <a:lstStyle/>
+                    <a:p>
+                      <a:pPr algn="r" rtl="0" fontAlgn="ctr"/>
+                      <a:r>
+                        <a:rPr lang="en-GB" sz="800" b="0" i="0" u="none" strike="noStrike" dirty="0">
+                          <a:solidFill>
+                            <a:srgbClr val="000000"/>
+                          </a:solidFill>
+                          <a:effectLst/>
+                          <a:latin typeface="Arial" panose="020B0604020202020204" pitchFamily="34" charset="0"/>
+                        </a:rPr>
+                        <a:t>25</a:t>
+                      </a:r>
+                    </a:p>
+                  </a:txBody>
+                  <a:tcPr marL="4886" marR="4886" marT="4886" marB="35182" anchor="ctr">
+                    <a:lnL w="6350" cap="flat" cmpd="sng" algn="ctr">
+                      <a:solidFill>
+                        <a:srgbClr val="000000"/>
+                      </a:solidFill>
+                      <a:prstDash val="solid"/>
+                      <a:round/>
+                      <a:headEnd type="none" w="med" len="med"/>
+                      <a:tailEnd type="none" w="med" len="med"/>
+                    </a:lnL>
+                    <a:lnR w="6350" cap="flat" cmpd="sng" algn="ctr">
+                      <a:solidFill>
+                        <a:srgbClr val="000000"/>
+                      </a:solidFill>
+                      <a:prstDash val="solid"/>
+                      <a:round/>
+                      <a:headEnd type="none" w="med" len="med"/>
+                      <a:tailEnd type="none" w="med" len="med"/>
+                    </a:lnR>
+                    <a:lnT w="6350" cap="flat" cmpd="sng" algn="ctr">
+                      <a:solidFill>
+                        <a:srgbClr val="000000"/>
+                      </a:solidFill>
+                      <a:prstDash val="solid"/>
+                      <a:round/>
+                      <a:headEnd type="none" w="med" len="med"/>
+                      <a:tailEnd type="none" w="med" len="med"/>
+                    </a:lnT>
+                    <a:lnB w="6350" cap="flat" cmpd="sng" algn="ctr">
+                      <a:solidFill>
+                        <a:srgbClr val="000000"/>
+                      </a:solidFill>
+                      <a:prstDash val="solid"/>
+                      <a:round/>
+                      <a:headEnd type="none" w="med" len="med"/>
+                      <a:tailEnd type="none" w="med" len="med"/>
+                    </a:lnB>
+                    <a:solidFill>
+                      <a:srgbClr val="63BE7B"/>
+                    </a:solidFill>
+                  </a:tcPr>
+                </a:tc>
+                <a:tc>
+                  <a:txBody>
+                    <a:bodyPr/>
+                    <a:lstStyle/>
+                    <a:p>
+                      <a:pPr algn="r" rtl="0" fontAlgn="ctr"/>
+                      <a:r>
+                        <a:rPr lang="en-GB" sz="800" b="0" i="0" u="none" strike="noStrike">
+                          <a:solidFill>
+                            <a:srgbClr val="000000"/>
+                          </a:solidFill>
+                          <a:effectLst/>
+                          <a:latin typeface="Arial" panose="020B0604020202020204" pitchFamily="34" charset="0"/>
+                        </a:rPr>
+                        <a:t>18,68%</a:t>
+                      </a:r>
+                    </a:p>
+                  </a:txBody>
+                  <a:tcPr marL="4886" marR="4886" marT="4886" marB="35182" anchor="ctr">
+                    <a:lnL w="6350" cap="flat" cmpd="sng" algn="ctr">
+                      <a:solidFill>
+                        <a:srgbClr val="000000"/>
+                      </a:solidFill>
+                      <a:prstDash val="solid"/>
+                      <a:round/>
+                      <a:headEnd type="none" w="med" len="med"/>
+                      <a:tailEnd type="none" w="med" len="med"/>
+                    </a:lnL>
+                    <a:lnR w="6350" cap="flat" cmpd="sng" algn="ctr">
+                      <a:solidFill>
+                        <a:srgbClr val="000000"/>
+                      </a:solidFill>
+                      <a:prstDash val="solid"/>
+                      <a:round/>
+                      <a:headEnd type="none" w="med" len="med"/>
+                      <a:tailEnd type="none" w="med" len="med"/>
+                    </a:lnR>
+                    <a:lnT w="6350" cap="flat" cmpd="sng" algn="ctr">
+                      <a:solidFill>
+                        <a:srgbClr val="000000"/>
+                      </a:solidFill>
+                      <a:prstDash val="solid"/>
+                      <a:round/>
+                      <a:headEnd type="none" w="med" len="med"/>
+                      <a:tailEnd type="none" w="med" len="med"/>
+                    </a:lnT>
+                    <a:lnB w="6350" cap="flat" cmpd="sng" algn="ctr">
+                      <a:solidFill>
+                        <a:srgbClr val="000000"/>
+                      </a:solidFill>
+                      <a:prstDash val="solid"/>
+                      <a:round/>
+                      <a:headEnd type="none" w="med" len="med"/>
+                      <a:tailEnd type="none" w="med" len="med"/>
+                    </a:lnB>
+                    <a:noFill/>
+                  </a:tcPr>
+                </a:tc>
+                <a:extLst>
+                  <a:ext uri="{0D108BD9-81ED-4DB2-BD59-A6C34878D82A}">
+                    <a16:rowId xmlns:a16="http://schemas.microsoft.com/office/drawing/2014/main" val="2837308434"/>
+                  </a:ext>
+                </a:extLst>
+              </a:tr>
+              <a:tr h="157343">
+                <a:tc>
+                  <a:txBody>
+                    <a:bodyPr/>
+                    <a:lstStyle/>
+                    <a:p>
+                      <a:pPr algn="l" rtl="0" fontAlgn="ctr"/>
+                      <a:r>
+                        <a:rPr lang="en-GB" sz="800" b="0" i="0" u="none" strike="noStrike">
+                          <a:solidFill>
+                            <a:srgbClr val="000000"/>
+                          </a:solidFill>
+                          <a:effectLst/>
+                          <a:latin typeface="Arial" panose="020B0604020202020204" pitchFamily="34" charset="0"/>
+                        </a:rPr>
+                        <a:t>Totale per disciplina</a:t>
+                      </a:r>
+                    </a:p>
+                  </a:txBody>
+                  <a:tcPr marL="4886" marR="4886" marT="4886" marB="35182" anchor="ctr">
+                    <a:lnL w="6350" cap="flat" cmpd="sng" algn="ctr">
+                      <a:solidFill>
+                        <a:srgbClr val="000000"/>
+                      </a:solidFill>
+                      <a:prstDash val="solid"/>
+                      <a:round/>
+                      <a:headEnd type="none" w="med" len="med"/>
+                      <a:tailEnd type="none" w="med" len="med"/>
+                    </a:lnL>
+                    <a:lnR w="6350" cap="flat" cmpd="sng" algn="ctr">
+                      <a:solidFill>
+                        <a:srgbClr val="000000"/>
+                      </a:solidFill>
+                      <a:prstDash val="solid"/>
+                      <a:round/>
+                      <a:headEnd type="none" w="med" len="med"/>
+                      <a:tailEnd type="none" w="med" len="med"/>
+                    </a:lnR>
+                    <a:lnT w="6350" cap="flat" cmpd="sng" algn="ctr">
+                      <a:solidFill>
+                        <a:srgbClr val="000000"/>
+                      </a:solidFill>
+                      <a:prstDash val="solid"/>
+                      <a:round/>
+                      <a:headEnd type="none" w="med" len="med"/>
+                      <a:tailEnd type="none" w="med" len="med"/>
+                    </a:lnT>
+                    <a:lnB w="6350" cap="flat" cmpd="sng" algn="ctr">
+                      <a:solidFill>
+                        <a:srgbClr val="000000"/>
+                      </a:solidFill>
+                      <a:prstDash val="solid"/>
+                      <a:round/>
+                      <a:headEnd type="none" w="med" len="med"/>
+                      <a:tailEnd type="none" w="med" len="med"/>
+                    </a:lnB>
+                    <a:solidFill>
+                      <a:srgbClr val="C0E4F5"/>
+                    </a:solidFill>
+                  </a:tcPr>
+                </a:tc>
+                <a:tc>
+                  <a:txBody>
+                    <a:bodyPr/>
+                    <a:lstStyle/>
+                    <a:p>
+                      <a:pPr algn="r" rtl="0" fontAlgn="ctr"/>
+                      <a:r>
+                        <a:rPr lang="en-GB" sz="800" b="0" i="0" u="none" strike="noStrike">
+                          <a:solidFill>
+                            <a:srgbClr val="000000"/>
+                          </a:solidFill>
+                          <a:effectLst/>
+                          <a:latin typeface="Arial" panose="020B0604020202020204" pitchFamily="34" charset="0"/>
+                        </a:rPr>
+                        <a:t>0</a:t>
+                      </a:r>
+                    </a:p>
+                  </a:txBody>
+                  <a:tcPr marL="4886" marR="4886" marT="4886" marB="35182" anchor="ctr">
+                    <a:lnL w="6350" cap="flat" cmpd="sng" algn="ctr">
+                      <a:solidFill>
+                        <a:srgbClr val="000000"/>
+                      </a:solidFill>
+                      <a:prstDash val="solid"/>
+                      <a:round/>
+                      <a:headEnd type="none" w="med" len="med"/>
+                      <a:tailEnd type="none" w="med" len="med"/>
+                    </a:lnL>
+                    <a:lnR w="6350" cap="flat" cmpd="sng" algn="ctr">
+                      <a:solidFill>
+                        <a:srgbClr val="000000"/>
+                      </a:solidFill>
+                      <a:prstDash val="solid"/>
+                      <a:round/>
+                      <a:headEnd type="none" w="med" len="med"/>
+                      <a:tailEnd type="none" w="med" len="med"/>
+                    </a:lnR>
+                    <a:lnT w="6350" cap="flat" cmpd="sng" algn="ctr">
+                      <a:solidFill>
+                        <a:srgbClr val="000000"/>
+                      </a:solidFill>
+                      <a:prstDash val="solid"/>
+                      <a:round/>
+                      <a:headEnd type="none" w="med" len="med"/>
+                      <a:tailEnd type="none" w="med" len="med"/>
+                    </a:lnT>
+                    <a:lnB w="6350" cap="flat" cmpd="sng" algn="ctr">
+                      <a:solidFill>
+                        <a:srgbClr val="000000"/>
+                      </a:solidFill>
+                      <a:prstDash val="solid"/>
+                      <a:round/>
+                      <a:headEnd type="none" w="med" len="med"/>
+                      <a:tailEnd type="none" w="med" len="med"/>
+                    </a:lnB>
+                    <a:solidFill>
+                      <a:srgbClr val="63BE7B"/>
+                    </a:solidFill>
+                  </a:tcPr>
+                </a:tc>
+                <a:tc>
+                  <a:txBody>
+                    <a:bodyPr/>
+                    <a:lstStyle/>
+                    <a:p>
+                      <a:pPr algn="r" rtl="0" fontAlgn="ctr"/>
+                      <a:r>
+                        <a:rPr lang="en-GB" sz="800" b="0" i="0" u="none" strike="noStrike">
+                          <a:solidFill>
+                            <a:srgbClr val="000000"/>
+                          </a:solidFill>
+                          <a:effectLst/>
+                          <a:latin typeface="Arial" panose="020B0604020202020204" pitchFamily="34" charset="0"/>
+                        </a:rPr>
+                        <a:t>4,5</a:t>
+                      </a:r>
+                    </a:p>
+                  </a:txBody>
+                  <a:tcPr marL="4886" marR="4886" marT="4886" marB="35182" anchor="ctr">
+                    <a:lnL w="6350" cap="flat" cmpd="sng" algn="ctr">
+                      <a:solidFill>
+                        <a:srgbClr val="000000"/>
+                      </a:solidFill>
+                      <a:prstDash val="solid"/>
+                      <a:round/>
+                      <a:headEnd type="none" w="med" len="med"/>
+                      <a:tailEnd type="none" w="med" len="med"/>
+                    </a:lnL>
+                    <a:lnR w="6350" cap="flat" cmpd="sng" algn="ctr">
+                      <a:solidFill>
+                        <a:srgbClr val="000000"/>
+                      </a:solidFill>
+                      <a:prstDash val="solid"/>
+                      <a:round/>
+                      <a:headEnd type="none" w="med" len="med"/>
+                      <a:tailEnd type="none" w="med" len="med"/>
+                    </a:lnR>
+                    <a:lnT w="6350" cap="flat" cmpd="sng" algn="ctr">
+                      <a:solidFill>
+                        <a:srgbClr val="000000"/>
+                      </a:solidFill>
+                      <a:prstDash val="solid"/>
+                      <a:round/>
+                      <a:headEnd type="none" w="med" len="med"/>
+                      <a:tailEnd type="none" w="med" len="med"/>
+                    </a:lnT>
+                    <a:lnB w="6350" cap="flat" cmpd="sng" algn="ctr">
+                      <a:solidFill>
+                        <a:srgbClr val="000000"/>
+                      </a:solidFill>
+                      <a:prstDash val="solid"/>
+                      <a:round/>
+                      <a:headEnd type="none" w="med" len="med"/>
+                      <a:tailEnd type="none" w="med" len="med"/>
+                    </a:lnB>
+                    <a:solidFill>
+                      <a:srgbClr val="C0D980"/>
+                    </a:solidFill>
+                  </a:tcPr>
+                </a:tc>
+                <a:tc>
+                  <a:txBody>
+                    <a:bodyPr/>
+                    <a:lstStyle/>
+                    <a:p>
+                      <a:pPr algn="r" rtl="0" fontAlgn="ctr"/>
+                      <a:r>
+                        <a:rPr lang="en-GB" sz="800" b="0" i="0" u="none" strike="noStrike" dirty="0">
+                          <a:solidFill>
+                            <a:srgbClr val="000000"/>
+                          </a:solidFill>
+                          <a:effectLst/>
+                          <a:latin typeface="Arial" panose="020B0604020202020204" pitchFamily="34" charset="0"/>
+                        </a:rPr>
+                        <a:t>14,5</a:t>
+                      </a:r>
+                    </a:p>
+                  </a:txBody>
+                  <a:tcPr marL="4886" marR="4886" marT="4886" marB="35182" anchor="ctr">
+                    <a:lnL w="6350" cap="flat" cmpd="sng" algn="ctr">
+                      <a:solidFill>
+                        <a:srgbClr val="000000"/>
+                      </a:solidFill>
+                      <a:prstDash val="solid"/>
+                      <a:round/>
+                      <a:headEnd type="none" w="med" len="med"/>
+                      <a:tailEnd type="none" w="med" len="med"/>
+                    </a:lnL>
+                    <a:lnR w="6350" cap="flat" cmpd="sng" algn="ctr">
+                      <a:solidFill>
+                        <a:srgbClr val="000000"/>
+                      </a:solidFill>
+                      <a:prstDash val="solid"/>
+                      <a:round/>
+                      <a:headEnd type="none" w="med" len="med"/>
+                      <a:tailEnd type="none" w="med" len="med"/>
+                    </a:lnR>
+                    <a:lnT w="6350" cap="flat" cmpd="sng" algn="ctr">
+                      <a:solidFill>
+                        <a:srgbClr val="000000"/>
+                      </a:solidFill>
+                      <a:prstDash val="solid"/>
+                      <a:round/>
+                      <a:headEnd type="none" w="med" len="med"/>
+                      <a:tailEnd type="none" w="med" len="med"/>
+                    </a:lnT>
+                    <a:lnB w="6350" cap="flat" cmpd="sng" algn="ctr">
+                      <a:solidFill>
+                        <a:srgbClr val="000000"/>
+                      </a:solidFill>
+                      <a:prstDash val="solid"/>
+                      <a:round/>
+                      <a:headEnd type="none" w="med" len="med"/>
+                      <a:tailEnd type="none" w="med" len="med"/>
+                    </a:lnB>
+                    <a:solidFill>
+                      <a:srgbClr val="FFDE82"/>
+                    </a:solidFill>
+                  </a:tcPr>
+                </a:tc>
+                <a:tc>
+                  <a:txBody>
+                    <a:bodyPr/>
+                    <a:lstStyle/>
+                    <a:p>
+                      <a:pPr algn="r" rtl="0" fontAlgn="ctr"/>
+                      <a:r>
+                        <a:rPr lang="en-GB" sz="800" b="0" i="0" u="none" strike="noStrike" dirty="0">
+                          <a:solidFill>
+                            <a:srgbClr val="000000"/>
+                          </a:solidFill>
+                          <a:effectLst/>
+                          <a:latin typeface="Arial" panose="020B0604020202020204" pitchFamily="34" charset="0"/>
+                        </a:rPr>
+                        <a:t>78,5</a:t>
+                      </a:r>
+                    </a:p>
+                  </a:txBody>
+                  <a:tcPr marL="4886" marR="4886" marT="4886" marB="35182" anchor="ctr">
+                    <a:lnL w="6350" cap="flat" cmpd="sng" algn="ctr">
+                      <a:solidFill>
+                        <a:srgbClr val="000000"/>
+                      </a:solidFill>
+                      <a:prstDash val="solid"/>
+                      <a:round/>
+                      <a:headEnd type="none" w="med" len="med"/>
+                      <a:tailEnd type="none" w="med" len="med"/>
+                    </a:lnL>
+                    <a:lnR w="6350" cap="flat" cmpd="sng" algn="ctr">
+                      <a:solidFill>
+                        <a:srgbClr val="000000"/>
+                      </a:solidFill>
+                      <a:prstDash val="solid"/>
+                      <a:round/>
+                      <a:headEnd type="none" w="med" len="med"/>
+                      <a:tailEnd type="none" w="med" len="med"/>
+                    </a:lnR>
+                    <a:lnT w="6350" cap="flat" cmpd="sng" algn="ctr">
+                      <a:solidFill>
+                        <a:srgbClr val="000000"/>
+                      </a:solidFill>
+                      <a:prstDash val="solid"/>
+                      <a:round/>
+                      <a:headEnd type="none" w="med" len="med"/>
+                      <a:tailEnd type="none" w="med" len="med"/>
+                    </a:lnT>
+                    <a:lnB w="6350" cap="flat" cmpd="sng" algn="ctr">
+                      <a:solidFill>
+                        <a:srgbClr val="000000"/>
+                      </a:solidFill>
+                      <a:prstDash val="solid"/>
+                      <a:round/>
+                      <a:headEnd type="none" w="med" len="med"/>
+                      <a:tailEnd type="none" w="med" len="med"/>
+                    </a:lnB>
+                    <a:solidFill>
+                      <a:srgbClr val="F8696B"/>
+                    </a:solidFill>
+                  </a:tcPr>
+                </a:tc>
+                <a:tc>
+                  <a:txBody>
+                    <a:bodyPr/>
+                    <a:lstStyle/>
+                    <a:p>
+                      <a:pPr algn="r" rtl="0" fontAlgn="ctr"/>
+                      <a:r>
+                        <a:rPr lang="en-GB" sz="800" b="0" i="0" u="none" strike="noStrike">
+                          <a:solidFill>
+                            <a:srgbClr val="000000"/>
+                          </a:solidFill>
+                          <a:effectLst/>
+                          <a:latin typeface="Arial" panose="020B0604020202020204" pitchFamily="34" charset="0"/>
+                        </a:rPr>
+                        <a:t>13</a:t>
+                      </a:r>
+                    </a:p>
+                  </a:txBody>
+                  <a:tcPr marL="4886" marR="4886" marT="4886" marB="35182" anchor="ctr">
+                    <a:lnL w="6350" cap="flat" cmpd="sng" algn="ctr">
+                      <a:solidFill>
+                        <a:srgbClr val="000000"/>
+                      </a:solidFill>
+                      <a:prstDash val="solid"/>
+                      <a:round/>
+                      <a:headEnd type="none" w="med" len="med"/>
+                      <a:tailEnd type="none" w="med" len="med"/>
+                    </a:lnL>
+                    <a:lnR w="6350" cap="flat" cmpd="sng" algn="ctr">
+                      <a:solidFill>
+                        <a:srgbClr val="000000"/>
+                      </a:solidFill>
+                      <a:prstDash val="solid"/>
+                      <a:round/>
+                      <a:headEnd type="none" w="med" len="med"/>
+                      <a:tailEnd type="none" w="med" len="med"/>
+                    </a:lnR>
+                    <a:lnT w="6350" cap="flat" cmpd="sng" algn="ctr">
+                      <a:solidFill>
+                        <a:srgbClr val="000000"/>
+                      </a:solidFill>
+                      <a:prstDash val="solid"/>
+                      <a:round/>
+                      <a:headEnd type="none" w="med" len="med"/>
+                      <a:tailEnd type="none" w="med" len="med"/>
+                    </a:lnT>
+                    <a:lnB w="6350" cap="flat" cmpd="sng" algn="ctr">
+                      <a:solidFill>
+                        <a:srgbClr val="000000"/>
+                      </a:solidFill>
+                      <a:prstDash val="solid"/>
+                      <a:round/>
+                      <a:headEnd type="none" w="med" len="med"/>
+                      <a:tailEnd type="none" w="med" len="med"/>
+                    </a:lnB>
+                    <a:solidFill>
+                      <a:srgbClr val="FFE183"/>
+                    </a:solidFill>
+                  </a:tcPr>
+                </a:tc>
+                <a:tc>
+                  <a:txBody>
+                    <a:bodyPr/>
+                    <a:lstStyle/>
+                    <a:p>
+                      <a:pPr algn="r" rtl="0" fontAlgn="ctr"/>
+                      <a:r>
+                        <a:rPr lang="en-GB" sz="800" b="0" i="0" u="none" strike="noStrike">
+                          <a:solidFill>
+                            <a:srgbClr val="000000"/>
+                          </a:solidFill>
+                          <a:effectLst/>
+                          <a:latin typeface="Arial" panose="020B0604020202020204" pitchFamily="34" charset="0"/>
+                        </a:rPr>
+                        <a:t>0</a:t>
+                      </a:r>
+                    </a:p>
+                  </a:txBody>
+                  <a:tcPr marL="4886" marR="4886" marT="4886" marB="35182" anchor="ctr">
+                    <a:lnL w="6350" cap="flat" cmpd="sng" algn="ctr">
+                      <a:solidFill>
+                        <a:srgbClr val="000000"/>
+                      </a:solidFill>
+                      <a:prstDash val="solid"/>
+                      <a:round/>
+                      <a:headEnd type="none" w="med" len="med"/>
+                      <a:tailEnd type="none" w="med" len="med"/>
+                    </a:lnL>
+                    <a:lnR w="6350" cap="flat" cmpd="sng" algn="ctr">
+                      <a:solidFill>
+                        <a:srgbClr val="000000"/>
+                      </a:solidFill>
+                      <a:prstDash val="solid"/>
+                      <a:round/>
+                      <a:headEnd type="none" w="med" len="med"/>
+                      <a:tailEnd type="none" w="med" len="med"/>
+                    </a:lnR>
+                    <a:lnT w="6350" cap="flat" cmpd="sng" algn="ctr">
+                      <a:solidFill>
+                        <a:srgbClr val="000000"/>
+                      </a:solidFill>
+                      <a:prstDash val="solid"/>
+                      <a:round/>
+                      <a:headEnd type="none" w="med" len="med"/>
+                      <a:tailEnd type="none" w="med" len="med"/>
+                    </a:lnT>
+                    <a:lnB w="6350" cap="flat" cmpd="sng" algn="ctr">
+                      <a:solidFill>
+                        <a:srgbClr val="000000"/>
+                      </a:solidFill>
+                      <a:prstDash val="solid"/>
+                      <a:round/>
+                      <a:headEnd type="none" w="med" len="med"/>
+                      <a:tailEnd type="none" w="med" len="med"/>
+                    </a:lnB>
+                    <a:solidFill>
+                      <a:srgbClr val="63BE7B"/>
+                    </a:solidFill>
+                  </a:tcPr>
+                </a:tc>
+                <a:tc>
+                  <a:txBody>
+                    <a:bodyPr/>
+                    <a:lstStyle/>
+                    <a:p>
+                      <a:pPr algn="r" rtl="0" fontAlgn="ctr"/>
+                      <a:r>
+                        <a:rPr lang="en-GB" sz="800" b="0" i="0" u="none" strike="noStrike">
+                          <a:solidFill>
+                            <a:srgbClr val="000000"/>
+                          </a:solidFill>
+                          <a:effectLst/>
+                          <a:latin typeface="Arial" panose="020B0604020202020204" pitchFamily="34" charset="0"/>
+                        </a:rPr>
+                        <a:t>11,5</a:t>
+                      </a:r>
+                    </a:p>
+                  </a:txBody>
+                  <a:tcPr marL="4886" marR="4886" marT="4886" marB="35182" anchor="ctr">
+                    <a:lnL w="6350" cap="flat" cmpd="sng" algn="ctr">
+                      <a:solidFill>
+                        <a:srgbClr val="000000"/>
+                      </a:solidFill>
+                      <a:prstDash val="solid"/>
+                      <a:round/>
+                      <a:headEnd type="none" w="med" len="med"/>
+                      <a:tailEnd type="none" w="med" len="med"/>
+                    </a:lnL>
+                    <a:lnR w="6350" cap="flat" cmpd="sng" algn="ctr">
+                      <a:solidFill>
+                        <a:srgbClr val="000000"/>
+                      </a:solidFill>
+                      <a:prstDash val="solid"/>
+                      <a:round/>
+                      <a:headEnd type="none" w="med" len="med"/>
+                      <a:tailEnd type="none" w="med" len="med"/>
+                    </a:lnR>
+                    <a:lnT w="6350" cap="flat" cmpd="sng" algn="ctr">
+                      <a:solidFill>
+                        <a:srgbClr val="000000"/>
+                      </a:solidFill>
+                      <a:prstDash val="solid"/>
+                      <a:round/>
+                      <a:headEnd type="none" w="med" len="med"/>
+                      <a:tailEnd type="none" w="med" len="med"/>
+                    </a:lnT>
+                    <a:lnB w="6350" cap="flat" cmpd="sng" algn="ctr">
+                      <a:solidFill>
+                        <a:srgbClr val="000000"/>
+                      </a:solidFill>
+                      <a:prstDash val="solid"/>
+                      <a:round/>
+                      <a:headEnd type="none" w="med" len="med"/>
+                      <a:tailEnd type="none" w="med" len="med"/>
+                    </a:lnB>
+                    <a:solidFill>
+                      <a:srgbClr val="FFE483"/>
+                    </a:solidFill>
+                  </a:tcPr>
+                </a:tc>
+                <a:tc>
+                  <a:txBody>
+                    <a:bodyPr/>
+                    <a:lstStyle/>
+                    <a:p>
+                      <a:pPr algn="r" rtl="0" fontAlgn="ctr"/>
+                      <a:r>
+                        <a:rPr lang="en-GB" sz="800" b="0" i="0" u="none" strike="noStrike">
+                          <a:solidFill>
+                            <a:srgbClr val="000000"/>
+                          </a:solidFill>
+                          <a:effectLst/>
+                          <a:latin typeface="Arial" panose="020B0604020202020204" pitchFamily="34" charset="0"/>
+                        </a:rPr>
+                        <a:t>7,5</a:t>
+                      </a:r>
+                    </a:p>
+                  </a:txBody>
+                  <a:tcPr marL="4886" marR="4886" marT="4886" marB="35182" anchor="ctr">
+                    <a:lnL w="6350" cap="flat" cmpd="sng" algn="ctr">
+                      <a:solidFill>
+                        <a:srgbClr val="000000"/>
+                      </a:solidFill>
+                      <a:prstDash val="solid"/>
+                      <a:round/>
+                      <a:headEnd type="none" w="med" len="med"/>
+                      <a:tailEnd type="none" w="med" len="med"/>
+                    </a:lnL>
+                    <a:lnR w="6350" cap="flat" cmpd="sng" algn="ctr">
+                      <a:solidFill>
+                        <a:srgbClr val="000000"/>
+                      </a:solidFill>
+                      <a:prstDash val="solid"/>
+                      <a:round/>
+                      <a:headEnd type="none" w="med" len="med"/>
+                      <a:tailEnd type="none" w="med" len="med"/>
+                    </a:lnR>
+                    <a:lnT w="6350" cap="flat" cmpd="sng" algn="ctr">
+                      <a:solidFill>
+                        <a:srgbClr val="000000"/>
+                      </a:solidFill>
+                      <a:prstDash val="solid"/>
+                      <a:round/>
+                      <a:headEnd type="none" w="med" len="med"/>
+                      <a:tailEnd type="none" w="med" len="med"/>
+                    </a:lnT>
+                    <a:lnB w="6350" cap="flat" cmpd="sng" algn="ctr">
+                      <a:solidFill>
+                        <a:srgbClr val="000000"/>
+                      </a:solidFill>
+                      <a:prstDash val="solid"/>
+                      <a:round/>
+                      <a:headEnd type="none" w="med" len="med"/>
+                      <a:tailEnd type="none" w="med" len="med"/>
+                    </a:lnB>
+                    <a:solidFill>
+                      <a:srgbClr val="FFEB84"/>
+                    </a:solidFill>
+                  </a:tcPr>
+                </a:tc>
+                <a:tc>
+                  <a:txBody>
+                    <a:bodyPr/>
+                    <a:lstStyle/>
+                    <a:p>
+                      <a:pPr algn="r" rtl="0" fontAlgn="ctr"/>
+                      <a:r>
+                        <a:rPr lang="en-GB" sz="800" b="0" i="0" u="none" strike="noStrike">
+                          <a:solidFill>
+                            <a:srgbClr val="000000"/>
+                          </a:solidFill>
+                          <a:effectLst/>
+                          <a:latin typeface="Arial" panose="020B0604020202020204" pitchFamily="34" charset="0"/>
+                        </a:rPr>
+                        <a:t>0</a:t>
+                      </a:r>
+                    </a:p>
+                  </a:txBody>
+                  <a:tcPr marL="4886" marR="4886" marT="4886" marB="35182" anchor="ctr">
+                    <a:lnL w="6350" cap="flat" cmpd="sng" algn="ctr">
+                      <a:solidFill>
+                        <a:srgbClr val="000000"/>
+                      </a:solidFill>
+                      <a:prstDash val="solid"/>
+                      <a:round/>
+                      <a:headEnd type="none" w="med" len="med"/>
+                      <a:tailEnd type="none" w="med" len="med"/>
+                    </a:lnL>
+                    <a:lnR w="6350" cap="flat" cmpd="sng" algn="ctr">
+                      <a:solidFill>
+                        <a:srgbClr val="000000"/>
+                      </a:solidFill>
+                      <a:prstDash val="solid"/>
+                      <a:round/>
+                      <a:headEnd type="none" w="med" len="med"/>
+                      <a:tailEnd type="none" w="med" len="med"/>
+                    </a:lnR>
+                    <a:lnT w="6350" cap="flat" cmpd="sng" algn="ctr">
+                      <a:solidFill>
+                        <a:srgbClr val="000000"/>
+                      </a:solidFill>
+                      <a:prstDash val="solid"/>
+                      <a:round/>
+                      <a:headEnd type="none" w="med" len="med"/>
+                      <a:tailEnd type="none" w="med" len="med"/>
+                    </a:lnT>
+                    <a:lnB w="6350" cap="flat" cmpd="sng" algn="ctr">
+                      <a:solidFill>
+                        <a:srgbClr val="000000"/>
+                      </a:solidFill>
+                      <a:prstDash val="solid"/>
+                      <a:round/>
+                      <a:headEnd type="none" w="med" len="med"/>
+                      <a:tailEnd type="none" w="med" len="med"/>
+                    </a:lnB>
+                    <a:solidFill>
+                      <a:srgbClr val="63BE7B"/>
+                    </a:solidFill>
+                  </a:tcPr>
+                </a:tc>
+                <a:tc rowSpan="2" gridSpan="2">
+                  <a:txBody>
+                    <a:bodyPr/>
+                    <a:lstStyle/>
+                    <a:p>
+                      <a:pPr algn="r" rtl="0" fontAlgn="ctr"/>
+                      <a:r>
+                        <a:rPr lang="en-GB" sz="800" b="0" i="0" u="none" strike="noStrike" dirty="0">
+                          <a:solidFill>
+                            <a:srgbClr val="000000"/>
+                          </a:solidFill>
+                          <a:effectLst/>
+                          <a:latin typeface="Arial" panose="020B0604020202020204" pitchFamily="34" charset="0"/>
+                        </a:rPr>
+                        <a:t>128,5</a:t>
+                      </a:r>
+                    </a:p>
+                  </a:txBody>
+                  <a:tcPr marL="4886" marR="4886" marT="4886" marB="35182" anchor="ctr">
+                    <a:lnL w="6350" cap="flat" cmpd="sng" algn="ctr">
+                      <a:solidFill>
+                        <a:srgbClr val="000000"/>
+                      </a:solidFill>
+                      <a:prstDash val="solid"/>
+                      <a:round/>
+                      <a:headEnd type="none" w="med" len="med"/>
+                      <a:tailEnd type="none" w="med" len="med"/>
+                    </a:lnL>
+                    <a:lnR w="6350" cap="flat" cmpd="sng" algn="ctr">
+                      <a:solidFill>
+                        <a:srgbClr val="000000"/>
+                      </a:solidFill>
+                      <a:prstDash val="solid"/>
+                      <a:round/>
+                      <a:headEnd type="none" w="med" len="med"/>
+                      <a:tailEnd type="none" w="med" len="med"/>
+                    </a:lnR>
+                    <a:lnT w="6350" cap="flat" cmpd="sng" algn="ctr">
+                      <a:solidFill>
+                        <a:srgbClr val="000000"/>
+                      </a:solidFill>
+                      <a:prstDash val="solid"/>
+                      <a:round/>
+                      <a:headEnd type="none" w="med" len="med"/>
+                      <a:tailEnd type="none" w="med" len="med"/>
+                    </a:lnT>
+                    <a:lnB w="6350" cap="flat" cmpd="sng" algn="ctr">
+                      <a:solidFill>
+                        <a:srgbClr val="000000"/>
+                      </a:solidFill>
+                      <a:prstDash val="solid"/>
+                      <a:round/>
+                      <a:headEnd type="none" w="med" len="med"/>
+                      <a:tailEnd type="none" w="med" len="med"/>
+                    </a:lnB>
+                    <a:noFill/>
+                  </a:tcPr>
+                </a:tc>
+                <a:tc rowSpan="2" hMerge="1">
+                  <a:txBody>
+                    <a:bodyPr/>
+                    <a:lstStyle/>
+                    <a:p>
+                      <a:endParaRPr lang="en-GB"/>
+                    </a:p>
+                  </a:txBody>
+                  <a:tcPr/>
+                </a:tc>
+                <a:extLst>
+                  <a:ext uri="{0D108BD9-81ED-4DB2-BD59-A6C34878D82A}">
+                    <a16:rowId xmlns:a16="http://schemas.microsoft.com/office/drawing/2014/main" val="3906127405"/>
+                  </a:ext>
+                </a:extLst>
+              </a:tr>
+              <a:tr h="157343">
+                <a:tc>
+                  <a:txBody>
+                    <a:bodyPr/>
+                    <a:lstStyle/>
+                    <a:p>
+                      <a:pPr algn="l" rtl="0" fontAlgn="ctr"/>
+                      <a:r>
+                        <a:rPr lang="en-GB" sz="800" b="0" i="0" u="none" strike="noStrike">
+                          <a:solidFill>
+                            <a:srgbClr val="000000"/>
+                          </a:solidFill>
+                          <a:effectLst/>
+                          <a:latin typeface="Arial" panose="020B0604020202020204" pitchFamily="34" charset="0"/>
+                        </a:rPr>
+                        <a:t>Percentuale per disciplina</a:t>
+                      </a:r>
+                    </a:p>
+                  </a:txBody>
+                  <a:tcPr marL="4886" marR="4886" marT="4886" marB="35182" anchor="ctr">
+                    <a:lnL w="6350" cap="flat" cmpd="sng" algn="ctr">
+                      <a:solidFill>
+                        <a:srgbClr val="000000"/>
+                      </a:solidFill>
+                      <a:prstDash val="solid"/>
+                      <a:round/>
+                      <a:headEnd type="none" w="med" len="med"/>
+                      <a:tailEnd type="none" w="med" len="med"/>
+                    </a:lnL>
+                    <a:lnR w="6350" cap="flat" cmpd="sng" algn="ctr">
+                      <a:solidFill>
+                        <a:srgbClr val="000000"/>
+                      </a:solidFill>
+                      <a:prstDash val="solid"/>
+                      <a:round/>
+                      <a:headEnd type="none" w="med" len="med"/>
+                      <a:tailEnd type="none" w="med" len="med"/>
+                    </a:lnR>
+                    <a:lnT w="6350" cap="flat" cmpd="sng" algn="ctr">
+                      <a:solidFill>
+                        <a:srgbClr val="000000"/>
+                      </a:solidFill>
+                      <a:prstDash val="solid"/>
+                      <a:round/>
+                      <a:headEnd type="none" w="med" len="med"/>
+                      <a:tailEnd type="none" w="med" len="med"/>
+                    </a:lnT>
+                    <a:lnB w="6350" cap="flat" cmpd="sng" algn="ctr">
+                      <a:solidFill>
+                        <a:srgbClr val="000000"/>
+                      </a:solidFill>
+                      <a:prstDash val="solid"/>
+                      <a:round/>
+                      <a:headEnd type="none" w="med" len="med"/>
+                      <a:tailEnd type="none" w="med" len="med"/>
+                    </a:lnB>
+                    <a:solidFill>
+                      <a:srgbClr val="C0E4F5"/>
+                    </a:solidFill>
+                  </a:tcPr>
+                </a:tc>
+                <a:tc>
+                  <a:txBody>
+                    <a:bodyPr/>
+                    <a:lstStyle/>
+                    <a:p>
+                      <a:pPr algn="r" rtl="0" fontAlgn="ctr"/>
+                      <a:r>
+                        <a:rPr lang="en-GB" sz="800" b="0" i="0" u="none" strike="noStrike">
+                          <a:solidFill>
+                            <a:srgbClr val="000000"/>
+                          </a:solidFill>
+                          <a:effectLst/>
+                          <a:latin typeface="Arial" panose="020B0604020202020204" pitchFamily="34" charset="0"/>
+                        </a:rPr>
+                        <a:t>0,00%</a:t>
+                      </a:r>
+                    </a:p>
+                  </a:txBody>
+                  <a:tcPr marL="4886" marR="4886" marT="4886" marB="35182" anchor="ctr">
+                    <a:lnL w="6350" cap="flat" cmpd="sng" algn="ctr">
+                      <a:solidFill>
+                        <a:srgbClr val="000000"/>
+                      </a:solidFill>
+                      <a:prstDash val="solid"/>
+                      <a:round/>
+                      <a:headEnd type="none" w="med" len="med"/>
+                      <a:tailEnd type="none" w="med" len="med"/>
+                    </a:lnL>
+                    <a:lnR w="6350" cap="flat" cmpd="sng" algn="ctr">
+                      <a:solidFill>
+                        <a:srgbClr val="000000"/>
+                      </a:solidFill>
+                      <a:prstDash val="solid"/>
+                      <a:round/>
+                      <a:headEnd type="none" w="med" len="med"/>
+                      <a:tailEnd type="none" w="med" len="med"/>
+                    </a:lnR>
+                    <a:lnT w="6350" cap="flat" cmpd="sng" algn="ctr">
+                      <a:solidFill>
+                        <a:srgbClr val="000000"/>
+                      </a:solidFill>
+                      <a:prstDash val="solid"/>
+                      <a:round/>
+                      <a:headEnd type="none" w="med" len="med"/>
+                      <a:tailEnd type="none" w="med" len="med"/>
+                    </a:lnT>
+                    <a:lnB w="6350" cap="flat" cmpd="sng" algn="ctr">
+                      <a:solidFill>
+                        <a:srgbClr val="000000"/>
+                      </a:solidFill>
+                      <a:prstDash val="solid"/>
+                      <a:round/>
+                      <a:headEnd type="none" w="med" len="med"/>
+                      <a:tailEnd type="none" w="med" len="med"/>
+                    </a:lnB>
+                    <a:noFill/>
+                  </a:tcPr>
+                </a:tc>
+                <a:tc>
+                  <a:txBody>
+                    <a:bodyPr/>
+                    <a:lstStyle/>
+                    <a:p>
+                      <a:pPr algn="r" rtl="0" fontAlgn="ctr"/>
+                      <a:r>
+                        <a:rPr lang="en-GB" sz="800" b="0" i="0" u="none" strike="noStrike">
+                          <a:solidFill>
+                            <a:srgbClr val="000000"/>
+                          </a:solidFill>
+                          <a:effectLst/>
+                          <a:latin typeface="Arial" panose="020B0604020202020204" pitchFamily="34" charset="0"/>
+                        </a:rPr>
+                        <a:t>3,50%</a:t>
+                      </a:r>
+                    </a:p>
+                  </a:txBody>
+                  <a:tcPr marL="4886" marR="4886" marT="4886" marB="35182" anchor="ctr">
+                    <a:lnL w="6350" cap="flat" cmpd="sng" algn="ctr">
+                      <a:solidFill>
+                        <a:srgbClr val="000000"/>
+                      </a:solidFill>
+                      <a:prstDash val="solid"/>
+                      <a:round/>
+                      <a:headEnd type="none" w="med" len="med"/>
+                      <a:tailEnd type="none" w="med" len="med"/>
+                    </a:lnL>
+                    <a:lnR w="6350" cap="flat" cmpd="sng" algn="ctr">
+                      <a:solidFill>
+                        <a:srgbClr val="000000"/>
+                      </a:solidFill>
+                      <a:prstDash val="solid"/>
+                      <a:round/>
+                      <a:headEnd type="none" w="med" len="med"/>
+                      <a:tailEnd type="none" w="med" len="med"/>
+                    </a:lnR>
+                    <a:lnT w="6350" cap="flat" cmpd="sng" algn="ctr">
+                      <a:solidFill>
+                        <a:srgbClr val="000000"/>
+                      </a:solidFill>
+                      <a:prstDash val="solid"/>
+                      <a:round/>
+                      <a:headEnd type="none" w="med" len="med"/>
+                      <a:tailEnd type="none" w="med" len="med"/>
+                    </a:lnT>
+                    <a:lnB w="6350" cap="flat" cmpd="sng" algn="ctr">
+                      <a:solidFill>
+                        <a:srgbClr val="000000"/>
+                      </a:solidFill>
+                      <a:prstDash val="solid"/>
+                      <a:round/>
+                      <a:headEnd type="none" w="med" len="med"/>
+                      <a:tailEnd type="none" w="med" len="med"/>
+                    </a:lnB>
+                    <a:noFill/>
+                  </a:tcPr>
+                </a:tc>
+                <a:tc>
+                  <a:txBody>
+                    <a:bodyPr/>
+                    <a:lstStyle/>
+                    <a:p>
+                      <a:pPr algn="r" rtl="0" fontAlgn="ctr"/>
+                      <a:r>
+                        <a:rPr lang="en-GB" sz="800" b="0" i="0" u="none" strike="noStrike">
+                          <a:solidFill>
+                            <a:srgbClr val="000000"/>
+                          </a:solidFill>
+                          <a:effectLst/>
+                          <a:latin typeface="Arial" panose="020B0604020202020204" pitchFamily="34" charset="0"/>
+                        </a:rPr>
+                        <a:t>11,28%</a:t>
+                      </a:r>
+                    </a:p>
+                  </a:txBody>
+                  <a:tcPr marL="4886" marR="4886" marT="4886" marB="35182" anchor="ctr">
+                    <a:lnL w="6350" cap="flat" cmpd="sng" algn="ctr">
+                      <a:solidFill>
+                        <a:srgbClr val="000000"/>
+                      </a:solidFill>
+                      <a:prstDash val="solid"/>
+                      <a:round/>
+                      <a:headEnd type="none" w="med" len="med"/>
+                      <a:tailEnd type="none" w="med" len="med"/>
+                    </a:lnL>
+                    <a:lnR w="6350" cap="flat" cmpd="sng" algn="ctr">
+                      <a:solidFill>
+                        <a:srgbClr val="000000"/>
+                      </a:solidFill>
+                      <a:prstDash val="solid"/>
+                      <a:round/>
+                      <a:headEnd type="none" w="med" len="med"/>
+                      <a:tailEnd type="none" w="med" len="med"/>
+                    </a:lnR>
+                    <a:lnT w="6350" cap="flat" cmpd="sng" algn="ctr">
+                      <a:solidFill>
+                        <a:srgbClr val="000000"/>
+                      </a:solidFill>
+                      <a:prstDash val="solid"/>
+                      <a:round/>
+                      <a:headEnd type="none" w="med" len="med"/>
+                      <a:tailEnd type="none" w="med" len="med"/>
+                    </a:lnT>
+                    <a:lnB w="6350" cap="flat" cmpd="sng" algn="ctr">
+                      <a:solidFill>
+                        <a:srgbClr val="000000"/>
+                      </a:solidFill>
+                      <a:prstDash val="solid"/>
+                      <a:round/>
+                      <a:headEnd type="none" w="med" len="med"/>
+                      <a:tailEnd type="none" w="med" len="med"/>
+                    </a:lnB>
+                    <a:noFill/>
+                  </a:tcPr>
+                </a:tc>
+                <a:tc>
+                  <a:txBody>
+                    <a:bodyPr/>
+                    <a:lstStyle/>
+                    <a:p>
+                      <a:pPr algn="r" rtl="0" fontAlgn="ctr"/>
+                      <a:r>
+                        <a:rPr lang="en-GB" sz="800" b="0" i="0" u="none" strike="noStrike">
+                          <a:solidFill>
+                            <a:srgbClr val="000000"/>
+                          </a:solidFill>
+                          <a:effectLst/>
+                          <a:latin typeface="Arial" panose="020B0604020202020204" pitchFamily="34" charset="0"/>
+                        </a:rPr>
+                        <a:t>60,31%</a:t>
+                      </a:r>
+                    </a:p>
+                  </a:txBody>
+                  <a:tcPr marL="4886" marR="4886" marT="4886" marB="35182" anchor="ctr">
+                    <a:lnL w="6350" cap="flat" cmpd="sng" algn="ctr">
+                      <a:solidFill>
+                        <a:srgbClr val="000000"/>
+                      </a:solidFill>
+                      <a:prstDash val="solid"/>
+                      <a:round/>
+                      <a:headEnd type="none" w="med" len="med"/>
+                      <a:tailEnd type="none" w="med" len="med"/>
+                    </a:lnL>
+                    <a:lnR w="6350" cap="flat" cmpd="sng" algn="ctr">
+                      <a:solidFill>
+                        <a:srgbClr val="000000"/>
+                      </a:solidFill>
+                      <a:prstDash val="solid"/>
+                      <a:round/>
+                      <a:headEnd type="none" w="med" len="med"/>
+                      <a:tailEnd type="none" w="med" len="med"/>
+                    </a:lnR>
+                    <a:lnT w="6350" cap="flat" cmpd="sng" algn="ctr">
+                      <a:solidFill>
+                        <a:srgbClr val="000000"/>
+                      </a:solidFill>
+                      <a:prstDash val="solid"/>
+                      <a:round/>
+                      <a:headEnd type="none" w="med" len="med"/>
+                      <a:tailEnd type="none" w="med" len="med"/>
+                    </a:lnT>
+                    <a:lnB w="6350" cap="flat" cmpd="sng" algn="ctr">
+                      <a:solidFill>
+                        <a:srgbClr val="000000"/>
+                      </a:solidFill>
+                      <a:prstDash val="solid"/>
+                      <a:round/>
+                      <a:headEnd type="none" w="med" len="med"/>
+                      <a:tailEnd type="none" w="med" len="med"/>
+                    </a:lnB>
+                    <a:noFill/>
+                  </a:tcPr>
+                </a:tc>
+                <a:tc>
+                  <a:txBody>
+                    <a:bodyPr/>
+                    <a:lstStyle/>
+                    <a:p>
+                      <a:pPr algn="r" rtl="0" fontAlgn="ctr"/>
+                      <a:r>
+                        <a:rPr lang="en-GB" sz="800" b="0" i="0" u="none" strike="noStrike">
+                          <a:solidFill>
+                            <a:srgbClr val="000000"/>
+                          </a:solidFill>
+                          <a:effectLst/>
+                          <a:latin typeface="Arial" panose="020B0604020202020204" pitchFamily="34" charset="0"/>
+                        </a:rPr>
+                        <a:t>10,12%</a:t>
+                      </a:r>
+                    </a:p>
+                  </a:txBody>
+                  <a:tcPr marL="4886" marR="4886" marT="4886" marB="35182" anchor="ctr">
+                    <a:lnL w="6350" cap="flat" cmpd="sng" algn="ctr">
+                      <a:solidFill>
+                        <a:srgbClr val="000000"/>
+                      </a:solidFill>
+                      <a:prstDash val="solid"/>
+                      <a:round/>
+                      <a:headEnd type="none" w="med" len="med"/>
+                      <a:tailEnd type="none" w="med" len="med"/>
+                    </a:lnL>
+                    <a:lnR w="6350" cap="flat" cmpd="sng" algn="ctr">
+                      <a:solidFill>
+                        <a:srgbClr val="000000"/>
+                      </a:solidFill>
+                      <a:prstDash val="solid"/>
+                      <a:round/>
+                      <a:headEnd type="none" w="med" len="med"/>
+                      <a:tailEnd type="none" w="med" len="med"/>
+                    </a:lnR>
+                    <a:lnT w="6350" cap="flat" cmpd="sng" algn="ctr">
+                      <a:solidFill>
+                        <a:srgbClr val="000000"/>
+                      </a:solidFill>
+                      <a:prstDash val="solid"/>
+                      <a:round/>
+                      <a:headEnd type="none" w="med" len="med"/>
+                      <a:tailEnd type="none" w="med" len="med"/>
+                    </a:lnT>
+                    <a:lnB w="6350" cap="flat" cmpd="sng" algn="ctr">
+                      <a:solidFill>
+                        <a:srgbClr val="000000"/>
+                      </a:solidFill>
+                      <a:prstDash val="solid"/>
+                      <a:round/>
+                      <a:headEnd type="none" w="med" len="med"/>
+                      <a:tailEnd type="none" w="med" len="med"/>
+                    </a:lnB>
+                    <a:noFill/>
+                  </a:tcPr>
+                </a:tc>
+                <a:tc>
+                  <a:txBody>
+                    <a:bodyPr/>
+                    <a:lstStyle/>
+                    <a:p>
+                      <a:pPr algn="r" rtl="0" fontAlgn="ctr"/>
+                      <a:r>
+                        <a:rPr lang="en-GB" sz="800" b="0" i="0" u="none" strike="noStrike">
+                          <a:solidFill>
+                            <a:srgbClr val="000000"/>
+                          </a:solidFill>
+                          <a:effectLst/>
+                          <a:latin typeface="Arial" panose="020B0604020202020204" pitchFamily="34" charset="0"/>
+                        </a:rPr>
+                        <a:t>0,00%</a:t>
+                      </a:r>
+                    </a:p>
+                  </a:txBody>
+                  <a:tcPr marL="4886" marR="4886" marT="4886" marB="35182" anchor="ctr">
+                    <a:lnL w="6350" cap="flat" cmpd="sng" algn="ctr">
+                      <a:solidFill>
+                        <a:srgbClr val="000000"/>
+                      </a:solidFill>
+                      <a:prstDash val="solid"/>
+                      <a:round/>
+                      <a:headEnd type="none" w="med" len="med"/>
+                      <a:tailEnd type="none" w="med" len="med"/>
+                    </a:lnL>
+                    <a:lnR w="6350" cap="flat" cmpd="sng" algn="ctr">
+                      <a:solidFill>
+                        <a:srgbClr val="000000"/>
+                      </a:solidFill>
+                      <a:prstDash val="solid"/>
+                      <a:round/>
+                      <a:headEnd type="none" w="med" len="med"/>
+                      <a:tailEnd type="none" w="med" len="med"/>
+                    </a:lnR>
+                    <a:lnT w="6350" cap="flat" cmpd="sng" algn="ctr">
+                      <a:solidFill>
+                        <a:srgbClr val="000000"/>
+                      </a:solidFill>
+                      <a:prstDash val="solid"/>
+                      <a:round/>
+                      <a:headEnd type="none" w="med" len="med"/>
+                      <a:tailEnd type="none" w="med" len="med"/>
+                    </a:lnT>
+                    <a:lnB w="6350" cap="flat" cmpd="sng" algn="ctr">
+                      <a:solidFill>
+                        <a:srgbClr val="000000"/>
+                      </a:solidFill>
+                      <a:prstDash val="solid"/>
+                      <a:round/>
+                      <a:headEnd type="none" w="med" len="med"/>
+                      <a:tailEnd type="none" w="med" len="med"/>
+                    </a:lnB>
+                    <a:noFill/>
+                  </a:tcPr>
+                </a:tc>
+                <a:tc>
+                  <a:txBody>
+                    <a:bodyPr/>
+                    <a:lstStyle/>
+                    <a:p>
+                      <a:pPr algn="r" rtl="0" fontAlgn="ctr"/>
+                      <a:r>
+                        <a:rPr lang="en-GB" sz="800" b="0" i="0" u="none" strike="noStrike">
+                          <a:solidFill>
+                            <a:srgbClr val="000000"/>
+                          </a:solidFill>
+                          <a:effectLst/>
+                          <a:latin typeface="Arial" panose="020B0604020202020204" pitchFamily="34" charset="0"/>
+                        </a:rPr>
+                        <a:t>8,95%</a:t>
+                      </a:r>
+                    </a:p>
+                  </a:txBody>
+                  <a:tcPr marL="4886" marR="4886" marT="4886" marB="35182" anchor="ctr">
+                    <a:lnL w="6350" cap="flat" cmpd="sng" algn="ctr">
+                      <a:solidFill>
+                        <a:srgbClr val="000000"/>
+                      </a:solidFill>
+                      <a:prstDash val="solid"/>
+                      <a:round/>
+                      <a:headEnd type="none" w="med" len="med"/>
+                      <a:tailEnd type="none" w="med" len="med"/>
+                    </a:lnL>
+                    <a:lnR w="6350" cap="flat" cmpd="sng" algn="ctr">
+                      <a:solidFill>
+                        <a:srgbClr val="000000"/>
+                      </a:solidFill>
+                      <a:prstDash val="solid"/>
+                      <a:round/>
+                      <a:headEnd type="none" w="med" len="med"/>
+                      <a:tailEnd type="none" w="med" len="med"/>
+                    </a:lnR>
+                    <a:lnT w="6350" cap="flat" cmpd="sng" algn="ctr">
+                      <a:solidFill>
+                        <a:srgbClr val="000000"/>
+                      </a:solidFill>
+                      <a:prstDash val="solid"/>
+                      <a:round/>
+                      <a:headEnd type="none" w="med" len="med"/>
+                      <a:tailEnd type="none" w="med" len="med"/>
+                    </a:lnT>
+                    <a:lnB w="6350" cap="flat" cmpd="sng" algn="ctr">
+                      <a:solidFill>
+                        <a:srgbClr val="000000"/>
+                      </a:solidFill>
+                      <a:prstDash val="solid"/>
+                      <a:round/>
+                      <a:headEnd type="none" w="med" len="med"/>
+                      <a:tailEnd type="none" w="med" len="med"/>
+                    </a:lnB>
+                    <a:noFill/>
+                  </a:tcPr>
+                </a:tc>
+                <a:tc>
+                  <a:txBody>
+                    <a:bodyPr/>
+                    <a:lstStyle/>
+                    <a:p>
+                      <a:pPr algn="r" rtl="0" fontAlgn="ctr"/>
+                      <a:r>
+                        <a:rPr lang="en-GB" sz="800" b="0" i="0" u="none" strike="noStrike" dirty="0">
+                          <a:solidFill>
+                            <a:srgbClr val="000000"/>
+                          </a:solidFill>
+                          <a:effectLst/>
+                          <a:latin typeface="Arial" panose="020B0604020202020204" pitchFamily="34" charset="0"/>
+                        </a:rPr>
+                        <a:t>5,84%</a:t>
+                      </a:r>
+                    </a:p>
+                  </a:txBody>
+                  <a:tcPr marL="4886" marR="4886" marT="4886" marB="35182" anchor="ctr">
+                    <a:lnL w="6350" cap="flat" cmpd="sng" algn="ctr">
+                      <a:solidFill>
+                        <a:srgbClr val="000000"/>
+                      </a:solidFill>
+                      <a:prstDash val="solid"/>
+                      <a:round/>
+                      <a:headEnd type="none" w="med" len="med"/>
+                      <a:tailEnd type="none" w="med" len="med"/>
+                    </a:lnL>
+                    <a:lnR w="6350" cap="flat" cmpd="sng" algn="ctr">
+                      <a:solidFill>
+                        <a:srgbClr val="000000"/>
+                      </a:solidFill>
+                      <a:prstDash val="solid"/>
+                      <a:round/>
+                      <a:headEnd type="none" w="med" len="med"/>
+                      <a:tailEnd type="none" w="med" len="med"/>
+                    </a:lnR>
+                    <a:lnT w="6350" cap="flat" cmpd="sng" algn="ctr">
+                      <a:solidFill>
+                        <a:srgbClr val="000000"/>
+                      </a:solidFill>
+                      <a:prstDash val="solid"/>
+                      <a:round/>
+                      <a:headEnd type="none" w="med" len="med"/>
+                      <a:tailEnd type="none" w="med" len="med"/>
+                    </a:lnT>
+                    <a:lnB w="6350" cap="flat" cmpd="sng" algn="ctr">
+                      <a:solidFill>
+                        <a:srgbClr val="000000"/>
+                      </a:solidFill>
+                      <a:prstDash val="solid"/>
+                      <a:round/>
+                      <a:headEnd type="none" w="med" len="med"/>
+                      <a:tailEnd type="none" w="med" len="med"/>
+                    </a:lnB>
+                    <a:noFill/>
+                  </a:tcPr>
+                </a:tc>
+                <a:tc>
+                  <a:txBody>
+                    <a:bodyPr/>
+                    <a:lstStyle/>
+                    <a:p>
+                      <a:pPr algn="r" rtl="0" fontAlgn="ctr"/>
+                      <a:r>
+                        <a:rPr lang="en-GB" sz="800" b="0" i="0" u="none" strike="noStrike" dirty="0">
+                          <a:solidFill>
+                            <a:srgbClr val="000000"/>
+                          </a:solidFill>
+                          <a:effectLst/>
+                          <a:latin typeface="Arial" panose="020B0604020202020204" pitchFamily="34" charset="0"/>
+                        </a:rPr>
+                        <a:t>0,00%</a:t>
+                      </a:r>
+                    </a:p>
+                  </a:txBody>
+                  <a:tcPr marL="4886" marR="4886" marT="4886" marB="35182" anchor="ctr">
+                    <a:lnL w="6350" cap="flat" cmpd="sng" algn="ctr">
+                      <a:solidFill>
+                        <a:srgbClr val="000000"/>
+                      </a:solidFill>
+                      <a:prstDash val="solid"/>
+                      <a:round/>
+                      <a:headEnd type="none" w="med" len="med"/>
+                      <a:tailEnd type="none" w="med" len="med"/>
+                    </a:lnL>
+                    <a:lnR w="6350" cap="flat" cmpd="sng" algn="ctr">
+                      <a:solidFill>
+                        <a:srgbClr val="000000"/>
+                      </a:solidFill>
+                      <a:prstDash val="solid"/>
+                      <a:round/>
+                      <a:headEnd type="none" w="med" len="med"/>
+                      <a:tailEnd type="none" w="med" len="med"/>
+                    </a:lnR>
+                    <a:lnT w="6350" cap="flat" cmpd="sng" algn="ctr">
+                      <a:solidFill>
+                        <a:srgbClr val="000000"/>
+                      </a:solidFill>
+                      <a:prstDash val="solid"/>
+                      <a:round/>
+                      <a:headEnd type="none" w="med" len="med"/>
+                      <a:tailEnd type="none" w="med" len="med"/>
+                    </a:lnT>
+                    <a:lnB w="6350" cap="flat" cmpd="sng" algn="ctr">
+                      <a:solidFill>
+                        <a:srgbClr val="000000"/>
+                      </a:solidFill>
+                      <a:prstDash val="solid"/>
+                      <a:round/>
+                      <a:headEnd type="none" w="med" len="med"/>
+                      <a:tailEnd type="none" w="med" len="med"/>
+                    </a:lnB>
+                    <a:noFill/>
+                  </a:tcPr>
+                </a:tc>
+                <a:tc gridSpan="2" vMerge="1">
+                  <a:txBody>
+                    <a:bodyPr/>
+                    <a:lstStyle/>
+                    <a:p>
+                      <a:endParaRPr lang="en-GB"/>
+                    </a:p>
+                  </a:txBody>
+                  <a:tcPr/>
+                </a:tc>
+                <a:tc hMerge="1" vMerge="1">
+                  <a:txBody>
+                    <a:bodyPr/>
+                    <a:lstStyle/>
+                    <a:p>
+                      <a:endParaRPr lang="en-GB"/>
+                    </a:p>
+                  </a:txBody>
+                  <a:tcPr/>
+                </a:tc>
+                <a:extLst>
+                  <a:ext uri="{0D108BD9-81ED-4DB2-BD59-A6C34878D82A}">
+                    <a16:rowId xmlns:a16="http://schemas.microsoft.com/office/drawing/2014/main" val="4064802684"/>
+                  </a:ext>
+                </a:extLst>
+              </a:tr>
+            </a:tbl>
+          </a:graphicData>
+        </a:graphic>
+      </p:graphicFrame>
     </p:spTree>
     <p:extLst>
       <p:ext uri="{BB962C8B-B14F-4D97-AF65-F5344CB8AC3E}">
@@ -14105,7 +18949,7 @@
           <p:nvPr/>
         </p:nvPicPr>
         <p:blipFill rotWithShape="1">
-          <a:blip r:embed="rId3" cstate="hqprint">
+          <a:blip r:embed="rId3" cstate="print">
             <a:extLst>
               <a:ext uri="{28A0092B-C50C-407E-A947-70E740481C1C}">
                 <a14:useLocalDpi xmlns:a14="http://schemas.microsoft.com/office/drawing/2010/main" val="0"/>
@@ -15485,7 +20329,7 @@
           <p:nvPr/>
         </p:nvPicPr>
         <p:blipFill>
-          <a:blip r:embed="rId3">
+          <a:blip r:embed="rId3" cstate="print">
             <a:extLst>
               <a:ext uri="{28A0092B-C50C-407E-A947-70E740481C1C}">
                 <a14:useLocalDpi xmlns:a14="http://schemas.microsoft.com/office/drawing/2010/main" val="0"/>
@@ -15628,7 +20472,7 @@
             <p:nvPr/>
           </p:nvPicPr>
           <p:blipFill>
-            <a:blip r:embed="rId4" cstate="hqprint">
+            <a:blip r:embed="rId4" cstate="print">
               <a:extLst>
                 <a:ext uri="{28A0092B-C50C-407E-A947-70E740481C1C}">
                   <a14:useLocalDpi xmlns:a14="http://schemas.microsoft.com/office/drawing/2010/main" val="0"/>
@@ -16048,7 +20892,7 @@
           <p:nvPr/>
         </p:nvPicPr>
         <p:blipFill>
-          <a:blip r:embed="rId2" cstate="hqprint">
+          <a:blip r:embed="rId2" cstate="print">
             <a:extLst>
               <a:ext uri="{28A0092B-C50C-407E-A947-70E740481C1C}">
                 <a14:useLocalDpi xmlns:a14="http://schemas.microsoft.com/office/drawing/2010/main" val="0"/>
@@ -16425,7 +21269,7 @@
           <p:nvPr/>
         </p:nvPicPr>
         <p:blipFill>
-          <a:blip r:embed="rId3" cstate="hqprint">
+          <a:blip r:embed="rId3" cstate="print">
             <a:extLst>
               <a:ext uri="{28A0092B-C50C-407E-A947-70E740481C1C}">
                 <a14:useLocalDpi xmlns:a14="http://schemas.microsoft.com/office/drawing/2010/main" val="0"/>

--- a/ShiftsHappen/Sprint 2/CSW Sprint 2.pptx
+++ b/ShiftsHappen/Sprint 2/CSW Sprint 2.pptx
@@ -595,6 +595,186 @@
       </p:grpSpPr>
       <p:sp>
         <p:nvSpPr>
+          <p:cNvPr id="2" name="Segnaposto immagine diapositiva 1"/>
+          <p:cNvSpPr>
+            <a:spLocks noGrp="1" noRot="1" noChangeAspect="1"/>
+          </p:cNvSpPr>
+          <p:nvPr>
+            <p:ph type="sldImg"/>
+          </p:nvPr>
+        </p:nvSpPr>
+        <p:spPr/>
+      </p:sp>
+      <p:sp>
+        <p:nvSpPr>
+          <p:cNvPr id="3" name="Segnaposto note 2"/>
+          <p:cNvSpPr>
+            <a:spLocks noGrp="1"/>
+          </p:cNvSpPr>
+          <p:nvPr>
+            <p:ph type="body" idx="1"/>
+          </p:nvPr>
+        </p:nvSpPr>
+        <p:spPr/>
+        <p:txBody>
+          <a:bodyPr/>
+          <a:lstStyle/>
+          <a:p>
+            <a:r>
+              <a:rPr lang="it-IT" dirty="0"/>
+              <a:t>Tra le </a:t>
+            </a:r>
+            <a:r>
+              <a:rPr lang="it-IT" dirty="0" err="1"/>
+              <a:t>issues</a:t>
+            </a:r>
+            <a:r>
+              <a:rPr lang="it-IT" dirty="0"/>
+              <a:t> delineate anche negli scorsi sprint si è osservata la mancanza di test, i quali erano stati disabilitati poiché usavano una nomenclatura e una logica obsoleta, che andava integrata con le modifiche che ci sono state negli anni passati… Un risultato importate da riportare è stato che, una volta integrata la nuova logica e nomenclatura nei vecchi test, questi continuavano a passare, indice di una buona definizione iniziale.</a:t>
+            </a:r>
+            <a:endParaRPr lang="en-GB" dirty="0"/>
+          </a:p>
+        </p:txBody>
+      </p:sp>
+      <p:sp>
+        <p:nvSpPr>
+          <p:cNvPr id="4" name="Segnaposto numero diapositiva 3"/>
+          <p:cNvSpPr>
+            <a:spLocks noGrp="1"/>
+          </p:cNvSpPr>
+          <p:nvPr>
+            <p:ph type="sldNum" sz="quarter" idx="5"/>
+          </p:nvPr>
+        </p:nvSpPr>
+        <p:spPr/>
+        <p:txBody>
+          <a:bodyPr/>
+          <a:lstStyle/>
+          <a:p>
+            <a:fld id="{A2A64AC7-4DA4-48E7-90C1-5D3C29B92E12}" type="slidenum">
+              <a:rPr lang="en-GB" smtClean="0"/>
+              <a:t>4</a:t>
+            </a:fld>
+            <a:endParaRPr lang="en-GB"/>
+          </a:p>
+        </p:txBody>
+      </p:sp>
+    </p:spTree>
+    <p:extLst>
+      <p:ext uri="{BB962C8B-B14F-4D97-AF65-F5344CB8AC3E}">
+        <p14:creationId xmlns:p14="http://schemas.microsoft.com/office/powerpoint/2010/main" val="1685847880"/>
+      </p:ext>
+    </p:extLst>
+  </p:cSld>
+  <p:clrMapOvr>
+    <a:masterClrMapping/>
+  </p:clrMapOvr>
+</p:notes>
+</file>
+
+<file path=ppt/notesSlides/notesSlide3.xml><?xml version="1.0" encoding="utf-8"?>
+<p:notes xmlns:a="http://schemas.openxmlformats.org/drawingml/2006/main" xmlns:r="http://schemas.openxmlformats.org/officeDocument/2006/relationships" xmlns:p="http://schemas.openxmlformats.org/presentationml/2006/main">
+  <p:cSld>
+    <p:spTree>
+      <p:nvGrpSpPr>
+        <p:cNvPr id="1" name=""/>
+        <p:cNvGrpSpPr/>
+        <p:nvPr/>
+      </p:nvGrpSpPr>
+      <p:grpSpPr>
+        <a:xfrm>
+          <a:off x="0" y="0"/>
+          <a:ext cx="0" cy="0"/>
+          <a:chOff x="0" y="0"/>
+          <a:chExt cx="0" cy="0"/>
+        </a:xfrm>
+      </p:grpSpPr>
+      <p:sp>
+        <p:nvSpPr>
+          <p:cNvPr id="2" name="Segnaposto immagine diapositiva 1"/>
+          <p:cNvSpPr>
+            <a:spLocks noGrp="1" noRot="1" noChangeAspect="1"/>
+          </p:cNvSpPr>
+          <p:nvPr>
+            <p:ph type="sldImg"/>
+          </p:nvPr>
+        </p:nvSpPr>
+        <p:spPr/>
+      </p:sp>
+      <p:sp>
+        <p:nvSpPr>
+          <p:cNvPr id="3" name="Segnaposto note 2"/>
+          <p:cNvSpPr>
+            <a:spLocks noGrp="1"/>
+          </p:cNvSpPr>
+          <p:nvPr>
+            <p:ph type="body" idx="1"/>
+          </p:nvPr>
+        </p:nvSpPr>
+        <p:spPr/>
+        <p:txBody>
+          <a:bodyPr/>
+          <a:lstStyle/>
+          <a:p>
+            <a:endParaRPr lang="en-GB" dirty="0"/>
+          </a:p>
+        </p:txBody>
+      </p:sp>
+      <p:sp>
+        <p:nvSpPr>
+          <p:cNvPr id="4" name="Segnaposto numero diapositiva 3"/>
+          <p:cNvSpPr>
+            <a:spLocks noGrp="1"/>
+          </p:cNvSpPr>
+          <p:nvPr>
+            <p:ph type="sldNum" sz="quarter" idx="5"/>
+          </p:nvPr>
+        </p:nvSpPr>
+        <p:spPr/>
+        <p:txBody>
+          <a:bodyPr/>
+          <a:lstStyle/>
+          <a:p>
+            <a:fld id="{A2A64AC7-4DA4-48E7-90C1-5D3C29B92E12}" type="slidenum">
+              <a:rPr lang="en-GB" smtClean="0"/>
+              <a:t>14</a:t>
+            </a:fld>
+            <a:endParaRPr lang="en-GB"/>
+          </a:p>
+        </p:txBody>
+      </p:sp>
+    </p:spTree>
+    <p:extLst>
+      <p:ext uri="{BB962C8B-B14F-4D97-AF65-F5344CB8AC3E}">
+        <p14:creationId xmlns:p14="http://schemas.microsoft.com/office/powerpoint/2010/main" val="1805187566"/>
+      </p:ext>
+    </p:extLst>
+  </p:cSld>
+  <p:clrMapOvr>
+    <a:masterClrMapping/>
+  </p:clrMapOvr>
+</p:notes>
+</file>
+
+<file path=ppt/notesSlides/notesSlide4.xml><?xml version="1.0" encoding="utf-8"?>
+<p:notes xmlns:a="http://schemas.openxmlformats.org/drawingml/2006/main" xmlns:r="http://schemas.openxmlformats.org/officeDocument/2006/relationships" xmlns:p="http://schemas.openxmlformats.org/presentationml/2006/main">
+  <p:cSld>
+    <p:spTree>
+      <p:nvGrpSpPr>
+        <p:cNvPr id="1" name=""/>
+        <p:cNvGrpSpPr/>
+        <p:nvPr/>
+      </p:nvGrpSpPr>
+      <p:grpSpPr>
+        <a:xfrm>
+          <a:off x="0" y="0"/>
+          <a:ext cx="0" cy="0"/>
+          <a:chOff x="0" y="0"/>
+          <a:chExt cx="0" cy="0"/>
+        </a:xfrm>
+      </p:grpSpPr>
+      <p:sp>
+        <p:nvSpPr>
           <p:cNvPr id="2" name="Slide Image Placeholder 1"/>
           <p:cNvSpPr>
             <a:spLocks noGrp="1" noRot="1" noChangeAspect="1"/>
@@ -662,7 +842,7 @@
 </p:notes>
 </file>
 
-<file path=ppt/notesSlides/notesSlide3.xml><?xml version="1.0" encoding="utf-8"?>
+<file path=ppt/notesSlides/notesSlide5.xml><?xml version="1.0" encoding="utf-8"?>
 <p:notes xmlns:a="http://schemas.openxmlformats.org/drawingml/2006/main" xmlns:r="http://schemas.openxmlformats.org/officeDocument/2006/relationships" xmlns:p="http://schemas.openxmlformats.org/presentationml/2006/main">
   <p:cSld>
     <p:spTree>
@@ -766,7 +946,7 @@
 </p:notes>
 </file>
 
-<file path=ppt/notesSlides/notesSlide4.xml><?xml version="1.0" encoding="utf-8"?>
+<file path=ppt/notesSlides/notesSlide6.xml><?xml version="1.0" encoding="utf-8"?>
 <p:notes xmlns:a="http://schemas.openxmlformats.org/drawingml/2006/main" xmlns:r="http://schemas.openxmlformats.org/officeDocument/2006/relationships" xmlns:p="http://schemas.openxmlformats.org/presentationml/2006/main">
   <p:cSld>
     <p:spTree>
@@ -7733,7 +7913,7 @@
           <p:nvPr/>
         </p:nvPicPr>
         <p:blipFill>
-          <a:blip r:embed="rId2"/>
+          <a:blip r:embed="rId3"/>
           <a:stretch>
             <a:fillRect/>
           </a:stretch>
@@ -7760,7 +7940,13 @@
           <p:cNvGraphicFramePr>
             <a:graphicFrameLocks noGrp="1"/>
           </p:cNvGraphicFramePr>
-          <p:nvPr/>
+          <p:nvPr>
+            <p:extLst>
+              <p:ext uri="{D42A27DB-BD31-4B8C-83A1-F6EECF244321}">
+                <p14:modId xmlns:p14="http://schemas.microsoft.com/office/powerpoint/2010/main" val="1900844637"/>
+              </p:ext>
+            </p:extLst>
+          </p:nvPr>
         </p:nvGraphicFramePr>
         <p:xfrm>
           <a:off x="639724" y="2327472"/>
@@ -8555,7 +8741,7 @@
                           <a:ea typeface="+mn-ea"/>
                           <a:cs typeface="+mn-cs"/>
                         </a:rPr>
-                        <a:t> health, dump, environment, dump, e </a:t>
+                        <a:t> health, environment, dump, e </a:t>
                       </a:r>
                       <a:r>
                         <a:rPr lang="en-GB" sz="1100" b="0" i="0" u="none" strike="noStrike" kern="1200" dirty="0" err="1">
@@ -8739,15 +8925,18 @@
                         </a:rPr>
                         <a:t>l’applicazione</a:t>
                       </a:r>
-                      <a:endParaRPr lang="en-GB" sz="1100" b="0" i="0" u="none" strike="noStrike" kern="1200" dirty="0">
-                        <a:solidFill>
-                          <a:schemeClr val="dk1"/>
-                        </a:solidFill>
-                        <a:effectLst/>
-                        <a:latin typeface="+mn-lt"/>
-                        <a:ea typeface="+mn-ea"/>
-                        <a:cs typeface="+mn-cs"/>
-                      </a:endParaRPr>
+                      <a:r>
+                        <a:rPr lang="en-GB" sz="1100" b="0" i="0" u="none" strike="noStrike" kern="1200" dirty="0">
+                          <a:solidFill>
+                            <a:schemeClr val="dk1"/>
+                          </a:solidFill>
+                          <a:effectLst/>
+                          <a:latin typeface="+mn-lt"/>
+                          <a:ea typeface="+mn-ea"/>
+                          <a:cs typeface="+mn-cs"/>
+                        </a:rPr>
+                        <a:t>.</a:t>
+                      </a:r>
                     </a:p>
                     <a:p>
                       <a:endParaRPr lang="en-GB" sz="1100" b="0" i="0" u="none" strike="noStrike" kern="1200" dirty="0">
@@ -8866,7 +9055,7 @@
                           <a:ea typeface="+mn-ea"/>
                           <a:cs typeface="+mn-cs"/>
                         </a:rPr>
-                        <a:t> React: </a:t>
+                        <a:t> React, </a:t>
                       </a:r>
                       <a:r>
                         <a:rPr lang="en-GB" sz="1100" b="0" i="0" u="none" strike="noStrike" kern="1200" dirty="0" err="1">
@@ -10494,7 +10683,7 @@
         <p:spPr>
           <a:xfrm>
             <a:off x="639726" y="1613118"/>
-            <a:ext cx="6654056" cy="3416320"/>
+            <a:ext cx="6654056" cy="3970318"/>
           </a:xfrm>
           <a:prstGeom prst="rect">
             <a:avLst/>
@@ -10542,6 +10731,20 @@
               <a:buFont typeface="Arial" panose="020B0604020202020204" pitchFamily="34" charset="0"/>
               <a:buChar char="•"/>
             </a:pPr>
+            <a:endParaRPr lang="it-IT" dirty="0">
+              <a:solidFill>
+                <a:schemeClr val="tx1">
+                  <a:lumMod val="85000"/>
+                  <a:lumOff val="15000"/>
+                </a:schemeClr>
+              </a:solidFill>
+            </a:endParaRPr>
+          </a:p>
+          <a:p>
+            <a:pPr marL="285750" indent="-285750">
+              <a:buFont typeface="Arial" panose="020B0604020202020204" pitchFamily="34" charset="0"/>
+              <a:buChar char="•"/>
+            </a:pPr>
             <a:r>
               <a:rPr lang="it-IT" noProof="0" dirty="0">
                 <a:solidFill>
@@ -10553,6 +10756,20 @@
               </a:rPr>
               <a:t>Aggiunta la possibilità di creare uno schedulo di un giorno</a:t>
             </a:r>
+          </a:p>
+          <a:p>
+            <a:pPr marL="285750" indent="-285750">
+              <a:buFont typeface="Arial" panose="020B0604020202020204" pitchFamily="34" charset="0"/>
+              <a:buChar char="•"/>
+            </a:pPr>
+            <a:endParaRPr lang="it-IT" dirty="0">
+              <a:solidFill>
+                <a:schemeClr val="tx1">
+                  <a:lumMod val="85000"/>
+                  <a:lumOff val="15000"/>
+                </a:schemeClr>
+              </a:solidFill>
+            </a:endParaRPr>
           </a:p>
           <a:p>
             <a:pPr marL="285750" indent="-285750">
@@ -22256,7 +22473,7 @@
           <p:nvPr/>
         </p:nvPicPr>
         <p:blipFill>
-          <a:blip r:embed="rId2"/>
+          <a:blip r:embed="rId3"/>
           <a:stretch>
             <a:fillRect/>
           </a:stretch>
@@ -22937,7 +23154,13 @@
           <p:cNvGraphicFramePr>
             <a:graphicFrameLocks noGrp="1"/>
           </p:cNvGraphicFramePr>
-          <p:nvPr/>
+          <p:nvPr>
+            <p:extLst>
+              <p:ext uri="{D42A27DB-BD31-4B8C-83A1-F6EECF244321}">
+                <p14:modId xmlns:p14="http://schemas.microsoft.com/office/powerpoint/2010/main" val="3364627457"/>
+              </p:ext>
+            </p:extLst>
+          </p:nvPr>
         </p:nvGraphicFramePr>
         <p:xfrm>
           <a:off x="639724" y="3310909"/>
@@ -22999,7 +23222,31 @@
                           <a:ea typeface="+mn-ea"/>
                           <a:cs typeface="+mn-cs"/>
                         </a:rPr>
-                        <a:t>Pattern: Store the tenant ID in a JWT claim </a:t>
+                        <a:t>Pattern: </a:t>
+                      </a:r>
+                      <a:r>
+                        <a:rPr lang="en-GB" sz="1100" b="0" i="0" u="none" strike="noStrike" kern="1200" dirty="0" err="1">
+                          <a:solidFill>
+                            <a:schemeClr val="dk1"/>
+                          </a:solidFill>
+                          <a:effectLst/>
+                          <a:latin typeface="+mn-lt"/>
+                          <a:ea typeface="+mn-ea"/>
+                          <a:cs typeface="+mn-cs"/>
+                        </a:rPr>
+                        <a:t>salva</a:t>
+                      </a:r>
+                      <a:r>
+                        <a:rPr lang="en-GB" sz="1100" b="0" i="0" u="none" strike="noStrike" kern="1200" dirty="0">
+                          <a:solidFill>
+                            <a:schemeClr val="dk1"/>
+                          </a:solidFill>
+                          <a:effectLst/>
+                          <a:latin typeface="+mn-lt"/>
+                          <a:ea typeface="+mn-ea"/>
+                          <a:cs typeface="+mn-cs"/>
+                        </a:rPr>
+                        <a:t> il tenant ID in un claim JWT</a:t>
                       </a:r>
                     </a:p>
                     <a:p>
